--- a/Reports/발표/졸업과제 다섯번째 발표 2조.pptx
+++ b/Reports/발표/졸업과제 다섯번째 발표 2조.pptx
@@ -5,22 +5,19 @@
     <p:sldMasterId id="2147483840" r:id="rId4"/>
   </p:sldMasterIdLst>
   <p:notesMasterIdLst>
-    <p:notesMasterId r:id="rId18"/>
+    <p:notesMasterId r:id="rId15"/>
   </p:notesMasterIdLst>
   <p:sldIdLst>
     <p:sldId id="256" r:id="rId5"/>
     <p:sldId id="268" r:id="rId6"/>
     <p:sldId id="259" r:id="rId7"/>
     <p:sldId id="260" r:id="rId8"/>
-    <p:sldId id="275" r:id="rId9"/>
-    <p:sldId id="278" r:id="rId10"/>
-    <p:sldId id="281" r:id="rId11"/>
-    <p:sldId id="280" r:id="rId12"/>
-    <p:sldId id="273" r:id="rId13"/>
-    <p:sldId id="282" r:id="rId14"/>
-    <p:sldId id="261" r:id="rId15"/>
-    <p:sldId id="262" r:id="rId16"/>
-    <p:sldId id="267" r:id="rId17"/>
+    <p:sldId id="280" r:id="rId9"/>
+    <p:sldId id="273" r:id="rId10"/>
+    <p:sldId id="283" r:id="rId11"/>
+    <p:sldId id="261" r:id="rId12"/>
+    <p:sldId id="262" r:id="rId13"/>
+    <p:sldId id="267" r:id="rId14"/>
   </p:sldIdLst>
   <p:sldSz cx="12192000" cy="6858000"/>
   <p:notesSz cx="6858000" cy="9144000"/>
@@ -604,112 +601,7 @@
           <a:bodyPr/>
           <a:lstStyle/>
           <a:p>
-            <a:pPr marL="0" marR="0" lvl="0" indent="0" algn="l" defTabSz="914400" rtl="0" eaLnBrk="1" fontAlgn="auto" latinLnBrk="1" hangingPunct="1">
-              <a:lnSpc>
-                <a:spcPct val="100000"/>
-              </a:lnSpc>
-              <a:spcBef>
-                <a:spcPts val="0"/>
-              </a:spcBef>
-              <a:spcAft>
-                <a:spcPts val="0"/>
-              </a:spcAft>
-              <a:buClrTx/>
-              <a:buSzTx/>
-              <a:buFontTx/>
-              <a:buNone/>
-              <a:tabLst/>
-              <a:defRPr/>
-            </a:pPr>
-            <a:r>
-              <a:rPr lang="ko-KR" altLang="en-US" dirty="0"/>
-              <a:t>개인의 운전습관때문에 애매한 경우가 많이 발생한다</a:t>
-            </a:r>
-            <a:r>
-              <a:rPr lang="en-US" altLang="ko-KR" dirty="0"/>
-              <a:t>. </a:t>
-            </a:r>
-            <a:r>
-              <a:rPr lang="ko-KR" altLang="en-US" dirty="0"/>
-              <a:t>이는 모여서 직접 확인하여 </a:t>
-            </a:r>
-            <a:r>
-              <a:rPr lang="en-US" altLang="ko-KR" dirty="0"/>
-              <a:t>labeling </a:t>
-            </a:r>
-            <a:r>
-              <a:rPr lang="ko-KR" altLang="en-US" dirty="0"/>
-              <a:t>하여 최대한 정확하게 할 계획</a:t>
-            </a:r>
-            <a:r>
-              <a:rPr lang="en-US" altLang="ko-KR" dirty="0"/>
-              <a:t>.</a:t>
-            </a:r>
-          </a:p>
-          <a:p>
-            <a:pPr marL="171450" indent="-171450">
-              <a:buFont typeface="Symbol" panose="05050102010706020507" pitchFamily="18" charset="2"/>
-              <a:buChar char="Þ"/>
-            </a:pPr>
-            <a:r>
-              <a:rPr lang="ko-KR" altLang="en-US" dirty="0"/>
-              <a:t>분석에는 개인의 의견이 판단에 영향을 줄 수 밖에 없는데 각각 </a:t>
-            </a:r>
-            <a:r>
-              <a:rPr lang="en-US" altLang="ko-KR" dirty="0"/>
-              <a:t>labeling</a:t>
-            </a:r>
-            <a:r>
-              <a:rPr lang="ko-KR" altLang="en-US" dirty="0"/>
-              <a:t>하면 기준이 흐트러질 가능성이 높음</a:t>
-            </a:r>
-            <a:r>
-              <a:rPr lang="en-US" altLang="ko-KR" dirty="0"/>
-              <a:t>.</a:t>
-            </a:r>
-          </a:p>
-          <a:p>
-            <a:pPr marL="171450" marR="0" lvl="0" indent="-171450" algn="l" defTabSz="914400" rtl="0" eaLnBrk="1" fontAlgn="auto" latinLnBrk="1" hangingPunct="1">
-              <a:lnSpc>
-                <a:spcPct val="100000"/>
-              </a:lnSpc>
-              <a:spcBef>
-                <a:spcPts val="0"/>
-              </a:spcBef>
-              <a:spcAft>
-                <a:spcPts val="0"/>
-              </a:spcAft>
-              <a:buClrTx/>
-              <a:buSzTx/>
-              <a:buFont typeface="Symbol" panose="05050102010706020507" pitchFamily="18" charset="2"/>
-              <a:buChar char="Þ"/>
-              <a:tabLst/>
-              <a:defRPr/>
-            </a:pPr>
-            <a:r>
-              <a:rPr lang="ko-KR" altLang="en-US" dirty="0"/>
-              <a:t>데이터는 여러 명이서 뽑되 </a:t>
-            </a:r>
-            <a:r>
-              <a:rPr lang="en-US" altLang="ko-KR" dirty="0"/>
-              <a:t>Labeling</a:t>
-            </a:r>
-            <a:r>
-              <a:rPr lang="ko-KR" altLang="en-US" dirty="0"/>
-              <a:t>을 한 명이 전담해서 하는 것도 고려 중</a:t>
-            </a:r>
-            <a:r>
-              <a:rPr lang="en-US" altLang="ko-KR" dirty="0"/>
-              <a:t>.</a:t>
-            </a:r>
             <a:endParaRPr lang="ko-KR" altLang="en-US" dirty="0"/>
-          </a:p>
-          <a:p>
-            <a:pPr marL="171450" indent="-171450">
-              <a:buFont typeface="Symbol" panose="05050102010706020507" pitchFamily="18" charset="2"/>
-              <a:buChar char="Þ"/>
-            </a:pPr>
-            <a:endParaRPr lang="en-US" altLang="ko-KR" dirty="0"/>
           </a:p>
         </p:txBody>
       </p:sp>
@@ -731,292 +623,6 @@
             <a:fld id="{9E332759-395D-4AEC-8BED-41EB225C9866}" type="slidenum">
               <a:rPr lang="ko-KR" altLang="en-US" smtClean="0"/>
               <a:t>10</a:t>
-            </a:fld>
-            <a:endParaRPr lang="ko-KR" altLang="en-US"/>
-          </a:p>
-        </p:txBody>
-      </p:sp>
-    </p:spTree>
-    <p:extLst>
-      <p:ext uri="{BB962C8B-B14F-4D97-AF65-F5344CB8AC3E}">
-        <p14:creationId xmlns:p14="http://schemas.microsoft.com/office/powerpoint/2010/main" val="738190929"/>
-      </p:ext>
-    </p:extLst>
-  </p:cSld>
-  <p:clrMapOvr>
-    <a:masterClrMapping/>
-  </p:clrMapOvr>
-</p:notes>
-</file>
-
-<file path=ppt/notesSlides/notesSlide11.xml><?xml version="1.0" encoding="utf-8"?>
-<p:notes xmlns:a="http://schemas.openxmlformats.org/drawingml/2006/main" xmlns:r="http://schemas.openxmlformats.org/officeDocument/2006/relationships" xmlns:p="http://schemas.openxmlformats.org/presentationml/2006/main">
-  <p:cSld>
-    <p:spTree>
-      <p:nvGrpSpPr>
-        <p:cNvPr id="1" name=""/>
-        <p:cNvGrpSpPr/>
-        <p:nvPr/>
-      </p:nvGrpSpPr>
-      <p:grpSpPr>
-        <a:xfrm>
-          <a:off x="0" y="0"/>
-          <a:ext cx="0" cy="0"/>
-          <a:chOff x="0" y="0"/>
-          <a:chExt cx="0" cy="0"/>
-        </a:xfrm>
-      </p:grpSpPr>
-      <p:sp>
-        <p:nvSpPr>
-          <p:cNvPr id="2" name="슬라이드 이미지 개체 틀 1"/>
-          <p:cNvSpPr>
-            <a:spLocks noGrp="1" noRot="1" noChangeAspect="1"/>
-          </p:cNvSpPr>
-          <p:nvPr>
-            <p:ph type="sldImg"/>
-          </p:nvPr>
-        </p:nvSpPr>
-        <p:spPr/>
-      </p:sp>
-      <p:sp>
-        <p:nvSpPr>
-          <p:cNvPr id="3" name="슬라이드 노트 개체 틀 2"/>
-          <p:cNvSpPr>
-            <a:spLocks noGrp="1"/>
-          </p:cNvSpPr>
-          <p:nvPr>
-            <p:ph type="body" idx="1"/>
-          </p:nvPr>
-        </p:nvSpPr>
-        <p:spPr/>
-        <p:txBody>
-          <a:bodyPr/>
-          <a:lstStyle/>
-          <a:p>
-            <a:r>
-              <a:rPr lang="ko-KR" altLang="en-US" dirty="0"/>
-              <a:t>회전관련 라벨 </a:t>
-            </a:r>
-            <a:r>
-              <a:rPr lang="en-US" altLang="ko-KR" dirty="0"/>
-              <a:t>– </a:t>
-            </a:r>
-            <a:r>
-              <a:rPr lang="ko-KR" altLang="en-US" dirty="0"/>
-              <a:t>속도관련 라벨로 분할 </a:t>
-            </a:r>
-            <a:r>
-              <a:rPr lang="en-US" altLang="ko-KR" dirty="0"/>
-              <a:t>-&gt; 2</a:t>
-            </a:r>
-            <a:r>
-              <a:rPr lang="ko-KR" altLang="en-US" dirty="0"/>
-              <a:t>개의 모델을 이용하여 각각의 예측 결과를 냄</a:t>
-            </a:r>
-            <a:endParaRPr lang="en-US" altLang="ko-KR" dirty="0"/>
-          </a:p>
-          <a:p>
-            <a:r>
-              <a:rPr lang="en-US" altLang="ko-KR" dirty="0"/>
-              <a:t>Merge</a:t>
-            </a:r>
-            <a:r>
-              <a:rPr lang="ko-KR" altLang="en-US" dirty="0"/>
-              <a:t>해서 최종 예측 결과를 사용하는 방법도 고려</a:t>
-            </a:r>
-            <a:r>
-              <a:rPr lang="en-US" altLang="ko-KR" dirty="0"/>
-              <a:t>.</a:t>
-            </a:r>
-          </a:p>
-        </p:txBody>
-      </p:sp>
-      <p:sp>
-        <p:nvSpPr>
-          <p:cNvPr id="4" name="슬라이드 번호 개체 틀 3"/>
-          <p:cNvSpPr>
-            <a:spLocks noGrp="1"/>
-          </p:cNvSpPr>
-          <p:nvPr>
-            <p:ph type="sldNum" sz="quarter" idx="5"/>
-          </p:nvPr>
-        </p:nvSpPr>
-        <p:spPr/>
-        <p:txBody>
-          <a:bodyPr/>
-          <a:lstStyle/>
-          <a:p>
-            <a:fld id="{9E332759-395D-4AEC-8BED-41EB225C9866}" type="slidenum">
-              <a:rPr lang="ko-KR" altLang="en-US" smtClean="0"/>
-              <a:t>11</a:t>
-            </a:fld>
-            <a:endParaRPr lang="ko-KR" altLang="en-US"/>
-          </a:p>
-        </p:txBody>
-      </p:sp>
-    </p:spTree>
-    <p:extLst>
-      <p:ext uri="{BB962C8B-B14F-4D97-AF65-F5344CB8AC3E}">
-        <p14:creationId xmlns:p14="http://schemas.microsoft.com/office/powerpoint/2010/main" val="577437897"/>
-      </p:ext>
-    </p:extLst>
-  </p:cSld>
-  <p:clrMapOvr>
-    <a:masterClrMapping/>
-  </p:clrMapOvr>
-</p:notes>
-</file>
-
-<file path=ppt/notesSlides/notesSlide12.xml><?xml version="1.0" encoding="utf-8"?>
-<p:notes xmlns:a="http://schemas.openxmlformats.org/drawingml/2006/main" xmlns:r="http://schemas.openxmlformats.org/officeDocument/2006/relationships" xmlns:p="http://schemas.openxmlformats.org/presentationml/2006/main">
-  <p:cSld>
-    <p:spTree>
-      <p:nvGrpSpPr>
-        <p:cNvPr id="1" name=""/>
-        <p:cNvGrpSpPr/>
-        <p:nvPr/>
-      </p:nvGrpSpPr>
-      <p:grpSpPr>
-        <a:xfrm>
-          <a:off x="0" y="0"/>
-          <a:ext cx="0" cy="0"/>
-          <a:chOff x="0" y="0"/>
-          <a:chExt cx="0" cy="0"/>
-        </a:xfrm>
-      </p:grpSpPr>
-      <p:sp>
-        <p:nvSpPr>
-          <p:cNvPr id="2" name="슬라이드 이미지 개체 틀 1"/>
-          <p:cNvSpPr>
-            <a:spLocks noGrp="1" noRot="1" noChangeAspect="1"/>
-          </p:cNvSpPr>
-          <p:nvPr>
-            <p:ph type="sldImg"/>
-          </p:nvPr>
-        </p:nvSpPr>
-        <p:spPr/>
-      </p:sp>
-      <p:sp>
-        <p:nvSpPr>
-          <p:cNvPr id="3" name="슬라이드 노트 개체 틀 2"/>
-          <p:cNvSpPr>
-            <a:spLocks noGrp="1"/>
-          </p:cNvSpPr>
-          <p:nvPr>
-            <p:ph type="body" idx="1"/>
-          </p:nvPr>
-        </p:nvSpPr>
-        <p:spPr/>
-        <p:txBody>
-          <a:bodyPr/>
-          <a:lstStyle/>
-          <a:p>
-            <a:endParaRPr lang="ko-KR" altLang="en-US" dirty="0"/>
-          </a:p>
-        </p:txBody>
-      </p:sp>
-      <p:sp>
-        <p:nvSpPr>
-          <p:cNvPr id="4" name="슬라이드 번호 개체 틀 3"/>
-          <p:cNvSpPr>
-            <a:spLocks noGrp="1"/>
-          </p:cNvSpPr>
-          <p:nvPr>
-            <p:ph type="sldNum" sz="quarter" idx="10"/>
-          </p:nvPr>
-        </p:nvSpPr>
-        <p:spPr/>
-        <p:txBody>
-          <a:bodyPr/>
-          <a:lstStyle/>
-          <a:p>
-            <a:fld id="{9E332759-395D-4AEC-8BED-41EB225C9866}" type="slidenum">
-              <a:rPr lang="ko-KR" altLang="en-US" smtClean="0"/>
-              <a:t>12</a:t>
-            </a:fld>
-            <a:endParaRPr lang="ko-KR" altLang="en-US"/>
-          </a:p>
-        </p:txBody>
-      </p:sp>
-    </p:spTree>
-    <p:extLst>
-      <p:ext uri="{BB962C8B-B14F-4D97-AF65-F5344CB8AC3E}">
-        <p14:creationId xmlns:p14="http://schemas.microsoft.com/office/powerpoint/2010/main" val="1870616220"/>
-      </p:ext>
-    </p:extLst>
-  </p:cSld>
-  <p:clrMapOvr>
-    <a:masterClrMapping/>
-  </p:clrMapOvr>
-</p:notes>
-</file>
-
-<file path=ppt/notesSlides/notesSlide13.xml><?xml version="1.0" encoding="utf-8"?>
-<p:notes xmlns:a="http://schemas.openxmlformats.org/drawingml/2006/main" xmlns:r="http://schemas.openxmlformats.org/officeDocument/2006/relationships" xmlns:p="http://schemas.openxmlformats.org/presentationml/2006/main">
-  <p:cSld>
-    <p:spTree>
-      <p:nvGrpSpPr>
-        <p:cNvPr id="1" name=""/>
-        <p:cNvGrpSpPr/>
-        <p:nvPr/>
-      </p:nvGrpSpPr>
-      <p:grpSpPr>
-        <a:xfrm>
-          <a:off x="0" y="0"/>
-          <a:ext cx="0" cy="0"/>
-          <a:chOff x="0" y="0"/>
-          <a:chExt cx="0" cy="0"/>
-        </a:xfrm>
-      </p:grpSpPr>
-      <p:sp>
-        <p:nvSpPr>
-          <p:cNvPr id="2" name="슬라이드 이미지 개체 틀 1"/>
-          <p:cNvSpPr>
-            <a:spLocks noGrp="1" noRot="1" noChangeAspect="1"/>
-          </p:cNvSpPr>
-          <p:nvPr>
-            <p:ph type="sldImg"/>
-          </p:nvPr>
-        </p:nvSpPr>
-        <p:spPr/>
-      </p:sp>
-      <p:sp>
-        <p:nvSpPr>
-          <p:cNvPr id="3" name="슬라이드 노트 개체 틀 2"/>
-          <p:cNvSpPr>
-            <a:spLocks noGrp="1"/>
-          </p:cNvSpPr>
-          <p:nvPr>
-            <p:ph type="body" idx="1"/>
-          </p:nvPr>
-        </p:nvSpPr>
-        <p:spPr/>
-        <p:txBody>
-          <a:bodyPr/>
-          <a:lstStyle/>
-          <a:p>
-            <a:endParaRPr lang="ko-KR" altLang="en-US" dirty="0"/>
-          </a:p>
-        </p:txBody>
-      </p:sp>
-      <p:sp>
-        <p:nvSpPr>
-          <p:cNvPr id="4" name="슬라이드 번호 개체 틀 3"/>
-          <p:cNvSpPr>
-            <a:spLocks noGrp="1"/>
-          </p:cNvSpPr>
-          <p:nvPr>
-            <p:ph type="sldNum" sz="quarter" idx="5"/>
-          </p:nvPr>
-        </p:nvSpPr>
-        <p:spPr/>
-        <p:txBody>
-          <a:bodyPr/>
-          <a:lstStyle/>
-          <a:p>
-            <a:fld id="{9E332759-395D-4AEC-8BED-41EB225C9866}" type="slidenum">
-              <a:rPr lang="ko-KR" altLang="en-US" smtClean="0"/>
-              <a:t>13</a:t>
             </a:fld>
             <a:endParaRPr lang="ko-KR" altLang="en-US"/>
           </a:p>
@@ -1331,7 +937,7 @@
           <a:bodyPr/>
           <a:lstStyle/>
           <a:p>
-            <a:endParaRPr lang="ko-KR" altLang="en-US" dirty="0"/>
+            <a:endParaRPr lang="en-US" altLang="ko-KR" dirty="0"/>
           </a:p>
         </p:txBody>
       </p:sp>
@@ -1342,7 +948,7 @@
             <a:spLocks noGrp="1"/>
           </p:cNvSpPr>
           <p:nvPr>
-            <p:ph type="sldNum" sz="quarter" idx="10"/>
+            <p:ph type="sldNum" sz="quarter" idx="5"/>
           </p:nvPr>
         </p:nvSpPr>
         <p:spPr/>
@@ -1361,7 +967,7 @@
     </p:spTree>
     <p:extLst>
       <p:ext uri="{BB962C8B-B14F-4D97-AF65-F5344CB8AC3E}">
-        <p14:creationId xmlns:p14="http://schemas.microsoft.com/office/powerpoint/2010/main" val="2122846067"/>
+        <p14:creationId xmlns:p14="http://schemas.microsoft.com/office/powerpoint/2010/main" val="4100247203"/>
       </p:ext>
     </p:extLst>
   </p:cSld>
@@ -1415,8 +1021,113 @@
           <a:bodyPr/>
           <a:lstStyle/>
           <a:p>
+            <a:pPr marL="0" marR="0" lvl="0" indent="0" algn="l" defTabSz="914400" rtl="0" eaLnBrk="1" fontAlgn="auto" latinLnBrk="1" hangingPunct="1">
+              <a:lnSpc>
+                <a:spcPct val="100000"/>
+              </a:lnSpc>
+              <a:spcBef>
+                <a:spcPts val="0"/>
+              </a:spcBef>
+              <a:spcAft>
+                <a:spcPts val="0"/>
+              </a:spcAft>
+              <a:buClrTx/>
+              <a:buSzTx/>
+              <a:buFontTx/>
+              <a:buNone/>
+              <a:tabLst/>
+              <a:defRPr/>
+            </a:pPr>
+            <a:r>
+              <a:rPr lang="ko-KR" altLang="en-US" dirty="0"/>
+              <a:t>개인의 운전습관때문에 애매한 경우가 많이 발생한다</a:t>
+            </a:r>
+            <a:r>
+              <a:rPr lang="en-US" altLang="ko-KR" dirty="0"/>
+              <a:t>. </a:t>
+            </a:r>
+            <a:r>
+              <a:rPr lang="ko-KR" altLang="en-US" dirty="0"/>
+              <a:t>이는 모여서 직접 확인하여 </a:t>
+            </a:r>
+            <a:r>
+              <a:rPr lang="en-US" altLang="ko-KR" dirty="0"/>
+              <a:t>labeling </a:t>
+            </a:r>
+            <a:r>
+              <a:rPr lang="ko-KR" altLang="en-US" dirty="0"/>
+              <a:t>하여 최대한 정확하게 할 계획</a:t>
+            </a:r>
+            <a:r>
+              <a:rPr lang="en-US" altLang="ko-KR" dirty="0"/>
+              <a:t>.</a:t>
+            </a:r>
+          </a:p>
+          <a:p>
+            <a:pPr marL="171450" indent="-171450">
+              <a:buFont typeface="Symbol" panose="05050102010706020507" pitchFamily="18" charset="2"/>
+              <a:buChar char="Þ"/>
+            </a:pPr>
+            <a:r>
+              <a:rPr lang="ko-KR" altLang="en-US" dirty="0"/>
+              <a:t>분석에는 개인의 의견이 판단에 영향을 줄 수 밖에 없는데 각각 </a:t>
+            </a:r>
+            <a:r>
+              <a:rPr lang="en-US" altLang="ko-KR" dirty="0"/>
+              <a:t>labeling</a:t>
+            </a:r>
+            <a:r>
+              <a:rPr lang="ko-KR" altLang="en-US" dirty="0"/>
+              <a:t>하면 기준이 흐트러질 가능성이 높음</a:t>
+            </a:r>
+            <a:r>
+              <a:rPr lang="en-US" altLang="ko-KR" dirty="0"/>
+              <a:t>.</a:t>
+            </a:r>
+          </a:p>
+          <a:p>
+            <a:pPr marL="171450" marR="0" lvl="0" indent="-171450" algn="l" defTabSz="914400" rtl="0" eaLnBrk="1" fontAlgn="auto" latinLnBrk="1" hangingPunct="1">
+              <a:lnSpc>
+                <a:spcPct val="100000"/>
+              </a:lnSpc>
+              <a:spcBef>
+                <a:spcPts val="0"/>
+              </a:spcBef>
+              <a:spcAft>
+                <a:spcPts val="0"/>
+              </a:spcAft>
+              <a:buClrTx/>
+              <a:buSzTx/>
+              <a:buFont typeface="Symbol" panose="05050102010706020507" pitchFamily="18" charset="2"/>
+              <a:buChar char="Þ"/>
+              <a:tabLst/>
+              <a:defRPr/>
+            </a:pPr>
+            <a:r>
+              <a:rPr lang="ko-KR" altLang="en-US" dirty="0"/>
+              <a:t>데이터는 여러 명이서 뽑되 </a:t>
+            </a:r>
+            <a:r>
+              <a:rPr lang="en-US" altLang="ko-KR" dirty="0"/>
+              <a:t>Labeling</a:t>
+            </a:r>
+            <a:r>
+              <a:rPr lang="ko-KR" altLang="en-US" dirty="0"/>
+              <a:t>을 한 명이 전담해서 하는 것도 고려 중</a:t>
+            </a:r>
+            <a:r>
+              <a:rPr lang="en-US" altLang="ko-KR" dirty="0"/>
+              <a:t>.</a:t>
+            </a:r>
             <a:endParaRPr lang="ko-KR" altLang="en-US" dirty="0"/>
           </a:p>
+          <a:p>
+            <a:pPr marL="171450" indent="-171450">
+              <a:buFont typeface="Symbol" panose="05050102010706020507" pitchFamily="18" charset="2"/>
+              <a:buChar char="Þ"/>
+            </a:pPr>
+            <a:endParaRPr lang="en-US" altLang="ko-KR" dirty="0"/>
+          </a:p>
         </p:txBody>
       </p:sp>
       <p:sp>
@@ -1426,7 +1137,7 @@
             <a:spLocks noGrp="1"/>
           </p:cNvSpPr>
           <p:nvPr>
-            <p:ph type="sldNum" sz="quarter" idx="10"/>
+            <p:ph type="sldNum" sz="quarter" idx="5"/>
           </p:nvPr>
         </p:nvSpPr>
         <p:spPr/>
@@ -1445,7 +1156,7 @@
     </p:spTree>
     <p:extLst>
       <p:ext uri="{BB962C8B-B14F-4D97-AF65-F5344CB8AC3E}">
-        <p14:creationId xmlns:p14="http://schemas.microsoft.com/office/powerpoint/2010/main" val="2122846067"/>
+        <p14:creationId xmlns:p14="http://schemas.microsoft.com/office/powerpoint/2010/main" val="2758900858"/>
       </p:ext>
     </p:extLst>
   </p:cSld>
@@ -1499,7 +1210,41 @@
           <a:bodyPr/>
           <a:lstStyle/>
           <a:p>
-            <a:endParaRPr lang="ko-KR" altLang="en-US" dirty="0"/>
+            <a:r>
+              <a:rPr lang="ko-KR" altLang="en-US" dirty="0"/>
+              <a:t>회전관련 라벨 </a:t>
+            </a:r>
+            <a:r>
+              <a:rPr lang="en-US" altLang="ko-KR" dirty="0"/>
+              <a:t>– </a:t>
+            </a:r>
+            <a:r>
+              <a:rPr lang="ko-KR" altLang="en-US" dirty="0"/>
+              <a:t>속도관련 라벨로 분할 </a:t>
+            </a:r>
+            <a:r>
+              <a:rPr lang="en-US" altLang="ko-KR" dirty="0"/>
+              <a:t>-&gt; 2</a:t>
+            </a:r>
+            <a:r>
+              <a:rPr lang="ko-KR" altLang="en-US" dirty="0"/>
+              <a:t>개의 모델을 이용하여 각각의 예측 결과를 냄</a:t>
+            </a:r>
+            <a:endParaRPr lang="en-US" altLang="ko-KR" dirty="0"/>
+          </a:p>
+          <a:p>
+            <a:r>
+              <a:rPr lang="en-US" altLang="ko-KR" dirty="0"/>
+              <a:t>Merge</a:t>
+            </a:r>
+            <a:r>
+              <a:rPr lang="ko-KR" altLang="en-US" dirty="0"/>
+              <a:t>해서 최종 예측 결과를 사용하는 방법도 고려</a:t>
+            </a:r>
+            <a:r>
+              <a:rPr lang="en-US" altLang="ko-KR" dirty="0"/>
+              <a:t>.</a:t>
+            </a:r>
           </a:p>
         </p:txBody>
       </p:sp>
@@ -1510,7 +1255,7 @@
             <a:spLocks noGrp="1"/>
           </p:cNvSpPr>
           <p:nvPr>
-            <p:ph type="sldNum" sz="quarter" idx="10"/>
+            <p:ph type="sldNum" sz="quarter" idx="5"/>
           </p:nvPr>
         </p:nvSpPr>
         <p:spPr/>
@@ -1529,7 +1274,7 @@
     </p:spTree>
     <p:extLst>
       <p:ext uri="{BB962C8B-B14F-4D97-AF65-F5344CB8AC3E}">
-        <p14:creationId xmlns:p14="http://schemas.microsoft.com/office/powerpoint/2010/main" val="3762225479"/>
+        <p14:creationId xmlns:p14="http://schemas.microsoft.com/office/powerpoint/2010/main" val="577437897"/>
       </p:ext>
     </p:extLst>
   </p:cSld>
@@ -1583,7 +1328,41 @@
           <a:bodyPr/>
           <a:lstStyle/>
           <a:p>
+            <a:r>
+              <a:rPr lang="ko-KR" altLang="en-US" dirty="0"/>
+              <a:t>회전관련 라벨 </a:t>
+            </a:r>
+            <a:r>
+              <a:rPr lang="en-US" altLang="ko-KR" dirty="0"/>
+              <a:t>– </a:t>
+            </a:r>
+            <a:r>
+              <a:rPr lang="ko-KR" altLang="en-US" dirty="0"/>
+              <a:t>속도관련 라벨로 분할 </a:t>
+            </a:r>
+            <a:r>
+              <a:rPr lang="en-US" altLang="ko-KR" dirty="0"/>
+              <a:t>-&gt; 2</a:t>
+            </a:r>
+            <a:r>
+              <a:rPr lang="ko-KR" altLang="en-US" dirty="0"/>
+              <a:t>개의 모델을 이용하여 각각의 예측 결과를 냄</a:t>
+            </a:r>
             <a:endParaRPr lang="en-US" altLang="ko-KR" dirty="0"/>
+          </a:p>
+          <a:p>
+            <a:r>
+              <a:rPr lang="en-US" altLang="ko-KR" dirty="0"/>
+              <a:t>Merge</a:t>
+            </a:r>
+            <a:r>
+              <a:rPr lang="ko-KR" altLang="en-US" dirty="0"/>
+              <a:t>해서 최종 예측 결과를 사용하는 방법도 고려</a:t>
+            </a:r>
+            <a:r>
+              <a:rPr lang="en-US" altLang="ko-KR" dirty="0"/>
+              <a:t>.</a:t>
+            </a:r>
           </a:p>
         </p:txBody>
       </p:sp>
@@ -1613,7 +1392,7 @@
     </p:spTree>
     <p:extLst>
       <p:ext uri="{BB962C8B-B14F-4D97-AF65-F5344CB8AC3E}">
-        <p14:creationId xmlns:p14="http://schemas.microsoft.com/office/powerpoint/2010/main" val="4100247203"/>
+        <p14:creationId xmlns:p14="http://schemas.microsoft.com/office/powerpoint/2010/main" val="577437897"/>
       </p:ext>
     </p:extLst>
   </p:cSld>
@@ -1667,113 +1446,8 @@
           <a:bodyPr/>
           <a:lstStyle/>
           <a:p>
-            <a:pPr marL="0" marR="0" lvl="0" indent="0" algn="l" defTabSz="914400" rtl="0" eaLnBrk="1" fontAlgn="auto" latinLnBrk="1" hangingPunct="1">
-              <a:lnSpc>
-                <a:spcPct val="100000"/>
-              </a:lnSpc>
-              <a:spcBef>
-                <a:spcPts val="0"/>
-              </a:spcBef>
-              <a:spcAft>
-                <a:spcPts val="0"/>
-              </a:spcAft>
-              <a:buClrTx/>
-              <a:buSzTx/>
-              <a:buFontTx/>
-              <a:buNone/>
-              <a:tabLst/>
-              <a:defRPr/>
-            </a:pPr>
-            <a:r>
-              <a:rPr lang="ko-KR" altLang="en-US" dirty="0"/>
-              <a:t>개인의 운전습관때문에 애매한 경우가 많이 발생한다</a:t>
-            </a:r>
-            <a:r>
-              <a:rPr lang="en-US" altLang="ko-KR" dirty="0"/>
-              <a:t>. </a:t>
-            </a:r>
-            <a:r>
-              <a:rPr lang="ko-KR" altLang="en-US" dirty="0"/>
-              <a:t>이는 모여서 직접 확인하여 </a:t>
-            </a:r>
-            <a:r>
-              <a:rPr lang="en-US" altLang="ko-KR" dirty="0"/>
-              <a:t>labeling </a:t>
-            </a:r>
-            <a:r>
-              <a:rPr lang="ko-KR" altLang="en-US" dirty="0"/>
-              <a:t>하여 최대한 정확하게 할 계획</a:t>
-            </a:r>
-            <a:r>
-              <a:rPr lang="en-US" altLang="ko-KR" dirty="0"/>
-              <a:t>.</a:t>
-            </a:r>
-          </a:p>
-          <a:p>
-            <a:pPr marL="171450" indent="-171450">
-              <a:buFont typeface="Symbol" panose="05050102010706020507" pitchFamily="18" charset="2"/>
-              <a:buChar char="Þ"/>
-            </a:pPr>
-            <a:r>
-              <a:rPr lang="ko-KR" altLang="en-US" dirty="0"/>
-              <a:t>분석에는 개인의 의견이 판단에 영향을 줄 수 밖에 없는데 각각 </a:t>
-            </a:r>
-            <a:r>
-              <a:rPr lang="en-US" altLang="ko-KR" dirty="0"/>
-              <a:t>labeling</a:t>
-            </a:r>
-            <a:r>
-              <a:rPr lang="ko-KR" altLang="en-US" dirty="0"/>
-              <a:t>하면 기준이 흐트러질 가능성이 높음</a:t>
-            </a:r>
-            <a:r>
-              <a:rPr lang="en-US" altLang="ko-KR" dirty="0"/>
-              <a:t>.</a:t>
-            </a:r>
-          </a:p>
-          <a:p>
-            <a:pPr marL="171450" marR="0" lvl="0" indent="-171450" algn="l" defTabSz="914400" rtl="0" eaLnBrk="1" fontAlgn="auto" latinLnBrk="1" hangingPunct="1">
-              <a:lnSpc>
-                <a:spcPct val="100000"/>
-              </a:lnSpc>
-              <a:spcBef>
-                <a:spcPts val="0"/>
-              </a:spcBef>
-              <a:spcAft>
-                <a:spcPts val="0"/>
-              </a:spcAft>
-              <a:buClrTx/>
-              <a:buSzTx/>
-              <a:buFont typeface="Symbol" panose="05050102010706020507" pitchFamily="18" charset="2"/>
-              <a:buChar char="Þ"/>
-              <a:tabLst/>
-              <a:defRPr/>
-            </a:pPr>
-            <a:r>
-              <a:rPr lang="ko-KR" altLang="en-US" dirty="0"/>
-              <a:t>데이터는 여러 명이서 뽑되 </a:t>
-            </a:r>
-            <a:r>
-              <a:rPr lang="en-US" altLang="ko-KR" dirty="0"/>
-              <a:t>Labeling</a:t>
-            </a:r>
-            <a:r>
-              <a:rPr lang="ko-KR" altLang="en-US" dirty="0"/>
-              <a:t>을 한 명이 전담해서 하는 것도 고려 중</a:t>
-            </a:r>
-            <a:r>
-              <a:rPr lang="en-US" altLang="ko-KR" dirty="0"/>
-              <a:t>.</a:t>
-            </a:r>
             <a:endParaRPr lang="ko-KR" altLang="en-US" dirty="0"/>
           </a:p>
-          <a:p>
-            <a:pPr marL="171450" indent="-171450">
-              <a:buFont typeface="Symbol" panose="05050102010706020507" pitchFamily="18" charset="2"/>
-              <a:buChar char="Þ"/>
-            </a:pPr>
-            <a:endParaRPr lang="en-US" altLang="ko-KR" dirty="0"/>
-          </a:p>
         </p:txBody>
       </p:sp>
       <p:sp>
@@ -1783,7 +1457,7 @@
             <a:spLocks noGrp="1"/>
           </p:cNvSpPr>
           <p:nvPr>
-            <p:ph type="sldNum" sz="quarter" idx="5"/>
+            <p:ph type="sldNum" sz="quarter" idx="10"/>
           </p:nvPr>
         </p:nvSpPr>
         <p:spPr/>
@@ -1802,7 +1476,7 @@
     </p:spTree>
     <p:extLst>
       <p:ext uri="{BB962C8B-B14F-4D97-AF65-F5344CB8AC3E}">
-        <p14:creationId xmlns:p14="http://schemas.microsoft.com/office/powerpoint/2010/main" val="2758900858"/>
+        <p14:creationId xmlns:p14="http://schemas.microsoft.com/office/powerpoint/2010/main" val="1870616220"/>
       </p:ext>
     </p:extLst>
   </p:cSld>
@@ -5463,41 +5137,172 @@
       </p:grpSpPr>
       <p:sp>
         <p:nvSpPr>
-          <p:cNvPr id="2" name="제목 1">
+          <p:cNvPr id="6" name="직사각형 5">
             <a:extLst>
               <a:ext uri="{FF2B5EF4-FFF2-40B4-BE49-F238E27FC236}">
-                <a16:creationId xmlns:a16="http://schemas.microsoft.com/office/drawing/2014/main" id="{F527D3A4-2476-4C9D-B594-1FA1ED3CFA2B}"/>
+                <a16:creationId xmlns:a16="http://schemas.microsoft.com/office/drawing/2014/main" id="{8B0D45EE-949B-4B76-9307-3C73990C46D5}"/>
               </a:ext>
             </a:extLst>
           </p:cNvPr>
-          <p:cNvSpPr>
-            <a:spLocks noGrp="1"/>
-          </p:cNvSpPr>
-          <p:nvPr>
-            <p:ph type="title"/>
-          </p:nvPr>
-        </p:nvSpPr>
-        <p:spPr/>
-        <p:txBody>
-          <a:bodyPr>
-            <a:normAutofit/>
+          <p:cNvSpPr/>
+          <p:nvPr/>
+        </p:nvSpPr>
+        <p:spPr>
+          <a:xfrm>
+            <a:off x="952500" y="4922550"/>
+            <a:ext cx="10286998" cy="1933575"/>
+          </a:xfrm>
+          <a:prstGeom prst="rect">
+            <a:avLst/>
+          </a:prstGeom>
+          <a:solidFill>
+            <a:schemeClr val="bg2"/>
+          </a:solidFill>
+          <a:ln>
+            <a:noFill/>
+          </a:ln>
+        </p:spPr>
+        <p:style>
+          <a:lnRef idx="2">
+            <a:schemeClr val="accent1">
+              <a:shade val="50000"/>
+            </a:schemeClr>
+          </a:lnRef>
+          <a:fillRef idx="1">
+            <a:schemeClr val="accent1"/>
+          </a:fillRef>
+          <a:effectRef idx="0">
+            <a:schemeClr val="accent1"/>
+          </a:effectRef>
+          <a:fontRef idx="minor">
+            <a:schemeClr val="lt1"/>
+          </a:fontRef>
+        </p:style>
+        <p:txBody>
+          <a:bodyPr rtlCol="0" anchor="ctr"/>
+          <a:lstStyle/>
+          <a:p>
+            <a:pPr algn="ctr"/>
+            <a:endParaRPr lang="ko-KR" altLang="en-US"/>
+          </a:p>
+        </p:txBody>
+      </p:sp>
+      <p:sp>
+        <p:nvSpPr>
+          <p:cNvPr id="5" name="직사각형 4">
+            <a:extLst>
+              <a:ext uri="{FF2B5EF4-FFF2-40B4-BE49-F238E27FC236}">
+                <a16:creationId xmlns:a16="http://schemas.microsoft.com/office/drawing/2014/main" id="{DED5C229-4EB8-4FFD-AE96-9C6989EBACD0}"/>
+              </a:ext>
+            </a:extLst>
+          </p:cNvPr>
+          <p:cNvSpPr/>
+          <p:nvPr/>
+        </p:nvSpPr>
+        <p:spPr>
+          <a:xfrm>
+            <a:off x="952500" y="0"/>
+            <a:ext cx="10286999" cy="4627275"/>
+          </a:xfrm>
+          <a:prstGeom prst="rect">
+            <a:avLst/>
+          </a:prstGeom>
+        </p:spPr>
+        <p:style>
+          <a:lnRef idx="2">
+            <a:schemeClr val="accent1">
+              <a:shade val="50000"/>
+            </a:schemeClr>
+          </a:lnRef>
+          <a:fillRef idx="1">
+            <a:schemeClr val="accent1"/>
+          </a:fillRef>
+          <a:effectRef idx="0">
+            <a:schemeClr val="accent1"/>
+          </a:effectRef>
+          <a:fontRef idx="minor">
+            <a:schemeClr val="lt1"/>
+          </a:fontRef>
+        </p:style>
+        <p:txBody>
+          <a:bodyPr rtlCol="0" anchor="ctr"/>
+          <a:lstStyle/>
+          <a:p>
+            <a:pPr algn="ctr"/>
+            <a:endParaRPr lang="ko-KR" altLang="en-US" dirty="0"/>
+          </a:p>
+        </p:txBody>
+      </p:sp>
+      <p:sp>
+        <p:nvSpPr>
+          <p:cNvPr id="4" name="TextBox 3">
+            <a:extLst>
+              <a:ext uri="{FF2B5EF4-FFF2-40B4-BE49-F238E27FC236}">
+                <a16:creationId xmlns:a16="http://schemas.microsoft.com/office/drawing/2014/main" id="{990ECEFB-23E8-428E-ADA3-6EB04D1899CD}"/>
+              </a:ext>
+            </a:extLst>
+          </p:cNvPr>
+          <p:cNvSpPr txBox="1"/>
+          <p:nvPr/>
+        </p:nvSpPr>
+        <p:spPr>
+          <a:xfrm>
+            <a:off x="952501" y="2497425"/>
+            <a:ext cx="10286998" cy="2123658"/>
+          </a:xfrm>
+          <a:prstGeom prst="rect">
+            <a:avLst/>
+          </a:prstGeom>
+          <a:noFill/>
+          <a:ln>
+            <a:noFill/>
+          </a:ln>
+        </p:spPr>
+        <p:txBody>
+          <a:bodyPr wrap="square" rtlCol="0">
+            <a:spAutoFit/>
           </a:bodyPr>
           <a:lstStyle/>
           <a:p>
-            <a:r>
-              <a:rPr lang="ko-KR" altLang="en-US" sz="3600" b="1" dirty="0"/>
-              <a:t>현재 진행 상황</a:t>
-            </a:r>
-            <a:endParaRPr lang="ko-KR" altLang="en-US" sz="3500" b="1" dirty="0"/>
-          </a:p>
-        </p:txBody>
-      </p:sp>
-      <p:sp>
-        <p:nvSpPr>
-          <p:cNvPr id="5" name="슬라이드 번호 개체 틀 4">
+            <a:pPr algn="ctr"/>
+            <a:r>
+              <a:rPr lang="ko-KR" altLang="en-US" sz="6600" dirty="0">
+                <a:solidFill>
+                  <a:schemeClr val="bg1"/>
+                </a:solidFill>
+              </a:rPr>
+              <a:t>감사합니다</a:t>
+            </a:r>
+            <a:endParaRPr lang="en-US" altLang="ko-KR" sz="6600" dirty="0">
+              <a:solidFill>
+                <a:schemeClr val="bg1"/>
+              </a:solidFill>
+            </a:endParaRPr>
+          </a:p>
+          <a:p>
+            <a:pPr algn="ctr"/>
+            <a:r>
+              <a:rPr lang="en-US" altLang="ko-KR" sz="6600" dirty="0">
+                <a:solidFill>
+                  <a:schemeClr val="bg1"/>
+                </a:solidFill>
+              </a:rPr>
+              <a:t>Q&amp;A</a:t>
+            </a:r>
+            <a:endParaRPr lang="ko-KR" altLang="en-US" sz="6600" dirty="0">
+              <a:solidFill>
+                <a:schemeClr val="bg1"/>
+              </a:solidFill>
+            </a:endParaRPr>
+          </a:p>
+        </p:txBody>
+      </p:sp>
+      <p:sp>
+        <p:nvSpPr>
+          <p:cNvPr id="3" name="슬라이드 번호 개체 틀 2">
             <a:extLst>
               <a:ext uri="{FF2B5EF4-FFF2-40B4-BE49-F238E27FC236}">
-                <a16:creationId xmlns:a16="http://schemas.microsoft.com/office/drawing/2014/main" id="{B94218F4-8846-4E3F-853A-5F8555B0F85A}"/>
+                <a16:creationId xmlns:a16="http://schemas.microsoft.com/office/drawing/2014/main" id="{A9CBDFF5-A996-4512-8C0D-2B8E214CE590}"/>
               </a:ext>
             </a:extLst>
           </p:cNvPr>
@@ -5524,10 +5329,236 @@
       </p:sp>
       <p:sp>
         <p:nvSpPr>
-          <p:cNvPr id="4" name="날짜 개체 틀 3">
+          <p:cNvPr id="2" name="날짜 개체 틀 1">
             <a:extLst>
               <a:ext uri="{FF2B5EF4-FFF2-40B4-BE49-F238E27FC236}">
-                <a16:creationId xmlns:a16="http://schemas.microsoft.com/office/drawing/2014/main" id="{4BB7EE5D-927A-4CCF-A1D8-4B1D0DBF2832}"/>
+                <a16:creationId xmlns:a16="http://schemas.microsoft.com/office/drawing/2014/main" id="{E4BC751D-C6F3-464A-8307-24A03B2BAF55}"/>
+              </a:ext>
+            </a:extLst>
+          </p:cNvPr>
+          <p:cNvSpPr>
+            <a:spLocks noGrp="1"/>
+          </p:cNvSpPr>
+          <p:nvPr>
+            <p:ph type="dt" sz="half" idx="10"/>
+          </p:nvPr>
+        </p:nvSpPr>
+        <p:spPr>
+          <a:xfrm>
+            <a:off x="0" y="6491000"/>
+            <a:ext cx="2743200" cy="365125"/>
+          </a:xfrm>
+        </p:spPr>
+        <p:txBody>
+          <a:bodyPr/>
+          <a:lstStyle/>
+          <a:p>
+            <a:fld id="{8F64EEAD-4984-41D6-8E70-B8D3C85660B7}" type="datetime1">
+              <a:rPr lang="ko-KR" altLang="en-US" smtClean="0"/>
+              <a:t>2020-07-23</a:t>
+            </a:fld>
+            <a:endParaRPr lang="en-US" dirty="0"/>
+          </a:p>
+        </p:txBody>
+      </p:sp>
+    </p:spTree>
+    <p:extLst>
+      <p:ext uri="{BB962C8B-B14F-4D97-AF65-F5344CB8AC3E}">
+        <p14:creationId xmlns:p14="http://schemas.microsoft.com/office/powerpoint/2010/main" val="3969494176"/>
+      </p:ext>
+    </p:extLst>
+  </p:cSld>
+  <p:clrMapOvr>
+    <a:masterClrMapping/>
+  </p:clrMapOvr>
+</p:sld>
+</file>
+
+<file path=ppt/slides/slide2.xml><?xml version="1.0" encoding="utf-8"?>
+<p:sld xmlns:a="http://schemas.openxmlformats.org/drawingml/2006/main" xmlns:r="http://schemas.openxmlformats.org/officeDocument/2006/relationships" xmlns:p="http://schemas.openxmlformats.org/presentationml/2006/main">
+  <p:cSld>
+    <p:spTree>
+      <p:nvGrpSpPr>
+        <p:cNvPr id="1" name=""/>
+        <p:cNvGrpSpPr/>
+        <p:nvPr/>
+      </p:nvGrpSpPr>
+      <p:grpSpPr>
+        <a:xfrm>
+          <a:off x="0" y="0"/>
+          <a:ext cx="0" cy="0"/>
+          <a:chOff x="0" y="0"/>
+          <a:chExt cx="0" cy="0"/>
+        </a:xfrm>
+      </p:grpSpPr>
+      <p:sp>
+        <p:nvSpPr>
+          <p:cNvPr id="2" name="제목 1">
+            <a:extLst>
+              <a:ext uri="{FF2B5EF4-FFF2-40B4-BE49-F238E27FC236}">
+                <a16:creationId xmlns:a16="http://schemas.microsoft.com/office/drawing/2014/main" id="{B2342770-6696-445D-95B9-3E3611A88E21}"/>
+              </a:ext>
+            </a:extLst>
+          </p:cNvPr>
+          <p:cNvSpPr>
+            <a:spLocks noGrp="1"/>
+          </p:cNvSpPr>
+          <p:nvPr>
+            <p:ph type="title"/>
+          </p:nvPr>
+        </p:nvSpPr>
+        <p:spPr/>
+        <p:txBody>
+          <a:bodyPr>
+            <a:normAutofit/>
+          </a:bodyPr>
+          <a:lstStyle/>
+          <a:p>
+            <a:r>
+              <a:rPr lang="ko-KR" altLang="en-US" sz="3600" b="1" dirty="0"/>
+              <a:t>개요</a:t>
+            </a:r>
+          </a:p>
+        </p:txBody>
+      </p:sp>
+      <p:sp>
+        <p:nvSpPr>
+          <p:cNvPr id="3" name="내용 개체 틀 2">
+            <a:extLst>
+              <a:ext uri="{FF2B5EF4-FFF2-40B4-BE49-F238E27FC236}">
+                <a16:creationId xmlns:a16="http://schemas.microsoft.com/office/drawing/2014/main" id="{8C61EE08-7967-4AE1-996F-2D1B25AD41C3}"/>
+              </a:ext>
+            </a:extLst>
+          </p:cNvPr>
+          <p:cNvSpPr>
+            <a:spLocks noGrp="1"/>
+          </p:cNvSpPr>
+          <p:nvPr>
+            <p:ph idx="1"/>
+          </p:nvPr>
+        </p:nvSpPr>
+        <p:spPr/>
+        <p:txBody>
+          <a:bodyPr>
+            <a:normAutofit/>
+          </a:bodyPr>
+          <a:lstStyle/>
+          <a:p>
+            <a:pPr>
+              <a:spcBef>
+                <a:spcPts val="2400"/>
+              </a:spcBef>
+            </a:pPr>
+            <a:r>
+              <a:rPr lang="ko-KR" altLang="en-US" sz="3600" b="1" dirty="0">
+                <a:solidFill>
+                  <a:schemeClr val="bg2">
+                    <a:lumMod val="50000"/>
+                  </a:schemeClr>
+                </a:solidFill>
+              </a:rPr>
+              <a:t>시뮬레이션을 통해 얻어낸 자동차 센서데이터를 사용</a:t>
+            </a:r>
+            <a:r>
+              <a:rPr lang="en-US" altLang="ko-KR" sz="3600" b="1" dirty="0">
+                <a:solidFill>
+                  <a:schemeClr val="bg2">
+                    <a:lumMod val="50000"/>
+                  </a:schemeClr>
+                </a:solidFill>
+              </a:rPr>
+              <a:t>, </a:t>
+            </a:r>
+            <a:r>
+              <a:rPr lang="ko-KR" altLang="en-US" sz="3600" b="1" dirty="0">
+                <a:solidFill>
+                  <a:schemeClr val="bg2">
+                    <a:lumMod val="50000"/>
+                  </a:schemeClr>
+                </a:solidFill>
+              </a:rPr>
+              <a:t>차량의 현재 상태 정보 측정 모델 제작</a:t>
+            </a:r>
+            <a:endParaRPr lang="en-US" altLang="ko-KR" sz="3600" b="1" dirty="0">
+              <a:solidFill>
+                <a:schemeClr val="bg2">
+                  <a:lumMod val="50000"/>
+                </a:schemeClr>
+              </a:solidFill>
+            </a:endParaRPr>
+          </a:p>
+          <a:p>
+            <a:pPr>
+              <a:spcBef>
+                <a:spcPts val="2400"/>
+              </a:spcBef>
+            </a:pPr>
+            <a:r>
+              <a:rPr lang="en-US" altLang="ko-KR" sz="3600" b="1" dirty="0">
+                <a:solidFill>
+                  <a:schemeClr val="bg2">
+                    <a:lumMod val="50000"/>
+                  </a:schemeClr>
+                </a:solidFill>
+              </a:rPr>
+              <a:t> Sim2Real </a:t>
+            </a:r>
+            <a:r>
+              <a:rPr lang="ko-KR" altLang="en-US" sz="3600" b="1" dirty="0">
+                <a:solidFill>
+                  <a:schemeClr val="bg2">
+                    <a:lumMod val="50000"/>
+                  </a:schemeClr>
+                </a:solidFill>
+              </a:rPr>
+              <a:t>기술을 구현하여 실제 차량의 센서데이터에도 적용 가능하도록 모델 개량</a:t>
+            </a:r>
+            <a:endParaRPr lang="en-US" altLang="ko-KR" sz="3600" b="1" dirty="0">
+              <a:solidFill>
+                <a:schemeClr val="bg2">
+                  <a:lumMod val="50000"/>
+                </a:schemeClr>
+              </a:solidFill>
+            </a:endParaRPr>
+          </a:p>
+        </p:txBody>
+      </p:sp>
+      <p:sp>
+        <p:nvSpPr>
+          <p:cNvPr id="5" name="슬라이드 번호 개체 틀 4">
+            <a:extLst>
+              <a:ext uri="{FF2B5EF4-FFF2-40B4-BE49-F238E27FC236}">
+                <a16:creationId xmlns:a16="http://schemas.microsoft.com/office/drawing/2014/main" id="{32A9E064-622C-46A4-A115-05DE7B3E02C2}"/>
+              </a:ext>
+            </a:extLst>
+          </p:cNvPr>
+          <p:cNvSpPr>
+            <a:spLocks noGrp="1"/>
+          </p:cNvSpPr>
+          <p:nvPr>
+            <p:ph type="sldNum" sz="quarter" idx="12"/>
+          </p:nvPr>
+        </p:nvSpPr>
+        <p:spPr/>
+        <p:txBody>
+          <a:bodyPr/>
+          <a:lstStyle/>
+          <a:p>
+            <a:fld id="{4FAB73BC-B049-4115-A692-8D63A059BFB8}" type="slidenum">
+              <a:rPr lang="en-US" smtClean="0"/>
+              <a:pPr/>
+              <a:t>2</a:t>
+            </a:fld>
+            <a:endParaRPr lang="en-US" dirty="0"/>
+          </a:p>
+        </p:txBody>
+      </p:sp>
+      <p:sp>
+        <p:nvSpPr>
+          <p:cNvPr id="6" name="날짜 개체 틀 5">
+            <a:extLst>
+              <a:ext uri="{FF2B5EF4-FFF2-40B4-BE49-F238E27FC236}">
+                <a16:creationId xmlns:a16="http://schemas.microsoft.com/office/drawing/2014/main" id="{5E3B9811-87B9-4F69-84E5-E6E13FD464DA}"/>
               </a:ext>
             </a:extLst>
           </p:cNvPr>
@@ -5548,7 +5579,7 @@
           <a:bodyPr/>
           <a:lstStyle/>
           <a:p>
-            <a:fld id="{835A3A55-8703-4404-B685-585B47BF8635}" type="datetime1">
+            <a:fld id="{CF754B2A-8525-4AF4-B3B6-5B4AA9E148D5}" type="datetime1">
               <a:rPr lang="ko-KR" altLang="en-US" smtClean="0"/>
               <a:t>2020-07-23</a:t>
             </a:fld>
@@ -5558,10 +5589,10 @@
       </p:sp>
       <p:sp>
         <p:nvSpPr>
-          <p:cNvPr id="6" name="바닥글 개체 틀 3">
+          <p:cNvPr id="7" name="바닥글 개체 틀 3">
             <a:extLst>
               <a:ext uri="{FF2B5EF4-FFF2-40B4-BE49-F238E27FC236}">
-                <a16:creationId xmlns:a16="http://schemas.microsoft.com/office/drawing/2014/main" id="{A60952EA-DD37-49FE-B649-1749C242F52B}"/>
+                <a16:creationId xmlns:a16="http://schemas.microsoft.com/office/drawing/2014/main" id="{C8F9AE77-9FE6-4F8C-8AAE-A293615863BD}"/>
               </a:ext>
             </a:extLst>
           </p:cNvPr>
@@ -5720,253 +5751,10 @@
           </a:p>
         </p:txBody>
       </p:sp>
-      <p:sp>
-        <p:nvSpPr>
-          <p:cNvPr id="7" name="TextBox 6">
-            <a:extLst>
-              <a:ext uri="{FF2B5EF4-FFF2-40B4-BE49-F238E27FC236}">
-                <a16:creationId xmlns:a16="http://schemas.microsoft.com/office/drawing/2014/main" id="{363584E5-9A0C-434C-BB6F-A44FDBA3DBBC}"/>
-              </a:ext>
-            </a:extLst>
-          </p:cNvPr>
-          <p:cNvSpPr txBox="1"/>
-          <p:nvPr/>
-        </p:nvSpPr>
-        <p:spPr>
-          <a:xfrm>
-            <a:off x="1118223" y="729025"/>
-            <a:ext cx="5558076" cy="553998"/>
-          </a:xfrm>
-          <a:prstGeom prst="rect">
-            <a:avLst/>
-          </a:prstGeom>
-          <a:noFill/>
-        </p:spPr>
-        <p:txBody>
-          <a:bodyPr wrap="square" rtlCol="0">
-            <a:spAutoFit/>
-          </a:bodyPr>
-          <a:lstStyle/>
-          <a:p>
-            <a:r>
-              <a:rPr lang="ko-KR" altLang="en-US" sz="3000" dirty="0"/>
-              <a:t>데이터 예측 결과</a:t>
-            </a:r>
-            <a:r>
-              <a:rPr lang="en-US" altLang="ko-KR" sz="3000" dirty="0"/>
-              <a:t>(</a:t>
-            </a:r>
-            <a:r>
-              <a:rPr lang="ko-KR" altLang="en-US" sz="3000" dirty="0"/>
-              <a:t>실제</a:t>
-            </a:r>
-            <a:r>
-              <a:rPr lang="en-US" altLang="ko-KR" sz="3000" dirty="0"/>
-              <a:t>)</a:t>
-            </a:r>
-            <a:endParaRPr lang="ko-KR" altLang="en-US" sz="3000" dirty="0"/>
-          </a:p>
-        </p:txBody>
-      </p:sp>
-      <p:sp>
-        <p:nvSpPr>
-          <p:cNvPr id="15" name="TextBox 14">
-            <a:extLst>
-              <a:ext uri="{FF2B5EF4-FFF2-40B4-BE49-F238E27FC236}">
-                <a16:creationId xmlns:a16="http://schemas.microsoft.com/office/drawing/2014/main" id="{0E112199-EF7E-4BC3-BA6D-7BC4EB7D57C7}"/>
-              </a:ext>
-            </a:extLst>
-          </p:cNvPr>
-          <p:cNvSpPr txBox="1"/>
-          <p:nvPr/>
-        </p:nvSpPr>
-        <p:spPr>
-          <a:xfrm>
-            <a:off x="1118223" y="2527989"/>
-            <a:ext cx="6830716" cy="3046988"/>
-          </a:xfrm>
-          <a:prstGeom prst="rect">
-            <a:avLst/>
-          </a:prstGeom>
-          <a:noFill/>
-        </p:spPr>
-        <p:txBody>
-          <a:bodyPr wrap="none" rtlCol="0">
-            <a:spAutoFit/>
-          </a:bodyPr>
-          <a:lstStyle/>
-          <a:p>
-            <a:r>
-              <a:rPr lang="ko-KR" altLang="en-US" sz="3200" dirty="0"/>
-              <a:t>테스트 데이터에 대해 </a:t>
-            </a:r>
-            <a:r>
-              <a:rPr lang="en-US" altLang="ko-KR" sz="3200" b="1" dirty="0">
-                <a:solidFill>
-                  <a:srgbClr val="FF0000"/>
-                </a:solidFill>
-              </a:rPr>
-              <a:t>78%</a:t>
-            </a:r>
-            <a:r>
-              <a:rPr lang="ko-KR" altLang="en-US" sz="3200" dirty="0"/>
-              <a:t>의 정확도</a:t>
-            </a:r>
-            <a:endParaRPr lang="en-US" altLang="ko-KR" sz="3200" dirty="0"/>
-          </a:p>
-          <a:p>
-            <a:endParaRPr lang="en-US" altLang="ko-KR" sz="3200" dirty="0"/>
-          </a:p>
-          <a:p>
-            <a:r>
-              <a:rPr lang="en-US" altLang="ko-KR" sz="3200" dirty="0"/>
-              <a:t>=&gt; </a:t>
-            </a:r>
-            <a:r>
-              <a:rPr lang="ko-KR" altLang="en-US" sz="3200" dirty="0"/>
-              <a:t>학습 데이터에 대해 </a:t>
-            </a:r>
-            <a:r>
-              <a:rPr lang="en-US" altLang="ko-KR" sz="3200" dirty="0"/>
-              <a:t>86%</a:t>
-            </a:r>
-            <a:r>
-              <a:rPr lang="ko-KR" altLang="en-US" sz="3200" dirty="0"/>
-              <a:t>의 정확도</a:t>
-            </a:r>
-            <a:endParaRPr lang="en-US" altLang="ko-KR" sz="3200" dirty="0"/>
-          </a:p>
-          <a:p>
-            <a:r>
-              <a:rPr lang="ko-KR" altLang="en-US" sz="3200" dirty="0" err="1"/>
-              <a:t>를</a:t>
-            </a:r>
-            <a:r>
-              <a:rPr lang="ko-KR" altLang="en-US" sz="3200" dirty="0"/>
-              <a:t> 보이는 것으로 보아 더 많고 정확한</a:t>
-            </a:r>
-            <a:endParaRPr lang="en-US" altLang="ko-KR" sz="3200" dirty="0"/>
-          </a:p>
-          <a:p>
-            <a:r>
-              <a:rPr lang="ko-KR" altLang="en-US" sz="3200" dirty="0"/>
-              <a:t>데이터 수집과 </a:t>
-            </a:r>
-            <a:r>
-              <a:rPr lang="en-US" altLang="ko-KR" sz="3200" dirty="0"/>
-              <a:t>labeling</a:t>
-            </a:r>
-            <a:r>
-              <a:rPr lang="ko-KR" altLang="en-US" sz="3200" dirty="0"/>
-              <a:t>이 필요</a:t>
-            </a:r>
-            <a:endParaRPr lang="en-US" altLang="ko-KR" sz="3200" dirty="0"/>
-          </a:p>
-          <a:p>
-            <a:r>
-              <a:rPr lang="en-US" altLang="ko-KR" sz="3200" dirty="0"/>
-              <a:t>=&gt; </a:t>
-            </a:r>
-            <a:r>
-              <a:rPr lang="ko-KR" altLang="en-US" sz="3200" dirty="0"/>
-              <a:t>새로운 모델을 구축 시도가 필요 </a:t>
-            </a:r>
-            <a:endParaRPr lang="en-US" altLang="ko-KR" sz="3200" dirty="0"/>
-          </a:p>
-        </p:txBody>
-      </p:sp>
-      <p:pic>
-        <p:nvPicPr>
-          <p:cNvPr id="9" name="그림 8" descr="스크린샷이(가) 표시된 사진&#10;&#10;자동 생성된 설명">
-            <a:extLst>
-              <a:ext uri="{FF2B5EF4-FFF2-40B4-BE49-F238E27FC236}">
-                <a16:creationId xmlns:a16="http://schemas.microsoft.com/office/drawing/2014/main" id="{7EF792A7-88BB-45A5-A817-FA12E448B987}"/>
-              </a:ext>
-            </a:extLst>
-          </p:cNvPr>
-          <p:cNvPicPr>
-            <a:picLocks noChangeAspect="1"/>
-          </p:cNvPicPr>
-          <p:nvPr/>
-        </p:nvPicPr>
-        <p:blipFill rotWithShape="1">
-          <a:blip r:embed="rId3"/>
-          <a:srcRect b="90879"/>
-          <a:stretch/>
-        </p:blipFill>
-        <p:spPr>
-          <a:xfrm>
-            <a:off x="1118223" y="1283023"/>
-            <a:ext cx="4336156" cy="553998"/>
-          </a:xfrm>
-          <a:prstGeom prst="rect">
-            <a:avLst/>
-          </a:prstGeom>
-        </p:spPr>
-      </p:pic>
-      <p:pic>
-        <p:nvPicPr>
-          <p:cNvPr id="12" name="그림 11" descr="스크린샷이(가) 표시된 사진&#10;&#10;자동 생성된 설명">
-            <a:extLst>
-              <a:ext uri="{FF2B5EF4-FFF2-40B4-BE49-F238E27FC236}">
-                <a16:creationId xmlns:a16="http://schemas.microsoft.com/office/drawing/2014/main" id="{A9692FE3-3C27-4B61-A590-A3A4ABE91C38}"/>
-              </a:ext>
-            </a:extLst>
-          </p:cNvPr>
-          <p:cNvPicPr>
-            <a:picLocks noChangeAspect="1"/>
-          </p:cNvPicPr>
-          <p:nvPr/>
-        </p:nvPicPr>
-        <p:blipFill rotWithShape="1">
-          <a:blip r:embed="rId3"/>
-          <a:srcRect t="94454"/>
-          <a:stretch/>
-        </p:blipFill>
-        <p:spPr>
-          <a:xfrm>
-            <a:off x="1118223" y="1892570"/>
-            <a:ext cx="4336156" cy="336858"/>
-          </a:xfrm>
-          <a:prstGeom prst="rect">
-            <a:avLst/>
-          </a:prstGeom>
-        </p:spPr>
-      </p:pic>
-      <p:pic>
-        <p:nvPicPr>
-          <p:cNvPr id="16" name="그림 15">
-            <a:extLst>
-              <a:ext uri="{FF2B5EF4-FFF2-40B4-BE49-F238E27FC236}">
-                <a16:creationId xmlns:a16="http://schemas.microsoft.com/office/drawing/2014/main" id="{4A9C144E-9098-4D05-8BC8-938CD06A3336}"/>
-              </a:ext>
-            </a:extLst>
-          </p:cNvPr>
-          <p:cNvPicPr>
-            <a:picLocks noChangeAspect="1"/>
-          </p:cNvPicPr>
-          <p:nvPr/>
-        </p:nvPicPr>
-        <p:blipFill>
-          <a:blip r:embed="rId4"/>
-          <a:stretch>
-            <a:fillRect/>
-          </a:stretch>
-        </p:blipFill>
-        <p:spPr>
-          <a:xfrm>
-            <a:off x="7756922" y="729025"/>
-            <a:ext cx="3642676" cy="5197290"/>
-          </a:xfrm>
-          <a:prstGeom prst="rect">
-            <a:avLst/>
-          </a:prstGeom>
-        </p:spPr>
-      </p:pic>
     </p:spTree>
     <p:extLst>
       <p:ext uri="{BB962C8B-B14F-4D97-AF65-F5344CB8AC3E}">
-        <p14:creationId xmlns:p14="http://schemas.microsoft.com/office/powerpoint/2010/main" val="2698670984"/>
+        <p14:creationId xmlns:p14="http://schemas.microsoft.com/office/powerpoint/2010/main" val="3163959706"/>
       </p:ext>
     </p:extLst>
   </p:cSld>
@@ -5976,7 +5764,7 @@
 </p:sld>
 </file>
 
-<file path=ppt/slides/slide11.xml><?xml version="1.0" encoding="utf-8"?>
+<file path=ppt/slides/slide3.xml><?xml version="1.0" encoding="utf-8"?>
 <p:sld xmlns:a="http://schemas.openxmlformats.org/drawingml/2006/main" xmlns:r="http://schemas.openxmlformats.org/officeDocument/2006/relationships" xmlns:p="http://schemas.openxmlformats.org/presentationml/2006/main">
   <p:cSld>
     <p:spTree>
@@ -5998,7 +5786,7 @@
           <p:cNvPr id="2" name="제목 1">
             <a:extLst>
               <a:ext uri="{FF2B5EF4-FFF2-40B4-BE49-F238E27FC236}">
-                <a16:creationId xmlns:a16="http://schemas.microsoft.com/office/drawing/2014/main" id="{F527D3A4-2476-4C9D-B594-1FA1ED3CFA2B}"/>
+                <a16:creationId xmlns:a16="http://schemas.microsoft.com/office/drawing/2014/main" id="{B2342770-6696-445D-95B9-3E3611A88E21}"/>
               </a:ext>
             </a:extLst>
           </p:cNvPr>
@@ -6017,10 +5805,9 @@
           <a:lstStyle/>
           <a:p>
             <a:r>
-              <a:rPr lang="ko-KR" altLang="en-US" sz="3200" b="1" dirty="0"/>
-              <a:t>차주 진행 예정사항</a:t>
-            </a:r>
-            <a:endParaRPr lang="ko-KR" altLang="en-US" sz="1600" b="1" dirty="0"/>
+              <a:rPr lang="ko-KR" altLang="en-US" sz="3600" b="1" dirty="0"/>
+              <a:t>목차</a:t>
+            </a:r>
           </a:p>
         </p:txBody>
       </p:sp>
@@ -6029,7 +5816,7 @@
           <p:cNvPr id="3" name="내용 개체 틀 2">
             <a:extLst>
               <a:ext uri="{FF2B5EF4-FFF2-40B4-BE49-F238E27FC236}">
-                <a16:creationId xmlns:a16="http://schemas.microsoft.com/office/drawing/2014/main" id="{543A506F-6AA0-4A47-8944-1349D0144E32}"/>
+                <a16:creationId xmlns:a16="http://schemas.microsoft.com/office/drawing/2014/main" id="{8C61EE08-7967-4AE1-996F-2D1B25AD41C3}"/>
               </a:ext>
             </a:extLst>
           </p:cNvPr>
@@ -6040,12 +5827,7 @@
             <p:ph idx="1"/>
           </p:nvPr>
         </p:nvSpPr>
-        <p:spPr>
-          <a:xfrm>
-            <a:off x="1321142" y="843280"/>
-            <a:ext cx="10263986" cy="5141468"/>
-          </a:xfrm>
-        </p:spPr>
+        <p:spPr/>
         <p:txBody>
           <a:bodyPr>
             <a:normAutofit/>
@@ -6058,10 +5840,10 @@
               </a:spcBef>
             </a:pPr>
             <a:r>
-              <a:rPr lang="ko-KR" altLang="en-US" sz="2400" dirty="0"/>
-              <a:t>센서 데이터 수집</a:t>
-            </a:r>
-            <a:endParaRPr lang="en-US" altLang="ko-KR" sz="2400" dirty="0"/>
+              <a:rPr lang="ko-KR" altLang="en-US" sz="3600" b="1" dirty="0"/>
+              <a:t>현재 진행 상황</a:t>
+            </a:r>
+            <a:endParaRPr lang="en-US" altLang="ko-KR" sz="3600" b="1" dirty="0"/>
           </a:p>
           <a:p>
             <a:pPr>
@@ -6070,10 +5852,10 @@
               </a:spcBef>
             </a:pPr>
             <a:r>
-              <a:rPr lang="ko-KR" altLang="en-US" sz="2400" dirty="0"/>
-              <a:t>센서 데이터 분석</a:t>
-            </a:r>
-            <a:endParaRPr lang="en-US" altLang="ko-KR" sz="2400" dirty="0"/>
+              <a:rPr lang="ko-KR" altLang="en-US" sz="3600" b="1" dirty="0"/>
+              <a:t>실제 진행 과정</a:t>
+            </a:r>
+            <a:endParaRPr lang="en-US" altLang="ko-KR" sz="3600" b="1" dirty="0"/>
           </a:p>
           <a:p>
             <a:pPr>
@@ -6082,18 +5864,10 @@
               </a:spcBef>
             </a:pPr>
             <a:r>
-              <a:rPr lang="ko-KR" altLang="en-US" sz="2400" dirty="0"/>
-              <a:t>중간 보고서</a:t>
-            </a:r>
-            <a:r>
-              <a:rPr lang="en-US" altLang="ko-KR" sz="2400" dirty="0"/>
-              <a:t> </a:t>
-            </a:r>
-            <a:r>
-              <a:rPr lang="ko-KR" altLang="en-US" sz="2400" dirty="0"/>
-              <a:t>작성 및 검수</a:t>
-            </a:r>
-            <a:endParaRPr lang="en-US" altLang="ko-KR" sz="2400" dirty="0"/>
+              <a:rPr lang="ko-KR" altLang="en-US" sz="3600" b="1" dirty="0"/>
+              <a:t>개선 사항 </a:t>
+            </a:r>
+            <a:endParaRPr lang="en-US" altLang="ko-KR" sz="3600" b="1" dirty="0"/>
           </a:p>
           <a:p>
             <a:pPr>
@@ -6102,10 +5876,10 @@
               </a:spcBef>
             </a:pPr>
             <a:r>
-              <a:rPr lang="ko-KR" altLang="en-US" sz="2400" dirty="0"/>
-              <a:t>교수님 지시 사항 수행</a:t>
-            </a:r>
-            <a:endParaRPr lang="en-US" altLang="ko-KR" sz="2400" dirty="0"/>
+              <a:rPr lang="ko-KR" altLang="en-US" sz="3600" b="1" dirty="0"/>
+              <a:t>이후 진행 예정 사항</a:t>
+            </a:r>
+            <a:endParaRPr lang="en-US" altLang="ko-KR" sz="3600" b="1" dirty="0"/>
           </a:p>
           <a:p>
             <a:pPr>
@@ -6114,61 +5888,9 @@
               </a:spcBef>
             </a:pPr>
             <a:r>
-              <a:rPr lang="ko-KR" altLang="en-US" sz="2400" dirty="0"/>
-              <a:t>예측 모델의 정확도 높이기</a:t>
-            </a:r>
-            <a:r>
-              <a:rPr lang="en-US" altLang="ko-KR" sz="2400" dirty="0"/>
-              <a:t>(</a:t>
-            </a:r>
-            <a:r>
-              <a:rPr lang="ko-KR" altLang="en-US" sz="2400" dirty="0"/>
-              <a:t>개량</a:t>
-            </a:r>
-            <a:r>
-              <a:rPr lang="en-US" altLang="ko-KR" sz="2400" dirty="0"/>
-              <a:t>)</a:t>
-            </a:r>
-          </a:p>
-          <a:p>
-            <a:pPr>
-              <a:spcBef>
-                <a:spcPts val="2400"/>
-              </a:spcBef>
-            </a:pPr>
-            <a:r>
-              <a:rPr lang="ko-KR" altLang="en-US" sz="2400" dirty="0"/>
-              <a:t>다른 모델</a:t>
-            </a:r>
-            <a:r>
-              <a:rPr lang="en-US" altLang="ko-KR" sz="2400" dirty="0"/>
-              <a:t>(RNN, CNN)</a:t>
-            </a:r>
-            <a:r>
-              <a:rPr lang="ko-KR" altLang="en-US" sz="2400" dirty="0"/>
-              <a:t>을 구현하여 비교 테스트</a:t>
-            </a:r>
-            <a:endParaRPr lang="en-US" altLang="ko-KR" sz="2400" dirty="0"/>
-          </a:p>
-          <a:p>
-            <a:pPr>
-              <a:spcBef>
-                <a:spcPts val="2400"/>
-              </a:spcBef>
-            </a:pPr>
-            <a:r>
-              <a:rPr lang="ko-KR" altLang="en-US" sz="2400" dirty="0"/>
-              <a:t>작동 </a:t>
-            </a:r>
-            <a:r>
-              <a:rPr lang="en-US" altLang="ko-KR" sz="2400" dirty="0"/>
-              <a:t>UI </a:t>
-            </a:r>
-            <a:r>
-              <a:rPr lang="ko-KR" altLang="en-US" sz="2400" dirty="0"/>
-              <a:t>제작 시작</a:t>
-            </a:r>
-            <a:endParaRPr lang="en-US" altLang="ko-KR" sz="2400" dirty="0"/>
+              <a:rPr lang="ko-KR" altLang="en-US" sz="3600" b="1" dirty="0"/>
+              <a:t>진행 일정 계획</a:t>
+            </a:r>
           </a:p>
         </p:txBody>
       </p:sp>
@@ -6177,7 +5899,7 @@
           <p:cNvPr id="5" name="슬라이드 번호 개체 틀 4">
             <a:extLst>
               <a:ext uri="{FF2B5EF4-FFF2-40B4-BE49-F238E27FC236}">
-                <a16:creationId xmlns:a16="http://schemas.microsoft.com/office/drawing/2014/main" id="{B94218F4-8846-4E3F-853A-5F8555B0F85A}"/>
+                <a16:creationId xmlns:a16="http://schemas.microsoft.com/office/drawing/2014/main" id="{32A9E064-622C-46A4-A115-05DE7B3E02C2}"/>
               </a:ext>
             </a:extLst>
           </p:cNvPr>
@@ -6196,7 +5918,7 @@
             <a:fld id="{4FAB73BC-B049-4115-A692-8D63A059BFB8}" type="slidenum">
               <a:rPr lang="en-US" smtClean="0"/>
               <a:pPr/>
-              <a:t>11</a:t>
+              <a:t>3</a:t>
             </a:fld>
             <a:endParaRPr lang="en-US" dirty="0"/>
           </a:p>
@@ -6204,10 +5926,10 @@
       </p:sp>
       <p:sp>
         <p:nvSpPr>
-          <p:cNvPr id="4" name="날짜 개체 틀 3">
+          <p:cNvPr id="6" name="날짜 개체 틀 5">
             <a:extLst>
               <a:ext uri="{FF2B5EF4-FFF2-40B4-BE49-F238E27FC236}">
-                <a16:creationId xmlns:a16="http://schemas.microsoft.com/office/drawing/2014/main" id="{4BB7EE5D-927A-4CCF-A1D8-4B1D0DBF2832}"/>
+                <a16:creationId xmlns:a16="http://schemas.microsoft.com/office/drawing/2014/main" id="{5E3B9811-87B9-4F69-84E5-E6E13FD464DA}"/>
               </a:ext>
             </a:extLst>
           </p:cNvPr>
@@ -6228,7 +5950,7 @@
           <a:bodyPr/>
           <a:lstStyle/>
           <a:p>
-            <a:fld id="{835A3A55-8703-4404-B685-585B47BF8635}" type="datetime1">
+            <a:fld id="{CF754B2A-8525-4AF4-B3B6-5B4AA9E148D5}" type="datetime1">
               <a:rPr lang="ko-KR" altLang="en-US" smtClean="0"/>
               <a:t>2020-07-23</a:t>
             </a:fld>
@@ -6238,10 +5960,10 @@
       </p:sp>
       <p:sp>
         <p:nvSpPr>
-          <p:cNvPr id="6" name="바닥글 개체 틀 3">
+          <p:cNvPr id="7" name="바닥글 개체 틀 3">
             <a:extLst>
               <a:ext uri="{FF2B5EF4-FFF2-40B4-BE49-F238E27FC236}">
-                <a16:creationId xmlns:a16="http://schemas.microsoft.com/office/drawing/2014/main" id="{A60952EA-DD37-49FE-B649-1749C242F52B}"/>
+                <a16:creationId xmlns:a16="http://schemas.microsoft.com/office/drawing/2014/main" id="{C8F9AE77-9FE6-4F8C-8AAE-A293615863BD}"/>
               </a:ext>
             </a:extLst>
           </p:cNvPr>
@@ -6403,6 +6125,2146 @@
     </p:spTree>
     <p:extLst>
       <p:ext uri="{BB962C8B-B14F-4D97-AF65-F5344CB8AC3E}">
+        <p14:creationId xmlns:p14="http://schemas.microsoft.com/office/powerpoint/2010/main" val="3783079265"/>
+      </p:ext>
+    </p:extLst>
+  </p:cSld>
+  <p:clrMapOvr>
+    <a:masterClrMapping/>
+  </p:clrMapOvr>
+</p:sld>
+</file>
+
+<file path=ppt/slides/slide4.xml><?xml version="1.0" encoding="utf-8"?>
+<p:sld xmlns:a="http://schemas.openxmlformats.org/drawingml/2006/main" xmlns:r="http://schemas.openxmlformats.org/officeDocument/2006/relationships" xmlns:p="http://schemas.openxmlformats.org/presentationml/2006/main">
+  <p:cSld>
+    <p:spTree>
+      <p:nvGrpSpPr>
+        <p:cNvPr id="1" name=""/>
+        <p:cNvGrpSpPr/>
+        <p:nvPr/>
+      </p:nvGrpSpPr>
+      <p:grpSpPr>
+        <a:xfrm>
+          <a:off x="0" y="0"/>
+          <a:ext cx="0" cy="0"/>
+          <a:chOff x="0" y="0"/>
+          <a:chExt cx="0" cy="0"/>
+        </a:xfrm>
+      </p:grpSpPr>
+      <p:sp>
+        <p:nvSpPr>
+          <p:cNvPr id="2" name="제목 1">
+            <a:extLst>
+              <a:ext uri="{FF2B5EF4-FFF2-40B4-BE49-F238E27FC236}">
+                <a16:creationId xmlns:a16="http://schemas.microsoft.com/office/drawing/2014/main" id="{DCF95126-78F4-44B0-AA86-107F55589E24}"/>
+              </a:ext>
+            </a:extLst>
+          </p:cNvPr>
+          <p:cNvSpPr>
+            <a:spLocks noGrp="1"/>
+          </p:cNvSpPr>
+          <p:nvPr>
+            <p:ph type="title"/>
+          </p:nvPr>
+        </p:nvSpPr>
+        <p:spPr/>
+        <p:txBody>
+          <a:bodyPr>
+            <a:noAutofit/>
+          </a:bodyPr>
+          <a:lstStyle/>
+          <a:p>
+            <a:pPr algn="ctr"/>
+            <a:r>
+              <a:rPr lang="ko-KR" altLang="en-US" sz="3200" b="1" dirty="0"/>
+              <a:t>현재 진행 상황</a:t>
+            </a:r>
+          </a:p>
+        </p:txBody>
+      </p:sp>
+      <p:sp>
+        <p:nvSpPr>
+          <p:cNvPr id="3" name="내용 개체 틀 2">
+            <a:extLst>
+              <a:ext uri="{FF2B5EF4-FFF2-40B4-BE49-F238E27FC236}">
+                <a16:creationId xmlns:a16="http://schemas.microsoft.com/office/drawing/2014/main" id="{F77CE3EF-26CF-4C89-A463-B0CE7D91F570}"/>
+              </a:ext>
+            </a:extLst>
+          </p:cNvPr>
+          <p:cNvSpPr>
+            <a:spLocks noGrp="1"/>
+          </p:cNvSpPr>
+          <p:nvPr>
+            <p:ph idx="1"/>
+          </p:nvPr>
+        </p:nvSpPr>
+        <p:spPr/>
+        <p:txBody>
+          <a:bodyPr>
+            <a:normAutofit/>
+          </a:bodyPr>
+          <a:lstStyle/>
+          <a:p>
+            <a:pPr>
+              <a:spcBef>
+                <a:spcPts val="2400"/>
+              </a:spcBef>
+            </a:pPr>
+            <a:r>
+              <a:rPr lang="ko-KR" altLang="en-US" sz="3200" dirty="0"/>
+              <a:t>학습용 주행 데이터 수집</a:t>
+            </a:r>
+            <a:endParaRPr lang="en-US" altLang="ko-KR" sz="3200" dirty="0"/>
+          </a:p>
+          <a:p>
+            <a:pPr>
+              <a:spcBef>
+                <a:spcPts val="2400"/>
+              </a:spcBef>
+            </a:pPr>
+            <a:r>
+              <a:rPr lang="ko-KR" altLang="en-US" sz="3200" dirty="0"/>
+              <a:t>실제 차량 데이터 분석</a:t>
+            </a:r>
+            <a:endParaRPr lang="en-US" altLang="ko-KR" sz="3200" dirty="0"/>
+          </a:p>
+          <a:p>
+            <a:pPr>
+              <a:spcBef>
+                <a:spcPts val="2400"/>
+              </a:spcBef>
+            </a:pPr>
+            <a:r>
+              <a:rPr lang="ko-KR" altLang="en-US" sz="3200" dirty="0"/>
+              <a:t>시뮬레이터 데이터를 통해 모델 평가</a:t>
+            </a:r>
+            <a:endParaRPr lang="en-US" altLang="ko-KR" sz="3200" dirty="0"/>
+          </a:p>
+          <a:p>
+            <a:pPr>
+              <a:spcBef>
+                <a:spcPts val="2400"/>
+              </a:spcBef>
+            </a:pPr>
+            <a:r>
+              <a:rPr lang="ko-KR" altLang="en-US" sz="3200" dirty="0"/>
+              <a:t>실제 차량 데이터를 통해 모델 평가</a:t>
+            </a:r>
+            <a:endParaRPr lang="en-US" altLang="ko-KR" sz="3200" dirty="0"/>
+          </a:p>
+          <a:p>
+            <a:pPr>
+              <a:spcBef>
+                <a:spcPts val="2400"/>
+              </a:spcBef>
+            </a:pPr>
+            <a:r>
+              <a:rPr lang="en-US" altLang="ko-KR" sz="3200" dirty="0"/>
+              <a:t>Google </a:t>
+            </a:r>
+            <a:r>
+              <a:rPr lang="en-US" altLang="ko-KR" sz="3200" dirty="0" err="1"/>
+              <a:t>Colab</a:t>
+            </a:r>
+            <a:r>
+              <a:rPr lang="ko-KR" altLang="en-US" sz="3200" dirty="0"/>
+              <a:t>을 사용하여 데이터 분석 모델 개량</a:t>
+            </a:r>
+          </a:p>
+        </p:txBody>
+      </p:sp>
+      <p:sp>
+        <p:nvSpPr>
+          <p:cNvPr id="5" name="슬라이드 번호 개체 틀 4">
+            <a:extLst>
+              <a:ext uri="{FF2B5EF4-FFF2-40B4-BE49-F238E27FC236}">
+                <a16:creationId xmlns:a16="http://schemas.microsoft.com/office/drawing/2014/main" id="{697479EF-A19F-4427-84A0-1ED090411FD0}"/>
+              </a:ext>
+            </a:extLst>
+          </p:cNvPr>
+          <p:cNvSpPr>
+            <a:spLocks noGrp="1"/>
+          </p:cNvSpPr>
+          <p:nvPr>
+            <p:ph type="sldNum" sz="quarter" idx="12"/>
+          </p:nvPr>
+        </p:nvSpPr>
+        <p:spPr/>
+        <p:txBody>
+          <a:bodyPr/>
+          <a:lstStyle/>
+          <a:p>
+            <a:fld id="{4FAB73BC-B049-4115-A692-8D63A059BFB8}" type="slidenum">
+              <a:rPr lang="en-US" smtClean="0"/>
+              <a:pPr/>
+              <a:t>4</a:t>
+            </a:fld>
+            <a:endParaRPr lang="en-US" dirty="0"/>
+          </a:p>
+        </p:txBody>
+      </p:sp>
+      <p:sp>
+        <p:nvSpPr>
+          <p:cNvPr id="4" name="날짜 개체 틀 3">
+            <a:extLst>
+              <a:ext uri="{FF2B5EF4-FFF2-40B4-BE49-F238E27FC236}">
+                <a16:creationId xmlns:a16="http://schemas.microsoft.com/office/drawing/2014/main" id="{97905E41-4DA2-442F-8CC2-64E7A53076B1}"/>
+              </a:ext>
+            </a:extLst>
+          </p:cNvPr>
+          <p:cNvSpPr>
+            <a:spLocks noGrp="1"/>
+          </p:cNvSpPr>
+          <p:nvPr>
+            <p:ph type="dt" sz="half" idx="10"/>
+          </p:nvPr>
+        </p:nvSpPr>
+        <p:spPr>
+          <a:xfrm>
+            <a:off x="0" y="6492875"/>
+            <a:ext cx="2743200" cy="365125"/>
+          </a:xfrm>
+        </p:spPr>
+        <p:txBody>
+          <a:bodyPr/>
+          <a:lstStyle/>
+          <a:p>
+            <a:fld id="{793FA439-1AF0-4114-85D0-94817C2CD7F4}" type="datetime1">
+              <a:rPr lang="ko-KR" altLang="en-US" smtClean="0"/>
+              <a:t>2020-07-23</a:t>
+            </a:fld>
+            <a:endParaRPr lang="en-US" dirty="0"/>
+          </a:p>
+        </p:txBody>
+      </p:sp>
+      <p:sp>
+        <p:nvSpPr>
+          <p:cNvPr id="6" name="바닥글 개체 틀 3">
+            <a:extLst>
+              <a:ext uri="{FF2B5EF4-FFF2-40B4-BE49-F238E27FC236}">
+                <a16:creationId xmlns:a16="http://schemas.microsoft.com/office/drawing/2014/main" id="{29675F6E-AB95-42A8-B21F-DF220282D235}"/>
+              </a:ext>
+            </a:extLst>
+          </p:cNvPr>
+          <p:cNvSpPr txBox="1">
+            <a:spLocks/>
+          </p:cNvSpPr>
+          <p:nvPr/>
+        </p:nvSpPr>
+        <p:spPr>
+          <a:xfrm>
+            <a:off x="3140241" y="150043"/>
+            <a:ext cx="5911517" cy="365125"/>
+          </a:xfrm>
+          <a:prstGeom prst="rect">
+            <a:avLst/>
+          </a:prstGeom>
+        </p:spPr>
+        <p:txBody>
+          <a:bodyPr vert="horz" lIns="91440" tIns="45720" rIns="91440" bIns="45720" rtlCol="0" anchor="ctr"/>
+          <a:lstStyle>
+            <a:defPPr>
+              <a:defRPr lang="en-US"/>
+            </a:defPPr>
+            <a:lvl1pPr marL="0" algn="l" defTabSz="457200" rtl="0" eaLnBrk="1" latinLnBrk="0" hangingPunct="1">
+              <a:defRPr sz="1100" kern="1200">
+                <a:solidFill>
+                  <a:schemeClr val="tx1">
+                    <a:lumMod val="50000"/>
+                    <a:lumOff val="50000"/>
+                  </a:schemeClr>
+                </a:solidFill>
+                <a:latin typeface="+mn-lt"/>
+                <a:ea typeface="+mn-ea"/>
+                <a:cs typeface="+mn-cs"/>
+              </a:defRPr>
+            </a:lvl1pPr>
+            <a:lvl2pPr marL="457200" algn="l" defTabSz="457200" rtl="0" eaLnBrk="1" latinLnBrk="0" hangingPunct="1">
+              <a:defRPr sz="1800" kern="1200">
+                <a:solidFill>
+                  <a:schemeClr val="tx1"/>
+                </a:solidFill>
+                <a:latin typeface="+mn-lt"/>
+                <a:ea typeface="+mn-ea"/>
+                <a:cs typeface="+mn-cs"/>
+              </a:defRPr>
+            </a:lvl2pPr>
+            <a:lvl3pPr marL="914400" algn="l" defTabSz="457200" rtl="0" eaLnBrk="1" latinLnBrk="0" hangingPunct="1">
+              <a:defRPr sz="1800" kern="1200">
+                <a:solidFill>
+                  <a:schemeClr val="tx1"/>
+                </a:solidFill>
+                <a:latin typeface="+mn-lt"/>
+                <a:ea typeface="+mn-ea"/>
+                <a:cs typeface="+mn-cs"/>
+              </a:defRPr>
+            </a:lvl3pPr>
+            <a:lvl4pPr marL="1371600" algn="l" defTabSz="457200" rtl="0" eaLnBrk="1" latinLnBrk="0" hangingPunct="1">
+              <a:defRPr sz="1800" kern="1200">
+                <a:solidFill>
+                  <a:schemeClr val="tx1"/>
+                </a:solidFill>
+                <a:latin typeface="+mn-lt"/>
+                <a:ea typeface="+mn-ea"/>
+                <a:cs typeface="+mn-cs"/>
+              </a:defRPr>
+            </a:lvl4pPr>
+            <a:lvl5pPr marL="1828800" algn="l" defTabSz="457200" rtl="0" eaLnBrk="1" latinLnBrk="0" hangingPunct="1">
+              <a:defRPr sz="1800" kern="1200">
+                <a:solidFill>
+                  <a:schemeClr val="tx1"/>
+                </a:solidFill>
+                <a:latin typeface="+mn-lt"/>
+                <a:ea typeface="+mn-ea"/>
+                <a:cs typeface="+mn-cs"/>
+              </a:defRPr>
+            </a:lvl5pPr>
+            <a:lvl6pPr marL="2286000" algn="l" defTabSz="457200" rtl="0" eaLnBrk="1" latinLnBrk="0" hangingPunct="1">
+              <a:defRPr sz="1800" kern="1200">
+                <a:solidFill>
+                  <a:schemeClr val="tx1"/>
+                </a:solidFill>
+                <a:latin typeface="+mn-lt"/>
+                <a:ea typeface="+mn-ea"/>
+                <a:cs typeface="+mn-cs"/>
+              </a:defRPr>
+            </a:lvl6pPr>
+            <a:lvl7pPr marL="2743200" algn="l" defTabSz="457200" rtl="0" eaLnBrk="1" latinLnBrk="0" hangingPunct="1">
+              <a:defRPr sz="1800" kern="1200">
+                <a:solidFill>
+                  <a:schemeClr val="tx1"/>
+                </a:solidFill>
+                <a:latin typeface="+mn-lt"/>
+                <a:ea typeface="+mn-ea"/>
+                <a:cs typeface="+mn-cs"/>
+              </a:defRPr>
+            </a:lvl7pPr>
+            <a:lvl8pPr marL="3200400" algn="l" defTabSz="457200" rtl="0" eaLnBrk="1" latinLnBrk="0" hangingPunct="1">
+              <a:defRPr sz="1800" kern="1200">
+                <a:solidFill>
+                  <a:schemeClr val="tx1"/>
+                </a:solidFill>
+                <a:latin typeface="+mn-lt"/>
+                <a:ea typeface="+mn-ea"/>
+                <a:cs typeface="+mn-cs"/>
+              </a:defRPr>
+            </a:lvl8pPr>
+            <a:lvl9pPr marL="3657600" algn="l" defTabSz="457200" rtl="0" eaLnBrk="1" latinLnBrk="0" hangingPunct="1">
+              <a:defRPr sz="1800" kern="1200">
+                <a:solidFill>
+                  <a:schemeClr val="tx1"/>
+                </a:solidFill>
+                <a:latin typeface="+mn-lt"/>
+                <a:ea typeface="+mn-ea"/>
+                <a:cs typeface="+mn-cs"/>
+              </a:defRPr>
+            </a:lvl9pPr>
+          </a:lstStyle>
+          <a:p>
+            <a:pPr algn="ctr"/>
+            <a:r>
+              <a:rPr lang="en-US" altLang="ko-KR" dirty="0"/>
+              <a:t>2020 </a:t>
+            </a:r>
+            <a:r>
+              <a:rPr lang="ko-KR" altLang="en-US" dirty="0"/>
+              <a:t>전기 졸업과제 팀 </a:t>
+            </a:r>
+            <a:r>
+              <a:rPr lang="en-US" altLang="ko-KR" dirty="0"/>
+              <a:t>38(ESLAB 2</a:t>
+            </a:r>
+            <a:r>
+              <a:rPr lang="ko-KR" altLang="en-US" dirty="0"/>
+              <a:t>조</a:t>
+            </a:r>
+            <a:r>
+              <a:rPr lang="en-US" altLang="ko-KR" dirty="0"/>
+              <a:t>)</a:t>
+            </a:r>
+          </a:p>
+          <a:p>
+            <a:pPr algn="ctr"/>
+            <a:r>
+              <a:rPr lang="en-US" altLang="ko-KR" dirty="0"/>
+              <a:t>[</a:t>
+            </a:r>
+            <a:r>
+              <a:rPr lang="ko-KR" altLang="en-US" dirty="0"/>
+              <a:t>여기에 팀 이름 입력</a:t>
+            </a:r>
+            <a:r>
+              <a:rPr lang="en-US" altLang="ko-KR" dirty="0"/>
+              <a:t>]</a:t>
+            </a:r>
+            <a:endParaRPr lang="en-US" dirty="0"/>
+          </a:p>
+        </p:txBody>
+      </p:sp>
+    </p:spTree>
+    <p:extLst>
+      <p:ext uri="{BB962C8B-B14F-4D97-AF65-F5344CB8AC3E}">
+        <p14:creationId xmlns:p14="http://schemas.microsoft.com/office/powerpoint/2010/main" val="2037822847"/>
+      </p:ext>
+    </p:extLst>
+  </p:cSld>
+  <p:clrMapOvr>
+    <a:masterClrMapping/>
+  </p:clrMapOvr>
+</p:sld>
+</file>
+
+<file path=ppt/slides/slide5.xml><?xml version="1.0" encoding="utf-8"?>
+<p:sld xmlns:a="http://schemas.openxmlformats.org/drawingml/2006/main" xmlns:r="http://schemas.openxmlformats.org/officeDocument/2006/relationships" xmlns:p="http://schemas.openxmlformats.org/presentationml/2006/main">
+  <p:cSld>
+    <p:spTree>
+      <p:nvGrpSpPr>
+        <p:cNvPr id="1" name=""/>
+        <p:cNvGrpSpPr/>
+        <p:nvPr/>
+      </p:nvGrpSpPr>
+      <p:grpSpPr>
+        <a:xfrm>
+          <a:off x="0" y="0"/>
+          <a:ext cx="0" cy="0"/>
+          <a:chOff x="0" y="0"/>
+          <a:chExt cx="0" cy="0"/>
+        </a:xfrm>
+      </p:grpSpPr>
+      <p:pic>
+        <p:nvPicPr>
+          <p:cNvPr id="13" name="그림 12" descr="스크린샷이(가) 표시된 사진&#10;&#10;자동 생성된 설명">
+            <a:extLst>
+              <a:ext uri="{FF2B5EF4-FFF2-40B4-BE49-F238E27FC236}">
+                <a16:creationId xmlns:a16="http://schemas.microsoft.com/office/drawing/2014/main" id="{B32F27EF-E504-4168-8FD9-B416D97F5B02}"/>
+              </a:ext>
+            </a:extLst>
+          </p:cNvPr>
+          <p:cNvPicPr>
+            <a:picLocks noChangeAspect="1"/>
+          </p:cNvPicPr>
+          <p:nvPr/>
+        </p:nvPicPr>
+        <p:blipFill>
+          <a:blip r:embed="rId3"/>
+          <a:stretch>
+            <a:fillRect/>
+          </a:stretch>
+        </p:blipFill>
+        <p:spPr>
+          <a:xfrm>
+            <a:off x="6360160" y="515168"/>
+            <a:ext cx="5377881" cy="5850829"/>
+          </a:xfrm>
+          <a:prstGeom prst="rect">
+            <a:avLst/>
+          </a:prstGeom>
+        </p:spPr>
+      </p:pic>
+      <p:sp>
+        <p:nvSpPr>
+          <p:cNvPr id="2" name="제목 1">
+            <a:extLst>
+              <a:ext uri="{FF2B5EF4-FFF2-40B4-BE49-F238E27FC236}">
+                <a16:creationId xmlns:a16="http://schemas.microsoft.com/office/drawing/2014/main" id="{F527D3A4-2476-4C9D-B594-1FA1ED3CFA2B}"/>
+              </a:ext>
+            </a:extLst>
+          </p:cNvPr>
+          <p:cNvSpPr>
+            <a:spLocks noGrp="1"/>
+          </p:cNvSpPr>
+          <p:nvPr>
+            <p:ph type="title"/>
+          </p:nvPr>
+        </p:nvSpPr>
+        <p:spPr/>
+        <p:txBody>
+          <a:bodyPr>
+            <a:normAutofit/>
+          </a:bodyPr>
+          <a:lstStyle/>
+          <a:p>
+            <a:r>
+              <a:rPr lang="ko-KR" altLang="en-US" sz="3600" b="1" dirty="0"/>
+              <a:t>현재 진행 상황</a:t>
+            </a:r>
+            <a:endParaRPr lang="ko-KR" altLang="en-US" sz="3500" b="1" dirty="0"/>
+          </a:p>
+        </p:txBody>
+      </p:sp>
+      <p:sp>
+        <p:nvSpPr>
+          <p:cNvPr id="5" name="슬라이드 번호 개체 틀 4">
+            <a:extLst>
+              <a:ext uri="{FF2B5EF4-FFF2-40B4-BE49-F238E27FC236}">
+                <a16:creationId xmlns:a16="http://schemas.microsoft.com/office/drawing/2014/main" id="{B94218F4-8846-4E3F-853A-5F8555B0F85A}"/>
+              </a:ext>
+            </a:extLst>
+          </p:cNvPr>
+          <p:cNvSpPr>
+            <a:spLocks noGrp="1"/>
+          </p:cNvSpPr>
+          <p:nvPr>
+            <p:ph type="sldNum" sz="quarter" idx="12"/>
+          </p:nvPr>
+        </p:nvSpPr>
+        <p:spPr/>
+        <p:txBody>
+          <a:bodyPr/>
+          <a:lstStyle/>
+          <a:p>
+            <a:fld id="{4FAB73BC-B049-4115-A692-8D63A059BFB8}" type="slidenum">
+              <a:rPr lang="en-US" smtClean="0"/>
+              <a:pPr/>
+              <a:t>5</a:t>
+            </a:fld>
+            <a:endParaRPr lang="en-US" dirty="0"/>
+          </a:p>
+        </p:txBody>
+      </p:sp>
+      <p:sp>
+        <p:nvSpPr>
+          <p:cNvPr id="4" name="날짜 개체 틀 3">
+            <a:extLst>
+              <a:ext uri="{FF2B5EF4-FFF2-40B4-BE49-F238E27FC236}">
+                <a16:creationId xmlns:a16="http://schemas.microsoft.com/office/drawing/2014/main" id="{4BB7EE5D-927A-4CCF-A1D8-4B1D0DBF2832}"/>
+              </a:ext>
+            </a:extLst>
+          </p:cNvPr>
+          <p:cNvSpPr>
+            <a:spLocks noGrp="1"/>
+          </p:cNvSpPr>
+          <p:nvPr>
+            <p:ph type="dt" sz="half" idx="10"/>
+          </p:nvPr>
+        </p:nvSpPr>
+        <p:spPr>
+          <a:xfrm>
+            <a:off x="0" y="6492875"/>
+            <a:ext cx="2743200" cy="365125"/>
+          </a:xfrm>
+        </p:spPr>
+        <p:txBody>
+          <a:bodyPr/>
+          <a:lstStyle/>
+          <a:p>
+            <a:fld id="{835A3A55-8703-4404-B685-585B47BF8635}" type="datetime1">
+              <a:rPr lang="ko-KR" altLang="en-US" smtClean="0"/>
+              <a:t>2020-07-23</a:t>
+            </a:fld>
+            <a:endParaRPr lang="en-US" dirty="0"/>
+          </a:p>
+        </p:txBody>
+      </p:sp>
+      <p:sp>
+        <p:nvSpPr>
+          <p:cNvPr id="6" name="바닥글 개체 틀 3">
+            <a:extLst>
+              <a:ext uri="{FF2B5EF4-FFF2-40B4-BE49-F238E27FC236}">
+                <a16:creationId xmlns:a16="http://schemas.microsoft.com/office/drawing/2014/main" id="{A60952EA-DD37-49FE-B649-1749C242F52B}"/>
+              </a:ext>
+            </a:extLst>
+          </p:cNvPr>
+          <p:cNvSpPr txBox="1">
+            <a:spLocks/>
+          </p:cNvSpPr>
+          <p:nvPr/>
+        </p:nvSpPr>
+        <p:spPr>
+          <a:xfrm>
+            <a:off x="3140241" y="150043"/>
+            <a:ext cx="5911517" cy="365125"/>
+          </a:xfrm>
+          <a:prstGeom prst="rect">
+            <a:avLst/>
+          </a:prstGeom>
+        </p:spPr>
+        <p:txBody>
+          <a:bodyPr vert="horz" lIns="91440" tIns="45720" rIns="91440" bIns="45720" rtlCol="0" anchor="ctr"/>
+          <a:lstStyle>
+            <a:defPPr>
+              <a:defRPr lang="en-US"/>
+            </a:defPPr>
+            <a:lvl1pPr marL="0" algn="l" defTabSz="457200" rtl="0" eaLnBrk="1" latinLnBrk="0" hangingPunct="1">
+              <a:defRPr sz="1100" kern="1200">
+                <a:solidFill>
+                  <a:schemeClr val="tx1">
+                    <a:lumMod val="50000"/>
+                    <a:lumOff val="50000"/>
+                  </a:schemeClr>
+                </a:solidFill>
+                <a:latin typeface="+mn-lt"/>
+                <a:ea typeface="+mn-ea"/>
+                <a:cs typeface="+mn-cs"/>
+              </a:defRPr>
+            </a:lvl1pPr>
+            <a:lvl2pPr marL="457200" algn="l" defTabSz="457200" rtl="0" eaLnBrk="1" latinLnBrk="0" hangingPunct="1">
+              <a:defRPr sz="1800" kern="1200">
+                <a:solidFill>
+                  <a:schemeClr val="tx1"/>
+                </a:solidFill>
+                <a:latin typeface="+mn-lt"/>
+                <a:ea typeface="+mn-ea"/>
+                <a:cs typeface="+mn-cs"/>
+              </a:defRPr>
+            </a:lvl2pPr>
+            <a:lvl3pPr marL="914400" algn="l" defTabSz="457200" rtl="0" eaLnBrk="1" latinLnBrk="0" hangingPunct="1">
+              <a:defRPr sz="1800" kern="1200">
+                <a:solidFill>
+                  <a:schemeClr val="tx1"/>
+                </a:solidFill>
+                <a:latin typeface="+mn-lt"/>
+                <a:ea typeface="+mn-ea"/>
+                <a:cs typeface="+mn-cs"/>
+              </a:defRPr>
+            </a:lvl3pPr>
+            <a:lvl4pPr marL="1371600" algn="l" defTabSz="457200" rtl="0" eaLnBrk="1" latinLnBrk="0" hangingPunct="1">
+              <a:defRPr sz="1800" kern="1200">
+                <a:solidFill>
+                  <a:schemeClr val="tx1"/>
+                </a:solidFill>
+                <a:latin typeface="+mn-lt"/>
+                <a:ea typeface="+mn-ea"/>
+                <a:cs typeface="+mn-cs"/>
+              </a:defRPr>
+            </a:lvl4pPr>
+            <a:lvl5pPr marL="1828800" algn="l" defTabSz="457200" rtl="0" eaLnBrk="1" latinLnBrk="0" hangingPunct="1">
+              <a:defRPr sz="1800" kern="1200">
+                <a:solidFill>
+                  <a:schemeClr val="tx1"/>
+                </a:solidFill>
+                <a:latin typeface="+mn-lt"/>
+                <a:ea typeface="+mn-ea"/>
+                <a:cs typeface="+mn-cs"/>
+              </a:defRPr>
+            </a:lvl5pPr>
+            <a:lvl6pPr marL="2286000" algn="l" defTabSz="457200" rtl="0" eaLnBrk="1" latinLnBrk="0" hangingPunct="1">
+              <a:defRPr sz="1800" kern="1200">
+                <a:solidFill>
+                  <a:schemeClr val="tx1"/>
+                </a:solidFill>
+                <a:latin typeface="+mn-lt"/>
+                <a:ea typeface="+mn-ea"/>
+                <a:cs typeface="+mn-cs"/>
+              </a:defRPr>
+            </a:lvl6pPr>
+            <a:lvl7pPr marL="2743200" algn="l" defTabSz="457200" rtl="0" eaLnBrk="1" latinLnBrk="0" hangingPunct="1">
+              <a:defRPr sz="1800" kern="1200">
+                <a:solidFill>
+                  <a:schemeClr val="tx1"/>
+                </a:solidFill>
+                <a:latin typeface="+mn-lt"/>
+                <a:ea typeface="+mn-ea"/>
+                <a:cs typeface="+mn-cs"/>
+              </a:defRPr>
+            </a:lvl7pPr>
+            <a:lvl8pPr marL="3200400" algn="l" defTabSz="457200" rtl="0" eaLnBrk="1" latinLnBrk="0" hangingPunct="1">
+              <a:defRPr sz="1800" kern="1200">
+                <a:solidFill>
+                  <a:schemeClr val="tx1"/>
+                </a:solidFill>
+                <a:latin typeface="+mn-lt"/>
+                <a:ea typeface="+mn-ea"/>
+                <a:cs typeface="+mn-cs"/>
+              </a:defRPr>
+            </a:lvl8pPr>
+            <a:lvl9pPr marL="3657600" algn="l" defTabSz="457200" rtl="0" eaLnBrk="1" latinLnBrk="0" hangingPunct="1">
+              <a:defRPr sz="1800" kern="1200">
+                <a:solidFill>
+                  <a:schemeClr val="tx1"/>
+                </a:solidFill>
+                <a:latin typeface="+mn-lt"/>
+                <a:ea typeface="+mn-ea"/>
+                <a:cs typeface="+mn-cs"/>
+              </a:defRPr>
+            </a:lvl9pPr>
+          </a:lstStyle>
+          <a:p>
+            <a:pPr algn="ctr"/>
+            <a:r>
+              <a:rPr lang="en-US" altLang="ko-KR" dirty="0"/>
+              <a:t>2020 </a:t>
+            </a:r>
+            <a:r>
+              <a:rPr lang="ko-KR" altLang="en-US" dirty="0"/>
+              <a:t>전기 졸업과제 팀 </a:t>
+            </a:r>
+            <a:r>
+              <a:rPr lang="en-US" altLang="ko-KR" dirty="0"/>
+              <a:t>38(ESLAB 2</a:t>
+            </a:r>
+            <a:r>
+              <a:rPr lang="ko-KR" altLang="en-US" dirty="0"/>
+              <a:t>조</a:t>
+            </a:r>
+            <a:r>
+              <a:rPr lang="en-US" altLang="ko-KR" dirty="0"/>
+              <a:t>)</a:t>
+            </a:r>
+          </a:p>
+          <a:p>
+            <a:pPr algn="ctr"/>
+            <a:r>
+              <a:rPr lang="en-US" altLang="ko-KR" dirty="0"/>
+              <a:t>[</a:t>
+            </a:r>
+            <a:r>
+              <a:rPr lang="ko-KR" altLang="en-US" dirty="0"/>
+              <a:t>여기에 팀 이름 입력</a:t>
+            </a:r>
+            <a:r>
+              <a:rPr lang="en-US" altLang="ko-KR" dirty="0"/>
+              <a:t>]</a:t>
+            </a:r>
+            <a:endParaRPr lang="en-US" dirty="0"/>
+          </a:p>
+        </p:txBody>
+      </p:sp>
+      <p:sp>
+        <p:nvSpPr>
+          <p:cNvPr id="7" name="TextBox 6">
+            <a:extLst>
+              <a:ext uri="{FF2B5EF4-FFF2-40B4-BE49-F238E27FC236}">
+                <a16:creationId xmlns:a16="http://schemas.microsoft.com/office/drawing/2014/main" id="{363584E5-9A0C-434C-BB6F-A44FDBA3DBBC}"/>
+              </a:ext>
+            </a:extLst>
+          </p:cNvPr>
+          <p:cNvSpPr txBox="1"/>
+          <p:nvPr/>
+        </p:nvSpPr>
+        <p:spPr>
+          <a:xfrm>
+            <a:off x="1118223" y="729025"/>
+            <a:ext cx="5558076" cy="553998"/>
+          </a:xfrm>
+          <a:prstGeom prst="rect">
+            <a:avLst/>
+          </a:prstGeom>
+          <a:noFill/>
+        </p:spPr>
+        <p:txBody>
+          <a:bodyPr wrap="square" rtlCol="0">
+            <a:spAutoFit/>
+          </a:bodyPr>
+          <a:lstStyle/>
+          <a:p>
+            <a:r>
+              <a:rPr lang="ko-KR" altLang="en-US" sz="3000" dirty="0"/>
+              <a:t>상태 분석 모델</a:t>
+            </a:r>
+          </a:p>
+        </p:txBody>
+      </p:sp>
+      <p:pic>
+        <p:nvPicPr>
+          <p:cNvPr id="9" name="그림 8" descr="텍스트, 지도이(가) 표시된 사진&#10;&#10;자동 생성된 설명">
+            <a:extLst>
+              <a:ext uri="{FF2B5EF4-FFF2-40B4-BE49-F238E27FC236}">
+                <a16:creationId xmlns:a16="http://schemas.microsoft.com/office/drawing/2014/main" id="{65755DFB-0CB1-4F30-A726-6824D03AB510}"/>
+              </a:ext>
+            </a:extLst>
+          </p:cNvPr>
+          <p:cNvPicPr>
+            <a:picLocks noChangeAspect="1"/>
+          </p:cNvPicPr>
+          <p:nvPr/>
+        </p:nvPicPr>
+        <p:blipFill>
+          <a:blip r:embed="rId4"/>
+          <a:stretch>
+            <a:fillRect/>
+          </a:stretch>
+        </p:blipFill>
+        <p:spPr>
+          <a:xfrm>
+            <a:off x="1118224" y="1253592"/>
+            <a:ext cx="5562760" cy="4471428"/>
+          </a:xfrm>
+          <a:prstGeom prst="rect">
+            <a:avLst/>
+          </a:prstGeom>
+        </p:spPr>
+      </p:pic>
+      <p:sp>
+        <p:nvSpPr>
+          <p:cNvPr id="10" name="TextBox 9">
+            <a:extLst>
+              <a:ext uri="{FF2B5EF4-FFF2-40B4-BE49-F238E27FC236}">
+                <a16:creationId xmlns:a16="http://schemas.microsoft.com/office/drawing/2014/main" id="{D7C93AB8-9A3C-4195-94AE-08313A911385}"/>
+              </a:ext>
+            </a:extLst>
+          </p:cNvPr>
+          <p:cNvSpPr txBox="1"/>
+          <p:nvPr/>
+        </p:nvSpPr>
+        <p:spPr>
+          <a:xfrm>
+            <a:off x="5582722" y="5725020"/>
+            <a:ext cx="700833" cy="430887"/>
+          </a:xfrm>
+          <a:prstGeom prst="rect">
+            <a:avLst/>
+          </a:prstGeom>
+          <a:noFill/>
+        </p:spPr>
+        <p:txBody>
+          <a:bodyPr wrap="none" rtlCol="0">
+            <a:spAutoFit/>
+          </a:bodyPr>
+          <a:lstStyle/>
+          <a:p>
+            <a:r>
+              <a:rPr lang="en-US" altLang="ko-KR" sz="1050" b="1" dirty="0"/>
+              <a:t>8-tensor</a:t>
+            </a:r>
+          </a:p>
+          <a:p>
+            <a:r>
+              <a:rPr lang="en-US" altLang="ko-KR" sz="1050" b="1" dirty="0"/>
+              <a:t>  Layer</a:t>
+            </a:r>
+            <a:endParaRPr lang="ko-KR" altLang="en-US" sz="1050" b="1" dirty="0"/>
+          </a:p>
+        </p:txBody>
+      </p:sp>
+    </p:spTree>
+    <p:extLst>
+      <p:ext uri="{BB962C8B-B14F-4D97-AF65-F5344CB8AC3E}">
+        <p14:creationId xmlns:p14="http://schemas.microsoft.com/office/powerpoint/2010/main" val="2850760943"/>
+      </p:ext>
+    </p:extLst>
+  </p:cSld>
+  <p:clrMapOvr>
+    <a:masterClrMapping/>
+  </p:clrMapOvr>
+</p:sld>
+</file>
+
+<file path=ppt/slides/slide6.xml><?xml version="1.0" encoding="utf-8"?>
+<p:sld xmlns:a="http://schemas.openxmlformats.org/drawingml/2006/main" xmlns:r="http://schemas.openxmlformats.org/officeDocument/2006/relationships" xmlns:p="http://schemas.openxmlformats.org/presentationml/2006/main">
+  <p:cSld>
+    <p:spTree>
+      <p:nvGrpSpPr>
+        <p:cNvPr id="1" name=""/>
+        <p:cNvGrpSpPr/>
+        <p:nvPr/>
+      </p:nvGrpSpPr>
+      <p:grpSpPr>
+        <a:xfrm>
+          <a:off x="0" y="0"/>
+          <a:ext cx="0" cy="0"/>
+          <a:chOff x="0" y="0"/>
+          <a:chExt cx="0" cy="0"/>
+        </a:xfrm>
+      </p:grpSpPr>
+      <p:sp>
+        <p:nvSpPr>
+          <p:cNvPr id="2" name="제목 1">
+            <a:extLst>
+              <a:ext uri="{FF2B5EF4-FFF2-40B4-BE49-F238E27FC236}">
+                <a16:creationId xmlns:a16="http://schemas.microsoft.com/office/drawing/2014/main" id="{F527D3A4-2476-4C9D-B594-1FA1ED3CFA2B}"/>
+              </a:ext>
+            </a:extLst>
+          </p:cNvPr>
+          <p:cNvSpPr>
+            <a:spLocks noGrp="1"/>
+          </p:cNvSpPr>
+          <p:nvPr>
+            <p:ph type="title"/>
+          </p:nvPr>
+        </p:nvSpPr>
+        <p:spPr/>
+        <p:txBody>
+          <a:bodyPr>
+            <a:normAutofit/>
+          </a:bodyPr>
+          <a:lstStyle/>
+          <a:p>
+            <a:r>
+              <a:rPr lang="ko-KR" altLang="en-US" sz="3600" b="1" dirty="0"/>
+              <a:t>현재 진행 상황</a:t>
+            </a:r>
+            <a:endParaRPr lang="ko-KR" altLang="en-US" sz="3500" b="1" dirty="0"/>
+          </a:p>
+        </p:txBody>
+      </p:sp>
+      <p:sp>
+        <p:nvSpPr>
+          <p:cNvPr id="5" name="슬라이드 번호 개체 틀 4">
+            <a:extLst>
+              <a:ext uri="{FF2B5EF4-FFF2-40B4-BE49-F238E27FC236}">
+                <a16:creationId xmlns:a16="http://schemas.microsoft.com/office/drawing/2014/main" id="{B94218F4-8846-4E3F-853A-5F8555B0F85A}"/>
+              </a:ext>
+            </a:extLst>
+          </p:cNvPr>
+          <p:cNvSpPr>
+            <a:spLocks noGrp="1"/>
+          </p:cNvSpPr>
+          <p:nvPr>
+            <p:ph type="sldNum" sz="quarter" idx="12"/>
+          </p:nvPr>
+        </p:nvSpPr>
+        <p:spPr/>
+        <p:txBody>
+          <a:bodyPr/>
+          <a:lstStyle/>
+          <a:p>
+            <a:fld id="{4FAB73BC-B049-4115-A692-8D63A059BFB8}" type="slidenum">
+              <a:rPr lang="en-US" smtClean="0"/>
+              <a:pPr/>
+              <a:t>6</a:t>
+            </a:fld>
+            <a:endParaRPr lang="en-US" dirty="0"/>
+          </a:p>
+        </p:txBody>
+      </p:sp>
+      <p:sp>
+        <p:nvSpPr>
+          <p:cNvPr id="4" name="날짜 개체 틀 3">
+            <a:extLst>
+              <a:ext uri="{FF2B5EF4-FFF2-40B4-BE49-F238E27FC236}">
+                <a16:creationId xmlns:a16="http://schemas.microsoft.com/office/drawing/2014/main" id="{4BB7EE5D-927A-4CCF-A1D8-4B1D0DBF2832}"/>
+              </a:ext>
+            </a:extLst>
+          </p:cNvPr>
+          <p:cNvSpPr>
+            <a:spLocks noGrp="1"/>
+          </p:cNvSpPr>
+          <p:nvPr>
+            <p:ph type="dt" sz="half" idx="10"/>
+          </p:nvPr>
+        </p:nvSpPr>
+        <p:spPr>
+          <a:xfrm>
+            <a:off x="0" y="6492875"/>
+            <a:ext cx="2743200" cy="365125"/>
+          </a:xfrm>
+        </p:spPr>
+        <p:txBody>
+          <a:bodyPr/>
+          <a:lstStyle/>
+          <a:p>
+            <a:fld id="{835A3A55-8703-4404-B685-585B47BF8635}" type="datetime1">
+              <a:rPr lang="ko-KR" altLang="en-US" smtClean="0"/>
+              <a:t>2020-07-23</a:t>
+            </a:fld>
+            <a:endParaRPr lang="en-US" dirty="0"/>
+          </a:p>
+        </p:txBody>
+      </p:sp>
+      <p:sp>
+        <p:nvSpPr>
+          <p:cNvPr id="6" name="바닥글 개체 틀 3">
+            <a:extLst>
+              <a:ext uri="{FF2B5EF4-FFF2-40B4-BE49-F238E27FC236}">
+                <a16:creationId xmlns:a16="http://schemas.microsoft.com/office/drawing/2014/main" id="{A60952EA-DD37-49FE-B649-1749C242F52B}"/>
+              </a:ext>
+            </a:extLst>
+          </p:cNvPr>
+          <p:cNvSpPr txBox="1">
+            <a:spLocks/>
+          </p:cNvSpPr>
+          <p:nvPr/>
+        </p:nvSpPr>
+        <p:spPr>
+          <a:xfrm>
+            <a:off x="3140241" y="150043"/>
+            <a:ext cx="5911517" cy="365125"/>
+          </a:xfrm>
+          <a:prstGeom prst="rect">
+            <a:avLst/>
+          </a:prstGeom>
+        </p:spPr>
+        <p:txBody>
+          <a:bodyPr vert="horz" lIns="91440" tIns="45720" rIns="91440" bIns="45720" rtlCol="0" anchor="ctr"/>
+          <a:lstStyle>
+            <a:defPPr>
+              <a:defRPr lang="en-US"/>
+            </a:defPPr>
+            <a:lvl1pPr marL="0" algn="l" defTabSz="457200" rtl="0" eaLnBrk="1" latinLnBrk="0" hangingPunct="1">
+              <a:defRPr sz="1100" kern="1200">
+                <a:solidFill>
+                  <a:schemeClr val="tx1">
+                    <a:lumMod val="50000"/>
+                    <a:lumOff val="50000"/>
+                  </a:schemeClr>
+                </a:solidFill>
+                <a:latin typeface="+mn-lt"/>
+                <a:ea typeface="+mn-ea"/>
+                <a:cs typeface="+mn-cs"/>
+              </a:defRPr>
+            </a:lvl1pPr>
+            <a:lvl2pPr marL="457200" algn="l" defTabSz="457200" rtl="0" eaLnBrk="1" latinLnBrk="0" hangingPunct="1">
+              <a:defRPr sz="1800" kern="1200">
+                <a:solidFill>
+                  <a:schemeClr val="tx1"/>
+                </a:solidFill>
+                <a:latin typeface="+mn-lt"/>
+                <a:ea typeface="+mn-ea"/>
+                <a:cs typeface="+mn-cs"/>
+              </a:defRPr>
+            </a:lvl2pPr>
+            <a:lvl3pPr marL="914400" algn="l" defTabSz="457200" rtl="0" eaLnBrk="1" latinLnBrk="0" hangingPunct="1">
+              <a:defRPr sz="1800" kern="1200">
+                <a:solidFill>
+                  <a:schemeClr val="tx1"/>
+                </a:solidFill>
+                <a:latin typeface="+mn-lt"/>
+                <a:ea typeface="+mn-ea"/>
+                <a:cs typeface="+mn-cs"/>
+              </a:defRPr>
+            </a:lvl3pPr>
+            <a:lvl4pPr marL="1371600" algn="l" defTabSz="457200" rtl="0" eaLnBrk="1" latinLnBrk="0" hangingPunct="1">
+              <a:defRPr sz="1800" kern="1200">
+                <a:solidFill>
+                  <a:schemeClr val="tx1"/>
+                </a:solidFill>
+                <a:latin typeface="+mn-lt"/>
+                <a:ea typeface="+mn-ea"/>
+                <a:cs typeface="+mn-cs"/>
+              </a:defRPr>
+            </a:lvl4pPr>
+            <a:lvl5pPr marL="1828800" algn="l" defTabSz="457200" rtl="0" eaLnBrk="1" latinLnBrk="0" hangingPunct="1">
+              <a:defRPr sz="1800" kern="1200">
+                <a:solidFill>
+                  <a:schemeClr val="tx1"/>
+                </a:solidFill>
+                <a:latin typeface="+mn-lt"/>
+                <a:ea typeface="+mn-ea"/>
+                <a:cs typeface="+mn-cs"/>
+              </a:defRPr>
+            </a:lvl5pPr>
+            <a:lvl6pPr marL="2286000" algn="l" defTabSz="457200" rtl="0" eaLnBrk="1" latinLnBrk="0" hangingPunct="1">
+              <a:defRPr sz="1800" kern="1200">
+                <a:solidFill>
+                  <a:schemeClr val="tx1"/>
+                </a:solidFill>
+                <a:latin typeface="+mn-lt"/>
+                <a:ea typeface="+mn-ea"/>
+                <a:cs typeface="+mn-cs"/>
+              </a:defRPr>
+            </a:lvl6pPr>
+            <a:lvl7pPr marL="2743200" algn="l" defTabSz="457200" rtl="0" eaLnBrk="1" latinLnBrk="0" hangingPunct="1">
+              <a:defRPr sz="1800" kern="1200">
+                <a:solidFill>
+                  <a:schemeClr val="tx1"/>
+                </a:solidFill>
+                <a:latin typeface="+mn-lt"/>
+                <a:ea typeface="+mn-ea"/>
+                <a:cs typeface="+mn-cs"/>
+              </a:defRPr>
+            </a:lvl7pPr>
+            <a:lvl8pPr marL="3200400" algn="l" defTabSz="457200" rtl="0" eaLnBrk="1" latinLnBrk="0" hangingPunct="1">
+              <a:defRPr sz="1800" kern="1200">
+                <a:solidFill>
+                  <a:schemeClr val="tx1"/>
+                </a:solidFill>
+                <a:latin typeface="+mn-lt"/>
+                <a:ea typeface="+mn-ea"/>
+                <a:cs typeface="+mn-cs"/>
+              </a:defRPr>
+            </a:lvl8pPr>
+            <a:lvl9pPr marL="3657600" algn="l" defTabSz="457200" rtl="0" eaLnBrk="1" latinLnBrk="0" hangingPunct="1">
+              <a:defRPr sz="1800" kern="1200">
+                <a:solidFill>
+                  <a:schemeClr val="tx1"/>
+                </a:solidFill>
+                <a:latin typeface="+mn-lt"/>
+                <a:ea typeface="+mn-ea"/>
+                <a:cs typeface="+mn-cs"/>
+              </a:defRPr>
+            </a:lvl9pPr>
+          </a:lstStyle>
+          <a:p>
+            <a:pPr algn="ctr"/>
+            <a:r>
+              <a:rPr lang="en-US" altLang="ko-KR" dirty="0"/>
+              <a:t>2020 </a:t>
+            </a:r>
+            <a:r>
+              <a:rPr lang="ko-KR" altLang="en-US" dirty="0"/>
+              <a:t>전기 졸업과제 팀 </a:t>
+            </a:r>
+            <a:r>
+              <a:rPr lang="en-US" altLang="ko-KR" dirty="0"/>
+              <a:t>38(ESLAB 2</a:t>
+            </a:r>
+            <a:r>
+              <a:rPr lang="ko-KR" altLang="en-US" dirty="0"/>
+              <a:t>조</a:t>
+            </a:r>
+            <a:r>
+              <a:rPr lang="en-US" altLang="ko-KR" dirty="0"/>
+              <a:t>)</a:t>
+            </a:r>
+          </a:p>
+          <a:p>
+            <a:pPr algn="ctr"/>
+            <a:r>
+              <a:rPr lang="en-US" altLang="ko-KR" dirty="0"/>
+              <a:t>[</a:t>
+            </a:r>
+            <a:r>
+              <a:rPr lang="ko-KR" altLang="en-US" dirty="0"/>
+              <a:t>여기에 팀 이름 입력</a:t>
+            </a:r>
+            <a:r>
+              <a:rPr lang="en-US" altLang="ko-KR" dirty="0"/>
+              <a:t>]</a:t>
+            </a:r>
+            <a:endParaRPr lang="en-US" dirty="0"/>
+          </a:p>
+        </p:txBody>
+      </p:sp>
+      <p:sp>
+        <p:nvSpPr>
+          <p:cNvPr id="7" name="TextBox 6">
+            <a:extLst>
+              <a:ext uri="{FF2B5EF4-FFF2-40B4-BE49-F238E27FC236}">
+                <a16:creationId xmlns:a16="http://schemas.microsoft.com/office/drawing/2014/main" id="{363584E5-9A0C-434C-BB6F-A44FDBA3DBBC}"/>
+              </a:ext>
+            </a:extLst>
+          </p:cNvPr>
+          <p:cNvSpPr txBox="1"/>
+          <p:nvPr/>
+        </p:nvSpPr>
+        <p:spPr>
+          <a:xfrm>
+            <a:off x="1118223" y="729025"/>
+            <a:ext cx="5558076" cy="553998"/>
+          </a:xfrm>
+          <a:prstGeom prst="rect">
+            <a:avLst/>
+          </a:prstGeom>
+          <a:noFill/>
+        </p:spPr>
+        <p:txBody>
+          <a:bodyPr wrap="square" rtlCol="0">
+            <a:spAutoFit/>
+          </a:bodyPr>
+          <a:lstStyle/>
+          <a:p>
+            <a:r>
+              <a:rPr lang="ko-KR" altLang="en-US" sz="3000" dirty="0"/>
+              <a:t>데이터 예측 결과</a:t>
+            </a:r>
+          </a:p>
+        </p:txBody>
+      </p:sp>
+      <p:sp>
+        <p:nvSpPr>
+          <p:cNvPr id="15" name="TextBox 14">
+            <a:extLst>
+              <a:ext uri="{FF2B5EF4-FFF2-40B4-BE49-F238E27FC236}">
+                <a16:creationId xmlns:a16="http://schemas.microsoft.com/office/drawing/2014/main" id="{0E112199-EF7E-4BC3-BA6D-7BC4EB7D57C7}"/>
+              </a:ext>
+            </a:extLst>
+          </p:cNvPr>
+          <p:cNvSpPr txBox="1"/>
+          <p:nvPr/>
+        </p:nvSpPr>
+        <p:spPr>
+          <a:xfrm>
+            <a:off x="1262047" y="2872286"/>
+            <a:ext cx="6346064" cy="1938992"/>
+          </a:xfrm>
+          <a:prstGeom prst="rect">
+            <a:avLst/>
+          </a:prstGeom>
+          <a:noFill/>
+        </p:spPr>
+        <p:txBody>
+          <a:bodyPr wrap="square" rtlCol="0">
+            <a:spAutoFit/>
+          </a:bodyPr>
+          <a:lstStyle/>
+          <a:p>
+            <a:r>
+              <a:rPr lang="ko-KR" altLang="en-US" sz="3000" dirty="0"/>
+              <a:t>테스트 데이터에 대해 </a:t>
+            </a:r>
+            <a:r>
+              <a:rPr lang="en-US" altLang="ko-KR" sz="3000" b="1" dirty="0">
+                <a:solidFill>
+                  <a:srgbClr val="FF0000"/>
+                </a:solidFill>
+              </a:rPr>
+              <a:t>30%</a:t>
+            </a:r>
+            <a:r>
+              <a:rPr lang="en-US" altLang="ko-KR" sz="3000" dirty="0"/>
+              <a:t> ,</a:t>
+            </a:r>
+          </a:p>
+          <a:p>
+            <a:endParaRPr lang="en-US" altLang="ko-KR" sz="3000" dirty="0"/>
+          </a:p>
+          <a:p>
+            <a:r>
+              <a:rPr lang="ko-KR" altLang="en-US" sz="3000" dirty="0"/>
+              <a:t>실제 차량 데이터의 경우 </a:t>
+            </a:r>
+            <a:r>
+              <a:rPr lang="en-US" altLang="ko-KR" sz="3000" b="1" dirty="0">
+                <a:solidFill>
+                  <a:srgbClr val="FF0000"/>
+                </a:solidFill>
+              </a:rPr>
+              <a:t>5% </a:t>
+            </a:r>
+            <a:r>
+              <a:rPr lang="ko-KR" altLang="en-US" sz="3000" dirty="0"/>
+              <a:t>의 매우 낮은 정확도를 보임 </a:t>
+            </a:r>
+            <a:endParaRPr lang="en-US" altLang="ko-KR" sz="3000" dirty="0"/>
+          </a:p>
+        </p:txBody>
+      </p:sp>
+      <p:pic>
+        <p:nvPicPr>
+          <p:cNvPr id="9" name="그림 8" descr="스크린샷이(가) 표시된 사진&#10;&#10;자동 생성된 설명">
+            <a:extLst>
+              <a:ext uri="{FF2B5EF4-FFF2-40B4-BE49-F238E27FC236}">
+                <a16:creationId xmlns:a16="http://schemas.microsoft.com/office/drawing/2014/main" id="{7EF792A7-88BB-45A5-A817-FA12E448B987}"/>
+              </a:ext>
+            </a:extLst>
+          </p:cNvPr>
+          <p:cNvPicPr>
+            <a:picLocks noChangeAspect="1"/>
+          </p:cNvPicPr>
+          <p:nvPr/>
+        </p:nvPicPr>
+        <p:blipFill rotWithShape="1">
+          <a:blip r:embed="rId3"/>
+          <a:srcRect b="90879"/>
+          <a:stretch/>
+        </p:blipFill>
+        <p:spPr>
+          <a:xfrm>
+            <a:off x="1118223" y="1283023"/>
+            <a:ext cx="4336156" cy="553998"/>
+          </a:xfrm>
+          <a:prstGeom prst="rect">
+            <a:avLst/>
+          </a:prstGeom>
+        </p:spPr>
+      </p:pic>
+      <p:pic>
+        <p:nvPicPr>
+          <p:cNvPr id="12" name="그림 11" descr="스크린샷이(가) 표시된 사진&#10;&#10;자동 생성된 설명">
+            <a:extLst>
+              <a:ext uri="{FF2B5EF4-FFF2-40B4-BE49-F238E27FC236}">
+                <a16:creationId xmlns:a16="http://schemas.microsoft.com/office/drawing/2014/main" id="{A9692FE3-3C27-4B61-A590-A3A4ABE91C38}"/>
+              </a:ext>
+            </a:extLst>
+          </p:cNvPr>
+          <p:cNvPicPr>
+            <a:picLocks noChangeAspect="1"/>
+          </p:cNvPicPr>
+          <p:nvPr/>
+        </p:nvPicPr>
+        <p:blipFill rotWithShape="1">
+          <a:blip r:embed="rId3"/>
+          <a:srcRect t="94454"/>
+          <a:stretch/>
+        </p:blipFill>
+        <p:spPr>
+          <a:xfrm>
+            <a:off x="1118223" y="1892570"/>
+            <a:ext cx="4336156" cy="336858"/>
+          </a:xfrm>
+          <a:prstGeom prst="rect">
+            <a:avLst/>
+          </a:prstGeom>
+        </p:spPr>
+      </p:pic>
+      <p:pic>
+        <p:nvPicPr>
+          <p:cNvPr id="16" name="그림 15">
+            <a:extLst>
+              <a:ext uri="{FF2B5EF4-FFF2-40B4-BE49-F238E27FC236}">
+                <a16:creationId xmlns:a16="http://schemas.microsoft.com/office/drawing/2014/main" id="{4A9C144E-9098-4D05-8BC8-938CD06A3336}"/>
+              </a:ext>
+            </a:extLst>
+          </p:cNvPr>
+          <p:cNvPicPr>
+            <a:picLocks noChangeAspect="1"/>
+          </p:cNvPicPr>
+          <p:nvPr/>
+        </p:nvPicPr>
+        <p:blipFill>
+          <a:blip r:embed="rId4"/>
+          <a:stretch>
+            <a:fillRect/>
+          </a:stretch>
+        </p:blipFill>
+        <p:spPr>
+          <a:xfrm>
+            <a:off x="7756922" y="729025"/>
+            <a:ext cx="3642676" cy="5197290"/>
+          </a:xfrm>
+          <a:prstGeom prst="rect">
+            <a:avLst/>
+          </a:prstGeom>
+        </p:spPr>
+      </p:pic>
+    </p:spTree>
+    <p:extLst>
+      <p:ext uri="{BB962C8B-B14F-4D97-AF65-F5344CB8AC3E}">
+        <p14:creationId xmlns:p14="http://schemas.microsoft.com/office/powerpoint/2010/main" val="1024922132"/>
+      </p:ext>
+    </p:extLst>
+  </p:cSld>
+  <p:clrMapOvr>
+    <a:masterClrMapping/>
+  </p:clrMapOvr>
+</p:sld>
+</file>
+
+<file path=ppt/slides/slide7.xml><?xml version="1.0" encoding="utf-8"?>
+<p:sld xmlns:a="http://schemas.openxmlformats.org/drawingml/2006/main" xmlns:r="http://schemas.openxmlformats.org/officeDocument/2006/relationships" xmlns:p="http://schemas.openxmlformats.org/presentationml/2006/main">
+  <p:cSld>
+    <p:spTree>
+      <p:nvGrpSpPr>
+        <p:cNvPr id="1" name=""/>
+        <p:cNvGrpSpPr/>
+        <p:nvPr/>
+      </p:nvGrpSpPr>
+      <p:grpSpPr>
+        <a:xfrm>
+          <a:off x="0" y="0"/>
+          <a:ext cx="0" cy="0"/>
+          <a:chOff x="0" y="0"/>
+          <a:chExt cx="0" cy="0"/>
+        </a:xfrm>
+      </p:grpSpPr>
+      <p:sp>
+        <p:nvSpPr>
+          <p:cNvPr id="2" name="제목 1">
+            <a:extLst>
+              <a:ext uri="{FF2B5EF4-FFF2-40B4-BE49-F238E27FC236}">
+                <a16:creationId xmlns:a16="http://schemas.microsoft.com/office/drawing/2014/main" id="{F527D3A4-2476-4C9D-B594-1FA1ED3CFA2B}"/>
+              </a:ext>
+            </a:extLst>
+          </p:cNvPr>
+          <p:cNvSpPr>
+            <a:spLocks noGrp="1"/>
+          </p:cNvSpPr>
+          <p:nvPr>
+            <p:ph type="title"/>
+          </p:nvPr>
+        </p:nvSpPr>
+        <p:spPr/>
+        <p:txBody>
+          <a:bodyPr>
+            <a:normAutofit/>
+          </a:bodyPr>
+          <a:lstStyle/>
+          <a:p>
+            <a:r>
+              <a:rPr lang="ko-KR" altLang="en-US" sz="3200" b="1" dirty="0"/>
+              <a:t>문제점</a:t>
+            </a:r>
+            <a:r>
+              <a:rPr lang="en-US" altLang="ko-KR" sz="3200" b="1" dirty="0"/>
+              <a:t>&amp; </a:t>
+            </a:r>
+            <a:r>
+              <a:rPr lang="ko-KR" altLang="en-US" sz="3200" b="1" dirty="0"/>
+              <a:t>개선사항</a:t>
+            </a:r>
+            <a:endParaRPr lang="ko-KR" altLang="en-US" sz="1600" b="1" dirty="0"/>
+          </a:p>
+        </p:txBody>
+      </p:sp>
+      <p:sp>
+        <p:nvSpPr>
+          <p:cNvPr id="3" name="내용 개체 틀 2">
+            <a:extLst>
+              <a:ext uri="{FF2B5EF4-FFF2-40B4-BE49-F238E27FC236}">
+                <a16:creationId xmlns:a16="http://schemas.microsoft.com/office/drawing/2014/main" id="{543A506F-6AA0-4A47-8944-1349D0144E32}"/>
+              </a:ext>
+            </a:extLst>
+          </p:cNvPr>
+          <p:cNvSpPr>
+            <a:spLocks noGrp="1"/>
+          </p:cNvSpPr>
+          <p:nvPr>
+            <p:ph idx="1"/>
+          </p:nvPr>
+        </p:nvSpPr>
+        <p:spPr>
+          <a:xfrm>
+            <a:off x="1321142" y="843280"/>
+            <a:ext cx="10263986" cy="5141468"/>
+          </a:xfrm>
+        </p:spPr>
+        <p:txBody>
+          <a:bodyPr>
+            <a:normAutofit/>
+          </a:bodyPr>
+          <a:lstStyle/>
+          <a:p>
+            <a:pPr>
+              <a:spcBef>
+                <a:spcPts val="2400"/>
+              </a:spcBef>
+            </a:pPr>
+            <a:r>
+              <a:rPr lang="ko-KR" altLang="en-US" sz="2400" dirty="0"/>
+              <a:t>테스트 데이터와 실제 데이터의 정확도가 매우 낮음</a:t>
+            </a:r>
+            <a:endParaRPr lang="en-US" altLang="ko-KR" sz="2400" dirty="0"/>
+          </a:p>
+          <a:p>
+            <a:pPr marL="0" indent="0">
+              <a:spcBef>
+                <a:spcPts val="2400"/>
+              </a:spcBef>
+              <a:buNone/>
+            </a:pPr>
+            <a:r>
+              <a:rPr lang="en-US" altLang="ko-KR" sz="2400" dirty="0"/>
+              <a:t>	-&gt; </a:t>
+            </a:r>
+            <a:r>
+              <a:rPr lang="ko-KR" altLang="en-US" sz="2400" dirty="0"/>
+              <a:t>분석모델 수정 </a:t>
+            </a:r>
+            <a:r>
+              <a:rPr lang="en-US" altLang="ko-KR" sz="2400" dirty="0"/>
+              <a:t>(DNN –&gt; DS-CNN, CNN)</a:t>
+            </a:r>
+          </a:p>
+          <a:p>
+            <a:pPr>
+              <a:spcBef>
+                <a:spcPts val="2400"/>
+              </a:spcBef>
+            </a:pPr>
+            <a:r>
+              <a:rPr lang="ko-KR" altLang="en-US" sz="2400" dirty="0"/>
+              <a:t>학습데이터의 정확도가 비정상적으로 높음</a:t>
+            </a:r>
+            <a:endParaRPr lang="en-US" altLang="ko-KR" sz="2400" dirty="0"/>
+          </a:p>
+          <a:p>
+            <a:pPr marL="0" indent="0">
+              <a:spcBef>
+                <a:spcPts val="2400"/>
+              </a:spcBef>
+              <a:buNone/>
+            </a:pPr>
+            <a:r>
+              <a:rPr lang="en-US" altLang="ko-KR" sz="2400" dirty="0"/>
+              <a:t>	-&gt; </a:t>
+            </a:r>
+            <a:r>
+              <a:rPr lang="ko-KR" altLang="en-US" sz="2400" dirty="0"/>
+              <a:t>학습데이터 종류를 다양화</a:t>
+            </a:r>
+            <a:endParaRPr lang="en-US" altLang="ko-KR" sz="2400" dirty="0"/>
+          </a:p>
+          <a:p>
+            <a:pPr>
+              <a:spcBef>
+                <a:spcPts val="2400"/>
+              </a:spcBef>
+            </a:pPr>
+            <a:r>
+              <a:rPr lang="ko-KR" altLang="en-US" sz="2400" dirty="0"/>
+              <a:t>정규화를 적용하였을 때 정확도가 많이 감소</a:t>
+            </a:r>
+            <a:endParaRPr lang="en-US" altLang="ko-KR" sz="2400" dirty="0"/>
+          </a:p>
+          <a:p>
+            <a:pPr marL="0" indent="0">
+              <a:spcBef>
+                <a:spcPts val="2400"/>
+              </a:spcBef>
+              <a:buNone/>
+            </a:pPr>
+            <a:r>
+              <a:rPr lang="en-US" altLang="ko-KR" sz="2400" dirty="0"/>
+              <a:t>	-&gt; </a:t>
+            </a:r>
+            <a:r>
+              <a:rPr lang="ko-KR" altLang="en-US" sz="2400" dirty="0"/>
+              <a:t>정규화 방식 수정</a:t>
+            </a:r>
+            <a:endParaRPr lang="en-US" altLang="ko-KR" sz="2400" dirty="0"/>
+          </a:p>
+        </p:txBody>
+      </p:sp>
+      <p:sp>
+        <p:nvSpPr>
+          <p:cNvPr id="5" name="슬라이드 번호 개체 틀 4">
+            <a:extLst>
+              <a:ext uri="{FF2B5EF4-FFF2-40B4-BE49-F238E27FC236}">
+                <a16:creationId xmlns:a16="http://schemas.microsoft.com/office/drawing/2014/main" id="{B94218F4-8846-4E3F-853A-5F8555B0F85A}"/>
+              </a:ext>
+            </a:extLst>
+          </p:cNvPr>
+          <p:cNvSpPr>
+            <a:spLocks noGrp="1"/>
+          </p:cNvSpPr>
+          <p:nvPr>
+            <p:ph type="sldNum" sz="quarter" idx="12"/>
+          </p:nvPr>
+        </p:nvSpPr>
+        <p:spPr/>
+        <p:txBody>
+          <a:bodyPr/>
+          <a:lstStyle/>
+          <a:p>
+            <a:fld id="{4FAB73BC-B049-4115-A692-8D63A059BFB8}" type="slidenum">
+              <a:rPr lang="en-US" smtClean="0"/>
+              <a:pPr/>
+              <a:t>7</a:t>
+            </a:fld>
+            <a:endParaRPr lang="en-US" dirty="0"/>
+          </a:p>
+        </p:txBody>
+      </p:sp>
+      <p:sp>
+        <p:nvSpPr>
+          <p:cNvPr id="4" name="날짜 개체 틀 3">
+            <a:extLst>
+              <a:ext uri="{FF2B5EF4-FFF2-40B4-BE49-F238E27FC236}">
+                <a16:creationId xmlns:a16="http://schemas.microsoft.com/office/drawing/2014/main" id="{4BB7EE5D-927A-4CCF-A1D8-4B1D0DBF2832}"/>
+              </a:ext>
+            </a:extLst>
+          </p:cNvPr>
+          <p:cNvSpPr>
+            <a:spLocks noGrp="1"/>
+          </p:cNvSpPr>
+          <p:nvPr>
+            <p:ph type="dt" sz="half" idx="10"/>
+          </p:nvPr>
+        </p:nvSpPr>
+        <p:spPr>
+          <a:xfrm>
+            <a:off x="0" y="6492875"/>
+            <a:ext cx="2743200" cy="365125"/>
+          </a:xfrm>
+        </p:spPr>
+        <p:txBody>
+          <a:bodyPr/>
+          <a:lstStyle/>
+          <a:p>
+            <a:fld id="{835A3A55-8703-4404-B685-585B47BF8635}" type="datetime1">
+              <a:rPr lang="ko-KR" altLang="en-US" smtClean="0"/>
+              <a:t>2020-07-24</a:t>
+            </a:fld>
+            <a:endParaRPr lang="en-US" dirty="0"/>
+          </a:p>
+        </p:txBody>
+      </p:sp>
+      <p:sp>
+        <p:nvSpPr>
+          <p:cNvPr id="6" name="바닥글 개체 틀 3">
+            <a:extLst>
+              <a:ext uri="{FF2B5EF4-FFF2-40B4-BE49-F238E27FC236}">
+                <a16:creationId xmlns:a16="http://schemas.microsoft.com/office/drawing/2014/main" id="{A60952EA-DD37-49FE-B649-1749C242F52B}"/>
+              </a:ext>
+            </a:extLst>
+          </p:cNvPr>
+          <p:cNvSpPr txBox="1">
+            <a:spLocks/>
+          </p:cNvSpPr>
+          <p:nvPr/>
+        </p:nvSpPr>
+        <p:spPr>
+          <a:xfrm>
+            <a:off x="3140241" y="150043"/>
+            <a:ext cx="5911517" cy="365125"/>
+          </a:xfrm>
+          <a:prstGeom prst="rect">
+            <a:avLst/>
+          </a:prstGeom>
+        </p:spPr>
+        <p:txBody>
+          <a:bodyPr vert="horz" lIns="91440" tIns="45720" rIns="91440" bIns="45720" rtlCol="0" anchor="ctr"/>
+          <a:lstStyle>
+            <a:defPPr>
+              <a:defRPr lang="en-US"/>
+            </a:defPPr>
+            <a:lvl1pPr marL="0" algn="l" defTabSz="457200" rtl="0" eaLnBrk="1" latinLnBrk="0" hangingPunct="1">
+              <a:defRPr sz="1100" kern="1200">
+                <a:solidFill>
+                  <a:schemeClr val="tx1">
+                    <a:lumMod val="50000"/>
+                    <a:lumOff val="50000"/>
+                  </a:schemeClr>
+                </a:solidFill>
+                <a:latin typeface="+mn-lt"/>
+                <a:ea typeface="+mn-ea"/>
+                <a:cs typeface="+mn-cs"/>
+              </a:defRPr>
+            </a:lvl1pPr>
+            <a:lvl2pPr marL="457200" algn="l" defTabSz="457200" rtl="0" eaLnBrk="1" latinLnBrk="0" hangingPunct="1">
+              <a:defRPr sz="1800" kern="1200">
+                <a:solidFill>
+                  <a:schemeClr val="tx1"/>
+                </a:solidFill>
+                <a:latin typeface="+mn-lt"/>
+                <a:ea typeface="+mn-ea"/>
+                <a:cs typeface="+mn-cs"/>
+              </a:defRPr>
+            </a:lvl2pPr>
+            <a:lvl3pPr marL="914400" algn="l" defTabSz="457200" rtl="0" eaLnBrk="1" latinLnBrk="0" hangingPunct="1">
+              <a:defRPr sz="1800" kern="1200">
+                <a:solidFill>
+                  <a:schemeClr val="tx1"/>
+                </a:solidFill>
+                <a:latin typeface="+mn-lt"/>
+                <a:ea typeface="+mn-ea"/>
+                <a:cs typeface="+mn-cs"/>
+              </a:defRPr>
+            </a:lvl3pPr>
+            <a:lvl4pPr marL="1371600" algn="l" defTabSz="457200" rtl="0" eaLnBrk="1" latinLnBrk="0" hangingPunct="1">
+              <a:defRPr sz="1800" kern="1200">
+                <a:solidFill>
+                  <a:schemeClr val="tx1"/>
+                </a:solidFill>
+                <a:latin typeface="+mn-lt"/>
+                <a:ea typeface="+mn-ea"/>
+                <a:cs typeface="+mn-cs"/>
+              </a:defRPr>
+            </a:lvl4pPr>
+            <a:lvl5pPr marL="1828800" algn="l" defTabSz="457200" rtl="0" eaLnBrk="1" latinLnBrk="0" hangingPunct="1">
+              <a:defRPr sz="1800" kern="1200">
+                <a:solidFill>
+                  <a:schemeClr val="tx1"/>
+                </a:solidFill>
+                <a:latin typeface="+mn-lt"/>
+                <a:ea typeface="+mn-ea"/>
+                <a:cs typeface="+mn-cs"/>
+              </a:defRPr>
+            </a:lvl5pPr>
+            <a:lvl6pPr marL="2286000" algn="l" defTabSz="457200" rtl="0" eaLnBrk="1" latinLnBrk="0" hangingPunct="1">
+              <a:defRPr sz="1800" kern="1200">
+                <a:solidFill>
+                  <a:schemeClr val="tx1"/>
+                </a:solidFill>
+                <a:latin typeface="+mn-lt"/>
+                <a:ea typeface="+mn-ea"/>
+                <a:cs typeface="+mn-cs"/>
+              </a:defRPr>
+            </a:lvl6pPr>
+            <a:lvl7pPr marL="2743200" algn="l" defTabSz="457200" rtl="0" eaLnBrk="1" latinLnBrk="0" hangingPunct="1">
+              <a:defRPr sz="1800" kern="1200">
+                <a:solidFill>
+                  <a:schemeClr val="tx1"/>
+                </a:solidFill>
+                <a:latin typeface="+mn-lt"/>
+                <a:ea typeface="+mn-ea"/>
+                <a:cs typeface="+mn-cs"/>
+              </a:defRPr>
+            </a:lvl7pPr>
+            <a:lvl8pPr marL="3200400" algn="l" defTabSz="457200" rtl="0" eaLnBrk="1" latinLnBrk="0" hangingPunct="1">
+              <a:defRPr sz="1800" kern="1200">
+                <a:solidFill>
+                  <a:schemeClr val="tx1"/>
+                </a:solidFill>
+                <a:latin typeface="+mn-lt"/>
+                <a:ea typeface="+mn-ea"/>
+                <a:cs typeface="+mn-cs"/>
+              </a:defRPr>
+            </a:lvl8pPr>
+            <a:lvl9pPr marL="3657600" algn="l" defTabSz="457200" rtl="0" eaLnBrk="1" latinLnBrk="0" hangingPunct="1">
+              <a:defRPr sz="1800" kern="1200">
+                <a:solidFill>
+                  <a:schemeClr val="tx1"/>
+                </a:solidFill>
+                <a:latin typeface="+mn-lt"/>
+                <a:ea typeface="+mn-ea"/>
+                <a:cs typeface="+mn-cs"/>
+              </a:defRPr>
+            </a:lvl9pPr>
+          </a:lstStyle>
+          <a:p>
+            <a:pPr algn="ctr"/>
+            <a:r>
+              <a:rPr lang="en-US" altLang="ko-KR" dirty="0"/>
+              <a:t>2020 </a:t>
+            </a:r>
+            <a:r>
+              <a:rPr lang="ko-KR" altLang="en-US" dirty="0"/>
+              <a:t>전기 졸업과제 팀 </a:t>
+            </a:r>
+            <a:r>
+              <a:rPr lang="en-US" altLang="ko-KR" dirty="0"/>
+              <a:t>38(ESLAB 2</a:t>
+            </a:r>
+            <a:r>
+              <a:rPr lang="ko-KR" altLang="en-US" dirty="0"/>
+              <a:t>조</a:t>
+            </a:r>
+            <a:r>
+              <a:rPr lang="en-US" altLang="ko-KR" dirty="0"/>
+              <a:t>)</a:t>
+            </a:r>
+          </a:p>
+          <a:p>
+            <a:pPr algn="ctr"/>
+            <a:r>
+              <a:rPr lang="en-US" altLang="ko-KR" dirty="0"/>
+              <a:t>[</a:t>
+            </a:r>
+            <a:r>
+              <a:rPr lang="ko-KR" altLang="en-US" dirty="0"/>
+              <a:t>여기에 팀 이름 입력</a:t>
+            </a:r>
+            <a:r>
+              <a:rPr lang="en-US" altLang="ko-KR" dirty="0"/>
+              <a:t>]</a:t>
+            </a:r>
+            <a:endParaRPr lang="en-US" dirty="0"/>
+          </a:p>
+        </p:txBody>
+      </p:sp>
+    </p:spTree>
+    <p:extLst>
+      <p:ext uri="{BB962C8B-B14F-4D97-AF65-F5344CB8AC3E}">
+        <p14:creationId xmlns:p14="http://schemas.microsoft.com/office/powerpoint/2010/main" val="849716959"/>
+      </p:ext>
+    </p:extLst>
+  </p:cSld>
+  <p:clrMapOvr>
+    <a:masterClrMapping/>
+  </p:clrMapOvr>
+</p:sld>
+</file>
+
+<file path=ppt/slides/slide8.xml><?xml version="1.0" encoding="utf-8"?>
+<p:sld xmlns:a="http://schemas.openxmlformats.org/drawingml/2006/main" xmlns:r="http://schemas.openxmlformats.org/officeDocument/2006/relationships" xmlns:p="http://schemas.openxmlformats.org/presentationml/2006/main">
+  <p:cSld>
+    <p:spTree>
+      <p:nvGrpSpPr>
+        <p:cNvPr id="1" name=""/>
+        <p:cNvGrpSpPr/>
+        <p:nvPr/>
+      </p:nvGrpSpPr>
+      <p:grpSpPr>
+        <a:xfrm>
+          <a:off x="0" y="0"/>
+          <a:ext cx="0" cy="0"/>
+          <a:chOff x="0" y="0"/>
+          <a:chExt cx="0" cy="0"/>
+        </a:xfrm>
+      </p:grpSpPr>
+      <p:sp>
+        <p:nvSpPr>
+          <p:cNvPr id="2" name="제목 1">
+            <a:extLst>
+              <a:ext uri="{FF2B5EF4-FFF2-40B4-BE49-F238E27FC236}">
+                <a16:creationId xmlns:a16="http://schemas.microsoft.com/office/drawing/2014/main" id="{F527D3A4-2476-4C9D-B594-1FA1ED3CFA2B}"/>
+              </a:ext>
+            </a:extLst>
+          </p:cNvPr>
+          <p:cNvSpPr>
+            <a:spLocks noGrp="1"/>
+          </p:cNvSpPr>
+          <p:nvPr>
+            <p:ph type="title"/>
+          </p:nvPr>
+        </p:nvSpPr>
+        <p:spPr/>
+        <p:txBody>
+          <a:bodyPr>
+            <a:normAutofit/>
+          </a:bodyPr>
+          <a:lstStyle/>
+          <a:p>
+            <a:r>
+              <a:rPr lang="ko-KR" altLang="en-US" sz="3200" b="1" dirty="0"/>
+              <a:t>차주 진행 예정사항</a:t>
+            </a:r>
+            <a:endParaRPr lang="ko-KR" altLang="en-US" sz="1600" b="1" dirty="0"/>
+          </a:p>
+        </p:txBody>
+      </p:sp>
+      <p:sp>
+        <p:nvSpPr>
+          <p:cNvPr id="3" name="내용 개체 틀 2">
+            <a:extLst>
+              <a:ext uri="{FF2B5EF4-FFF2-40B4-BE49-F238E27FC236}">
+                <a16:creationId xmlns:a16="http://schemas.microsoft.com/office/drawing/2014/main" id="{543A506F-6AA0-4A47-8944-1349D0144E32}"/>
+              </a:ext>
+            </a:extLst>
+          </p:cNvPr>
+          <p:cNvSpPr>
+            <a:spLocks noGrp="1"/>
+          </p:cNvSpPr>
+          <p:nvPr>
+            <p:ph idx="1"/>
+          </p:nvPr>
+        </p:nvSpPr>
+        <p:spPr>
+          <a:xfrm>
+            <a:off x="1321142" y="843280"/>
+            <a:ext cx="10263986" cy="5141468"/>
+          </a:xfrm>
+        </p:spPr>
+        <p:txBody>
+          <a:bodyPr>
+            <a:normAutofit/>
+          </a:bodyPr>
+          <a:lstStyle/>
+          <a:p>
+            <a:pPr>
+              <a:spcBef>
+                <a:spcPts val="2400"/>
+              </a:spcBef>
+            </a:pPr>
+            <a:r>
+              <a:rPr lang="ko-KR" altLang="en-US" sz="2400" dirty="0"/>
+              <a:t>센서 데이터 수집</a:t>
+            </a:r>
+            <a:endParaRPr lang="en-US" altLang="ko-KR" sz="2400" dirty="0"/>
+          </a:p>
+          <a:p>
+            <a:pPr>
+              <a:spcBef>
+                <a:spcPts val="2400"/>
+              </a:spcBef>
+            </a:pPr>
+            <a:r>
+              <a:rPr lang="ko-KR" altLang="en-US" sz="2400" dirty="0"/>
+              <a:t>센서 데이터 분석</a:t>
+            </a:r>
+            <a:endParaRPr lang="en-US" altLang="ko-KR" sz="2400" dirty="0"/>
+          </a:p>
+          <a:p>
+            <a:pPr>
+              <a:spcBef>
+                <a:spcPts val="2400"/>
+              </a:spcBef>
+            </a:pPr>
+            <a:r>
+              <a:rPr lang="ko-KR" altLang="en-US" sz="2400" dirty="0"/>
+              <a:t>중간 보고서</a:t>
+            </a:r>
+            <a:r>
+              <a:rPr lang="en-US" altLang="ko-KR" sz="2400" dirty="0"/>
+              <a:t> </a:t>
+            </a:r>
+            <a:r>
+              <a:rPr lang="ko-KR" altLang="en-US" sz="2400" dirty="0"/>
+              <a:t>작성 및 검수</a:t>
+            </a:r>
+            <a:endParaRPr lang="en-US" altLang="ko-KR" sz="2400" dirty="0"/>
+          </a:p>
+          <a:p>
+            <a:pPr>
+              <a:spcBef>
+                <a:spcPts val="2400"/>
+              </a:spcBef>
+            </a:pPr>
+            <a:r>
+              <a:rPr lang="ko-KR" altLang="en-US" sz="2400" dirty="0"/>
+              <a:t>교수님 지시 사항 수행</a:t>
+            </a:r>
+            <a:endParaRPr lang="en-US" altLang="ko-KR" sz="2400" dirty="0"/>
+          </a:p>
+          <a:p>
+            <a:pPr>
+              <a:spcBef>
+                <a:spcPts val="2400"/>
+              </a:spcBef>
+            </a:pPr>
+            <a:r>
+              <a:rPr lang="ko-KR" altLang="en-US" sz="2400" dirty="0"/>
+              <a:t>예측 모델의 정확도 높이기</a:t>
+            </a:r>
+            <a:r>
+              <a:rPr lang="en-US" altLang="ko-KR" sz="2400" dirty="0"/>
+              <a:t>(</a:t>
+            </a:r>
+            <a:r>
+              <a:rPr lang="ko-KR" altLang="en-US" sz="2400" dirty="0"/>
+              <a:t>개량</a:t>
+            </a:r>
+            <a:r>
+              <a:rPr lang="en-US" altLang="ko-KR" sz="2400" dirty="0"/>
+              <a:t>)</a:t>
+            </a:r>
+          </a:p>
+          <a:p>
+            <a:pPr>
+              <a:spcBef>
+                <a:spcPts val="2400"/>
+              </a:spcBef>
+            </a:pPr>
+            <a:r>
+              <a:rPr lang="ko-KR" altLang="en-US" sz="2400" dirty="0"/>
+              <a:t>다른 모델</a:t>
+            </a:r>
+            <a:r>
+              <a:rPr lang="en-US" altLang="ko-KR" sz="2400" dirty="0"/>
+              <a:t>(RNN, CNN)</a:t>
+            </a:r>
+            <a:r>
+              <a:rPr lang="ko-KR" altLang="en-US" sz="2400" dirty="0"/>
+              <a:t>을 구현하여 비교 테스트</a:t>
+            </a:r>
+            <a:endParaRPr lang="en-US" altLang="ko-KR" sz="2400" dirty="0"/>
+          </a:p>
+          <a:p>
+            <a:pPr>
+              <a:spcBef>
+                <a:spcPts val="2400"/>
+              </a:spcBef>
+            </a:pPr>
+            <a:r>
+              <a:rPr lang="ko-KR" altLang="en-US" sz="2400" dirty="0"/>
+              <a:t>작동 </a:t>
+            </a:r>
+            <a:r>
+              <a:rPr lang="en-US" altLang="ko-KR" sz="2400" dirty="0"/>
+              <a:t>UI </a:t>
+            </a:r>
+            <a:r>
+              <a:rPr lang="ko-KR" altLang="en-US" sz="2400" dirty="0"/>
+              <a:t>제작 시작</a:t>
+            </a:r>
+            <a:endParaRPr lang="en-US" altLang="ko-KR" sz="2400" dirty="0"/>
+          </a:p>
+        </p:txBody>
+      </p:sp>
+      <p:sp>
+        <p:nvSpPr>
+          <p:cNvPr id="5" name="슬라이드 번호 개체 틀 4">
+            <a:extLst>
+              <a:ext uri="{FF2B5EF4-FFF2-40B4-BE49-F238E27FC236}">
+                <a16:creationId xmlns:a16="http://schemas.microsoft.com/office/drawing/2014/main" id="{B94218F4-8846-4E3F-853A-5F8555B0F85A}"/>
+              </a:ext>
+            </a:extLst>
+          </p:cNvPr>
+          <p:cNvSpPr>
+            <a:spLocks noGrp="1"/>
+          </p:cNvSpPr>
+          <p:nvPr>
+            <p:ph type="sldNum" sz="quarter" idx="12"/>
+          </p:nvPr>
+        </p:nvSpPr>
+        <p:spPr/>
+        <p:txBody>
+          <a:bodyPr/>
+          <a:lstStyle/>
+          <a:p>
+            <a:fld id="{4FAB73BC-B049-4115-A692-8D63A059BFB8}" type="slidenum">
+              <a:rPr lang="en-US" smtClean="0"/>
+              <a:pPr/>
+              <a:t>8</a:t>
+            </a:fld>
+            <a:endParaRPr lang="en-US" dirty="0"/>
+          </a:p>
+        </p:txBody>
+      </p:sp>
+      <p:sp>
+        <p:nvSpPr>
+          <p:cNvPr id="4" name="날짜 개체 틀 3">
+            <a:extLst>
+              <a:ext uri="{FF2B5EF4-FFF2-40B4-BE49-F238E27FC236}">
+                <a16:creationId xmlns:a16="http://schemas.microsoft.com/office/drawing/2014/main" id="{4BB7EE5D-927A-4CCF-A1D8-4B1D0DBF2832}"/>
+              </a:ext>
+            </a:extLst>
+          </p:cNvPr>
+          <p:cNvSpPr>
+            <a:spLocks noGrp="1"/>
+          </p:cNvSpPr>
+          <p:nvPr>
+            <p:ph type="dt" sz="half" idx="10"/>
+          </p:nvPr>
+        </p:nvSpPr>
+        <p:spPr>
+          <a:xfrm>
+            <a:off x="0" y="6492875"/>
+            <a:ext cx="2743200" cy="365125"/>
+          </a:xfrm>
+        </p:spPr>
+        <p:txBody>
+          <a:bodyPr/>
+          <a:lstStyle/>
+          <a:p>
+            <a:fld id="{835A3A55-8703-4404-B685-585B47BF8635}" type="datetime1">
+              <a:rPr lang="ko-KR" altLang="en-US" smtClean="0"/>
+              <a:t>2020-07-23</a:t>
+            </a:fld>
+            <a:endParaRPr lang="en-US" dirty="0"/>
+          </a:p>
+        </p:txBody>
+      </p:sp>
+      <p:sp>
+        <p:nvSpPr>
+          <p:cNvPr id="6" name="바닥글 개체 틀 3">
+            <a:extLst>
+              <a:ext uri="{FF2B5EF4-FFF2-40B4-BE49-F238E27FC236}">
+                <a16:creationId xmlns:a16="http://schemas.microsoft.com/office/drawing/2014/main" id="{A60952EA-DD37-49FE-B649-1749C242F52B}"/>
+              </a:ext>
+            </a:extLst>
+          </p:cNvPr>
+          <p:cNvSpPr txBox="1">
+            <a:spLocks/>
+          </p:cNvSpPr>
+          <p:nvPr/>
+        </p:nvSpPr>
+        <p:spPr>
+          <a:xfrm>
+            <a:off x="3140241" y="150043"/>
+            <a:ext cx="5911517" cy="365125"/>
+          </a:xfrm>
+          <a:prstGeom prst="rect">
+            <a:avLst/>
+          </a:prstGeom>
+        </p:spPr>
+        <p:txBody>
+          <a:bodyPr vert="horz" lIns="91440" tIns="45720" rIns="91440" bIns="45720" rtlCol="0" anchor="ctr"/>
+          <a:lstStyle>
+            <a:defPPr>
+              <a:defRPr lang="en-US"/>
+            </a:defPPr>
+            <a:lvl1pPr marL="0" algn="l" defTabSz="457200" rtl="0" eaLnBrk="1" latinLnBrk="0" hangingPunct="1">
+              <a:defRPr sz="1100" kern="1200">
+                <a:solidFill>
+                  <a:schemeClr val="tx1">
+                    <a:lumMod val="50000"/>
+                    <a:lumOff val="50000"/>
+                  </a:schemeClr>
+                </a:solidFill>
+                <a:latin typeface="+mn-lt"/>
+                <a:ea typeface="+mn-ea"/>
+                <a:cs typeface="+mn-cs"/>
+              </a:defRPr>
+            </a:lvl1pPr>
+            <a:lvl2pPr marL="457200" algn="l" defTabSz="457200" rtl="0" eaLnBrk="1" latinLnBrk="0" hangingPunct="1">
+              <a:defRPr sz="1800" kern="1200">
+                <a:solidFill>
+                  <a:schemeClr val="tx1"/>
+                </a:solidFill>
+                <a:latin typeface="+mn-lt"/>
+                <a:ea typeface="+mn-ea"/>
+                <a:cs typeface="+mn-cs"/>
+              </a:defRPr>
+            </a:lvl2pPr>
+            <a:lvl3pPr marL="914400" algn="l" defTabSz="457200" rtl="0" eaLnBrk="1" latinLnBrk="0" hangingPunct="1">
+              <a:defRPr sz="1800" kern="1200">
+                <a:solidFill>
+                  <a:schemeClr val="tx1"/>
+                </a:solidFill>
+                <a:latin typeface="+mn-lt"/>
+                <a:ea typeface="+mn-ea"/>
+                <a:cs typeface="+mn-cs"/>
+              </a:defRPr>
+            </a:lvl3pPr>
+            <a:lvl4pPr marL="1371600" algn="l" defTabSz="457200" rtl="0" eaLnBrk="1" latinLnBrk="0" hangingPunct="1">
+              <a:defRPr sz="1800" kern="1200">
+                <a:solidFill>
+                  <a:schemeClr val="tx1"/>
+                </a:solidFill>
+                <a:latin typeface="+mn-lt"/>
+                <a:ea typeface="+mn-ea"/>
+                <a:cs typeface="+mn-cs"/>
+              </a:defRPr>
+            </a:lvl4pPr>
+            <a:lvl5pPr marL="1828800" algn="l" defTabSz="457200" rtl="0" eaLnBrk="1" latinLnBrk="0" hangingPunct="1">
+              <a:defRPr sz="1800" kern="1200">
+                <a:solidFill>
+                  <a:schemeClr val="tx1"/>
+                </a:solidFill>
+                <a:latin typeface="+mn-lt"/>
+                <a:ea typeface="+mn-ea"/>
+                <a:cs typeface="+mn-cs"/>
+              </a:defRPr>
+            </a:lvl5pPr>
+            <a:lvl6pPr marL="2286000" algn="l" defTabSz="457200" rtl="0" eaLnBrk="1" latinLnBrk="0" hangingPunct="1">
+              <a:defRPr sz="1800" kern="1200">
+                <a:solidFill>
+                  <a:schemeClr val="tx1"/>
+                </a:solidFill>
+                <a:latin typeface="+mn-lt"/>
+                <a:ea typeface="+mn-ea"/>
+                <a:cs typeface="+mn-cs"/>
+              </a:defRPr>
+            </a:lvl6pPr>
+            <a:lvl7pPr marL="2743200" algn="l" defTabSz="457200" rtl="0" eaLnBrk="1" latinLnBrk="0" hangingPunct="1">
+              <a:defRPr sz="1800" kern="1200">
+                <a:solidFill>
+                  <a:schemeClr val="tx1"/>
+                </a:solidFill>
+                <a:latin typeface="+mn-lt"/>
+                <a:ea typeface="+mn-ea"/>
+                <a:cs typeface="+mn-cs"/>
+              </a:defRPr>
+            </a:lvl7pPr>
+            <a:lvl8pPr marL="3200400" algn="l" defTabSz="457200" rtl="0" eaLnBrk="1" latinLnBrk="0" hangingPunct="1">
+              <a:defRPr sz="1800" kern="1200">
+                <a:solidFill>
+                  <a:schemeClr val="tx1"/>
+                </a:solidFill>
+                <a:latin typeface="+mn-lt"/>
+                <a:ea typeface="+mn-ea"/>
+                <a:cs typeface="+mn-cs"/>
+              </a:defRPr>
+            </a:lvl8pPr>
+            <a:lvl9pPr marL="3657600" algn="l" defTabSz="457200" rtl="0" eaLnBrk="1" latinLnBrk="0" hangingPunct="1">
+              <a:defRPr sz="1800" kern="1200">
+                <a:solidFill>
+                  <a:schemeClr val="tx1"/>
+                </a:solidFill>
+                <a:latin typeface="+mn-lt"/>
+                <a:ea typeface="+mn-ea"/>
+                <a:cs typeface="+mn-cs"/>
+              </a:defRPr>
+            </a:lvl9pPr>
+          </a:lstStyle>
+          <a:p>
+            <a:pPr algn="ctr"/>
+            <a:r>
+              <a:rPr lang="en-US" altLang="ko-KR" dirty="0"/>
+              <a:t>2020 </a:t>
+            </a:r>
+            <a:r>
+              <a:rPr lang="ko-KR" altLang="en-US" dirty="0"/>
+              <a:t>전기 졸업과제 팀 </a:t>
+            </a:r>
+            <a:r>
+              <a:rPr lang="en-US" altLang="ko-KR" dirty="0"/>
+              <a:t>38(ESLAB 2</a:t>
+            </a:r>
+            <a:r>
+              <a:rPr lang="ko-KR" altLang="en-US" dirty="0"/>
+              <a:t>조</a:t>
+            </a:r>
+            <a:r>
+              <a:rPr lang="en-US" altLang="ko-KR" dirty="0"/>
+              <a:t>)</a:t>
+            </a:r>
+          </a:p>
+          <a:p>
+            <a:pPr algn="ctr"/>
+            <a:r>
+              <a:rPr lang="en-US" altLang="ko-KR" dirty="0"/>
+              <a:t>[</a:t>
+            </a:r>
+            <a:r>
+              <a:rPr lang="ko-KR" altLang="en-US" dirty="0"/>
+              <a:t>여기에 팀 이름 입력</a:t>
+            </a:r>
+            <a:r>
+              <a:rPr lang="en-US" altLang="ko-KR" dirty="0"/>
+              <a:t>]</a:t>
+            </a:r>
+            <a:endParaRPr lang="en-US" dirty="0"/>
+          </a:p>
+        </p:txBody>
+      </p:sp>
+    </p:spTree>
+    <p:extLst>
+      <p:ext uri="{BB962C8B-B14F-4D97-AF65-F5344CB8AC3E}">
         <p14:creationId xmlns:p14="http://schemas.microsoft.com/office/powerpoint/2010/main" val="2274932026"/>
       </p:ext>
     </p:extLst>
@@ -6413,7 +8275,7 @@
 </p:sld>
 </file>
 
-<file path=ppt/slides/slide12.xml><?xml version="1.0" encoding="utf-8"?>
+<file path=ppt/slides/slide9.xml><?xml version="1.0" encoding="utf-8"?>
 <p:sld xmlns:a="http://schemas.openxmlformats.org/drawingml/2006/main" xmlns:r="http://schemas.openxmlformats.org/officeDocument/2006/relationships" xmlns:p="http://schemas.openxmlformats.org/presentationml/2006/main">
   <p:cSld>
     <p:spTree>
@@ -6446,7 +8308,7 @@
             <p:ph idx="1"/>
             <p:extLst>
               <p:ext uri="{D42A27DB-BD31-4B8C-83A1-F6EECF244321}">
-                <p14:modId xmlns:p14="http://schemas.microsoft.com/office/powerpoint/2010/main" val="3947303683"/>
+                <p14:modId xmlns:p14="http://schemas.microsoft.com/office/powerpoint/2010/main" val="404433534"/>
               </p:ext>
             </p:extLst>
           </p:nvPr>
@@ -7398,7 +9260,7 @@
                   </a:txBody>
                   <a:tcPr>
                     <a:solidFill>
-                      <a:srgbClr val="FFC000"/>
+                      <a:srgbClr val="00B050"/>
                     </a:solidFill>
                   </a:tcPr>
                 </a:tc>
@@ -7413,7 +9275,7 @@
                   </a:txBody>
                   <a:tcPr>
                     <a:solidFill>
-                      <a:srgbClr val="BFBFBF"/>
+                      <a:schemeClr val="accent2"/>
                     </a:solidFill>
                   </a:tcPr>
                 </a:tc>
@@ -8328,7 +10190,7 @@
                   </a:txBody>
                   <a:tcPr>
                     <a:solidFill>
-                      <a:srgbClr val="FFC000"/>
+                      <a:srgbClr val="00B050"/>
                     </a:solidFill>
                   </a:tcPr>
                 </a:tc>
@@ -8541,7 +10403,7 @@
                   </a:txBody>
                   <a:tcPr>
                     <a:solidFill>
-                      <a:srgbClr val="FFC000"/>
+                      <a:srgbClr val="00B050"/>
                     </a:solidFill>
                   </a:tcPr>
                 </a:tc>
@@ -8770,7 +10632,7 @@
                   </a:txBody>
                   <a:tcPr>
                     <a:solidFill>
-                      <a:srgbClr val="FFC000"/>
+                      <a:srgbClr val="00B050"/>
                     </a:solidFill>
                   </a:tcPr>
                 </a:tc>
@@ -8785,7 +10647,7 @@
                   </a:txBody>
                   <a:tcPr>
                     <a:solidFill>
-                      <a:srgbClr val="BFBFBF"/>
+                      <a:schemeClr val="accent2"/>
                     </a:solidFill>
                   </a:tcPr>
                 </a:tc>
@@ -8991,7 +10853,7 @@
                   </a:txBody>
                   <a:tcPr>
                     <a:solidFill>
-                      <a:srgbClr val="FFC000"/>
+                      <a:srgbClr val="00B050"/>
                     </a:solidFill>
                   </a:tcPr>
                 </a:tc>
@@ -9006,7 +10868,7 @@
                   </a:txBody>
                   <a:tcPr>
                     <a:solidFill>
-                      <a:schemeClr val="bg2"/>
+                      <a:schemeClr val="accent2"/>
                     </a:solidFill>
                   </a:tcPr>
                 </a:tc>
@@ -9204,7 +11066,7 @@
                   </a:txBody>
                   <a:tcPr>
                     <a:solidFill>
-                      <a:srgbClr val="FFC000"/>
+                      <a:srgbClr val="00B050"/>
                     </a:solidFill>
                   </a:tcPr>
                 </a:tc>
@@ -9219,7 +11081,7 @@
                   </a:txBody>
                   <a:tcPr>
                     <a:solidFill>
-                      <a:schemeClr val="bg2"/>
+                      <a:schemeClr val="accent2"/>
                     </a:solidFill>
                   </a:tcPr>
                 </a:tc>
@@ -9448,7 +11310,7 @@
                   </a:txBody>
                   <a:tcPr>
                     <a:solidFill>
-                      <a:schemeClr val="bg2"/>
+                      <a:schemeClr val="accent2"/>
                     </a:solidFill>
                   </a:tcPr>
                 </a:tc>
@@ -9824,7 +11686,7 @@
             <a:fld id="{4FAB73BC-B049-4115-A692-8D63A059BFB8}" type="slidenum">
               <a:rPr lang="en-US" smtClean="0"/>
               <a:pPr/>
-              <a:t>12</a:t>
+              <a:t>9</a:t>
             </a:fld>
             <a:endParaRPr lang="en-US" dirty="0"/>
           </a:p>
@@ -10056,3867 +11918,6 @@
     <p:extLst>
       <p:ext uri="{BB962C8B-B14F-4D97-AF65-F5344CB8AC3E}">
         <p14:creationId xmlns:p14="http://schemas.microsoft.com/office/powerpoint/2010/main" val="1300447762"/>
-      </p:ext>
-    </p:extLst>
-  </p:cSld>
-  <p:clrMapOvr>
-    <a:masterClrMapping/>
-  </p:clrMapOvr>
-</p:sld>
-</file>
-
-<file path=ppt/slides/slide13.xml><?xml version="1.0" encoding="utf-8"?>
-<p:sld xmlns:a="http://schemas.openxmlformats.org/drawingml/2006/main" xmlns:r="http://schemas.openxmlformats.org/officeDocument/2006/relationships" xmlns:p="http://schemas.openxmlformats.org/presentationml/2006/main">
-  <p:cSld>
-    <p:spTree>
-      <p:nvGrpSpPr>
-        <p:cNvPr id="1" name=""/>
-        <p:cNvGrpSpPr/>
-        <p:nvPr/>
-      </p:nvGrpSpPr>
-      <p:grpSpPr>
-        <a:xfrm>
-          <a:off x="0" y="0"/>
-          <a:ext cx="0" cy="0"/>
-          <a:chOff x="0" y="0"/>
-          <a:chExt cx="0" cy="0"/>
-        </a:xfrm>
-      </p:grpSpPr>
-      <p:sp>
-        <p:nvSpPr>
-          <p:cNvPr id="6" name="직사각형 5">
-            <a:extLst>
-              <a:ext uri="{FF2B5EF4-FFF2-40B4-BE49-F238E27FC236}">
-                <a16:creationId xmlns:a16="http://schemas.microsoft.com/office/drawing/2014/main" id="{8B0D45EE-949B-4B76-9307-3C73990C46D5}"/>
-              </a:ext>
-            </a:extLst>
-          </p:cNvPr>
-          <p:cNvSpPr/>
-          <p:nvPr/>
-        </p:nvSpPr>
-        <p:spPr>
-          <a:xfrm>
-            <a:off x="952500" y="4922550"/>
-            <a:ext cx="10286998" cy="1933575"/>
-          </a:xfrm>
-          <a:prstGeom prst="rect">
-            <a:avLst/>
-          </a:prstGeom>
-          <a:solidFill>
-            <a:schemeClr val="bg2"/>
-          </a:solidFill>
-          <a:ln>
-            <a:noFill/>
-          </a:ln>
-        </p:spPr>
-        <p:style>
-          <a:lnRef idx="2">
-            <a:schemeClr val="accent1">
-              <a:shade val="50000"/>
-            </a:schemeClr>
-          </a:lnRef>
-          <a:fillRef idx="1">
-            <a:schemeClr val="accent1"/>
-          </a:fillRef>
-          <a:effectRef idx="0">
-            <a:schemeClr val="accent1"/>
-          </a:effectRef>
-          <a:fontRef idx="minor">
-            <a:schemeClr val="lt1"/>
-          </a:fontRef>
-        </p:style>
-        <p:txBody>
-          <a:bodyPr rtlCol="0" anchor="ctr"/>
-          <a:lstStyle/>
-          <a:p>
-            <a:pPr algn="ctr"/>
-            <a:endParaRPr lang="ko-KR" altLang="en-US"/>
-          </a:p>
-        </p:txBody>
-      </p:sp>
-      <p:sp>
-        <p:nvSpPr>
-          <p:cNvPr id="5" name="직사각형 4">
-            <a:extLst>
-              <a:ext uri="{FF2B5EF4-FFF2-40B4-BE49-F238E27FC236}">
-                <a16:creationId xmlns:a16="http://schemas.microsoft.com/office/drawing/2014/main" id="{DED5C229-4EB8-4FFD-AE96-9C6989EBACD0}"/>
-              </a:ext>
-            </a:extLst>
-          </p:cNvPr>
-          <p:cNvSpPr/>
-          <p:nvPr/>
-        </p:nvSpPr>
-        <p:spPr>
-          <a:xfrm>
-            <a:off x="952500" y="0"/>
-            <a:ext cx="10286999" cy="4627275"/>
-          </a:xfrm>
-          <a:prstGeom prst="rect">
-            <a:avLst/>
-          </a:prstGeom>
-        </p:spPr>
-        <p:style>
-          <a:lnRef idx="2">
-            <a:schemeClr val="accent1">
-              <a:shade val="50000"/>
-            </a:schemeClr>
-          </a:lnRef>
-          <a:fillRef idx="1">
-            <a:schemeClr val="accent1"/>
-          </a:fillRef>
-          <a:effectRef idx="0">
-            <a:schemeClr val="accent1"/>
-          </a:effectRef>
-          <a:fontRef idx="minor">
-            <a:schemeClr val="lt1"/>
-          </a:fontRef>
-        </p:style>
-        <p:txBody>
-          <a:bodyPr rtlCol="0" anchor="ctr"/>
-          <a:lstStyle/>
-          <a:p>
-            <a:pPr algn="ctr"/>
-            <a:endParaRPr lang="ko-KR" altLang="en-US" dirty="0"/>
-          </a:p>
-        </p:txBody>
-      </p:sp>
-      <p:sp>
-        <p:nvSpPr>
-          <p:cNvPr id="4" name="TextBox 3">
-            <a:extLst>
-              <a:ext uri="{FF2B5EF4-FFF2-40B4-BE49-F238E27FC236}">
-                <a16:creationId xmlns:a16="http://schemas.microsoft.com/office/drawing/2014/main" id="{990ECEFB-23E8-428E-ADA3-6EB04D1899CD}"/>
-              </a:ext>
-            </a:extLst>
-          </p:cNvPr>
-          <p:cNvSpPr txBox="1"/>
-          <p:nvPr/>
-        </p:nvSpPr>
-        <p:spPr>
-          <a:xfrm>
-            <a:off x="952501" y="2497425"/>
-            <a:ext cx="10286998" cy="2123658"/>
-          </a:xfrm>
-          <a:prstGeom prst="rect">
-            <a:avLst/>
-          </a:prstGeom>
-          <a:noFill/>
-          <a:ln>
-            <a:noFill/>
-          </a:ln>
-        </p:spPr>
-        <p:txBody>
-          <a:bodyPr wrap="square" rtlCol="0">
-            <a:spAutoFit/>
-          </a:bodyPr>
-          <a:lstStyle/>
-          <a:p>
-            <a:pPr algn="ctr"/>
-            <a:r>
-              <a:rPr lang="ko-KR" altLang="en-US" sz="6600" dirty="0">
-                <a:solidFill>
-                  <a:schemeClr val="bg1"/>
-                </a:solidFill>
-              </a:rPr>
-              <a:t>감사합니다</a:t>
-            </a:r>
-            <a:endParaRPr lang="en-US" altLang="ko-KR" sz="6600" dirty="0">
-              <a:solidFill>
-                <a:schemeClr val="bg1"/>
-              </a:solidFill>
-            </a:endParaRPr>
-          </a:p>
-          <a:p>
-            <a:pPr algn="ctr"/>
-            <a:r>
-              <a:rPr lang="en-US" altLang="ko-KR" sz="6600" dirty="0">
-                <a:solidFill>
-                  <a:schemeClr val="bg1"/>
-                </a:solidFill>
-              </a:rPr>
-              <a:t>Q&amp;A</a:t>
-            </a:r>
-            <a:endParaRPr lang="ko-KR" altLang="en-US" sz="6600" dirty="0">
-              <a:solidFill>
-                <a:schemeClr val="bg1"/>
-              </a:solidFill>
-            </a:endParaRPr>
-          </a:p>
-        </p:txBody>
-      </p:sp>
-      <p:sp>
-        <p:nvSpPr>
-          <p:cNvPr id="3" name="슬라이드 번호 개체 틀 2">
-            <a:extLst>
-              <a:ext uri="{FF2B5EF4-FFF2-40B4-BE49-F238E27FC236}">
-                <a16:creationId xmlns:a16="http://schemas.microsoft.com/office/drawing/2014/main" id="{A9CBDFF5-A996-4512-8C0D-2B8E214CE590}"/>
-              </a:ext>
-            </a:extLst>
-          </p:cNvPr>
-          <p:cNvSpPr>
-            <a:spLocks noGrp="1"/>
-          </p:cNvSpPr>
-          <p:nvPr>
-            <p:ph type="sldNum" sz="quarter" idx="12"/>
-          </p:nvPr>
-        </p:nvSpPr>
-        <p:spPr/>
-        <p:txBody>
-          <a:bodyPr/>
-          <a:lstStyle/>
-          <a:p>
-            <a:fld id="{4FAB73BC-B049-4115-A692-8D63A059BFB8}" type="slidenum">
-              <a:rPr lang="en-US" smtClean="0"/>
-              <a:pPr/>
-              <a:t>13</a:t>
-            </a:fld>
-            <a:endParaRPr lang="en-US" dirty="0"/>
-          </a:p>
-        </p:txBody>
-      </p:sp>
-      <p:sp>
-        <p:nvSpPr>
-          <p:cNvPr id="2" name="날짜 개체 틀 1">
-            <a:extLst>
-              <a:ext uri="{FF2B5EF4-FFF2-40B4-BE49-F238E27FC236}">
-                <a16:creationId xmlns:a16="http://schemas.microsoft.com/office/drawing/2014/main" id="{E4BC751D-C6F3-464A-8307-24A03B2BAF55}"/>
-              </a:ext>
-            </a:extLst>
-          </p:cNvPr>
-          <p:cNvSpPr>
-            <a:spLocks noGrp="1"/>
-          </p:cNvSpPr>
-          <p:nvPr>
-            <p:ph type="dt" sz="half" idx="10"/>
-          </p:nvPr>
-        </p:nvSpPr>
-        <p:spPr>
-          <a:xfrm>
-            <a:off x="0" y="6491000"/>
-            <a:ext cx="2743200" cy="365125"/>
-          </a:xfrm>
-        </p:spPr>
-        <p:txBody>
-          <a:bodyPr/>
-          <a:lstStyle/>
-          <a:p>
-            <a:fld id="{8F64EEAD-4984-41D6-8E70-B8D3C85660B7}" type="datetime1">
-              <a:rPr lang="ko-KR" altLang="en-US" smtClean="0"/>
-              <a:t>2020-07-23</a:t>
-            </a:fld>
-            <a:endParaRPr lang="en-US" dirty="0"/>
-          </a:p>
-        </p:txBody>
-      </p:sp>
-    </p:spTree>
-    <p:extLst>
-      <p:ext uri="{BB962C8B-B14F-4D97-AF65-F5344CB8AC3E}">
-        <p14:creationId xmlns:p14="http://schemas.microsoft.com/office/powerpoint/2010/main" val="3969494176"/>
-      </p:ext>
-    </p:extLst>
-  </p:cSld>
-  <p:clrMapOvr>
-    <a:masterClrMapping/>
-  </p:clrMapOvr>
-</p:sld>
-</file>
-
-<file path=ppt/slides/slide2.xml><?xml version="1.0" encoding="utf-8"?>
-<p:sld xmlns:a="http://schemas.openxmlformats.org/drawingml/2006/main" xmlns:r="http://schemas.openxmlformats.org/officeDocument/2006/relationships" xmlns:p="http://schemas.openxmlformats.org/presentationml/2006/main">
-  <p:cSld>
-    <p:spTree>
-      <p:nvGrpSpPr>
-        <p:cNvPr id="1" name=""/>
-        <p:cNvGrpSpPr/>
-        <p:nvPr/>
-      </p:nvGrpSpPr>
-      <p:grpSpPr>
-        <a:xfrm>
-          <a:off x="0" y="0"/>
-          <a:ext cx="0" cy="0"/>
-          <a:chOff x="0" y="0"/>
-          <a:chExt cx="0" cy="0"/>
-        </a:xfrm>
-      </p:grpSpPr>
-      <p:sp>
-        <p:nvSpPr>
-          <p:cNvPr id="2" name="제목 1">
-            <a:extLst>
-              <a:ext uri="{FF2B5EF4-FFF2-40B4-BE49-F238E27FC236}">
-                <a16:creationId xmlns:a16="http://schemas.microsoft.com/office/drawing/2014/main" id="{B2342770-6696-445D-95B9-3E3611A88E21}"/>
-              </a:ext>
-            </a:extLst>
-          </p:cNvPr>
-          <p:cNvSpPr>
-            <a:spLocks noGrp="1"/>
-          </p:cNvSpPr>
-          <p:nvPr>
-            <p:ph type="title"/>
-          </p:nvPr>
-        </p:nvSpPr>
-        <p:spPr/>
-        <p:txBody>
-          <a:bodyPr>
-            <a:normAutofit/>
-          </a:bodyPr>
-          <a:lstStyle/>
-          <a:p>
-            <a:r>
-              <a:rPr lang="ko-KR" altLang="en-US" sz="3600" b="1" dirty="0"/>
-              <a:t>개요</a:t>
-            </a:r>
-          </a:p>
-        </p:txBody>
-      </p:sp>
-      <p:sp>
-        <p:nvSpPr>
-          <p:cNvPr id="3" name="내용 개체 틀 2">
-            <a:extLst>
-              <a:ext uri="{FF2B5EF4-FFF2-40B4-BE49-F238E27FC236}">
-                <a16:creationId xmlns:a16="http://schemas.microsoft.com/office/drawing/2014/main" id="{8C61EE08-7967-4AE1-996F-2D1B25AD41C3}"/>
-              </a:ext>
-            </a:extLst>
-          </p:cNvPr>
-          <p:cNvSpPr>
-            <a:spLocks noGrp="1"/>
-          </p:cNvSpPr>
-          <p:nvPr>
-            <p:ph idx="1"/>
-          </p:nvPr>
-        </p:nvSpPr>
-        <p:spPr/>
-        <p:txBody>
-          <a:bodyPr>
-            <a:normAutofit/>
-          </a:bodyPr>
-          <a:lstStyle/>
-          <a:p>
-            <a:pPr>
-              <a:spcBef>
-                <a:spcPts val="2400"/>
-              </a:spcBef>
-            </a:pPr>
-            <a:r>
-              <a:rPr lang="ko-KR" altLang="en-US" sz="3600" b="1" dirty="0">
-                <a:solidFill>
-                  <a:schemeClr val="bg2">
-                    <a:lumMod val="50000"/>
-                  </a:schemeClr>
-                </a:solidFill>
-              </a:rPr>
-              <a:t>시뮬레이션을 통해 얻어낸 자동차 센서데이터를 사용</a:t>
-            </a:r>
-            <a:r>
-              <a:rPr lang="en-US" altLang="ko-KR" sz="3600" b="1" dirty="0">
-                <a:solidFill>
-                  <a:schemeClr val="bg2">
-                    <a:lumMod val="50000"/>
-                  </a:schemeClr>
-                </a:solidFill>
-              </a:rPr>
-              <a:t>, </a:t>
-            </a:r>
-            <a:r>
-              <a:rPr lang="ko-KR" altLang="en-US" sz="3600" b="1" dirty="0">
-                <a:solidFill>
-                  <a:schemeClr val="bg2">
-                    <a:lumMod val="50000"/>
-                  </a:schemeClr>
-                </a:solidFill>
-              </a:rPr>
-              <a:t>차량의 현재 상태 정보 측정 모델 제작</a:t>
-            </a:r>
-            <a:endParaRPr lang="en-US" altLang="ko-KR" sz="3600" b="1" dirty="0">
-              <a:solidFill>
-                <a:schemeClr val="bg2">
-                  <a:lumMod val="50000"/>
-                </a:schemeClr>
-              </a:solidFill>
-            </a:endParaRPr>
-          </a:p>
-          <a:p>
-            <a:pPr>
-              <a:spcBef>
-                <a:spcPts val="2400"/>
-              </a:spcBef>
-            </a:pPr>
-            <a:r>
-              <a:rPr lang="en-US" altLang="ko-KR" sz="3600" b="1" dirty="0">
-                <a:solidFill>
-                  <a:schemeClr val="bg2">
-                    <a:lumMod val="50000"/>
-                  </a:schemeClr>
-                </a:solidFill>
-              </a:rPr>
-              <a:t> Sim2Real </a:t>
-            </a:r>
-            <a:r>
-              <a:rPr lang="ko-KR" altLang="en-US" sz="3600" b="1" dirty="0">
-                <a:solidFill>
-                  <a:schemeClr val="bg2">
-                    <a:lumMod val="50000"/>
-                  </a:schemeClr>
-                </a:solidFill>
-              </a:rPr>
-              <a:t>기술을 구현하여 실제 차량의 센서데이터에도 적용 가능하도록 모델 개량</a:t>
-            </a:r>
-            <a:endParaRPr lang="en-US" altLang="ko-KR" sz="3600" b="1" dirty="0">
-              <a:solidFill>
-                <a:schemeClr val="bg2">
-                  <a:lumMod val="50000"/>
-                </a:schemeClr>
-              </a:solidFill>
-            </a:endParaRPr>
-          </a:p>
-        </p:txBody>
-      </p:sp>
-      <p:sp>
-        <p:nvSpPr>
-          <p:cNvPr id="5" name="슬라이드 번호 개체 틀 4">
-            <a:extLst>
-              <a:ext uri="{FF2B5EF4-FFF2-40B4-BE49-F238E27FC236}">
-                <a16:creationId xmlns:a16="http://schemas.microsoft.com/office/drawing/2014/main" id="{32A9E064-622C-46A4-A115-05DE7B3E02C2}"/>
-              </a:ext>
-            </a:extLst>
-          </p:cNvPr>
-          <p:cNvSpPr>
-            <a:spLocks noGrp="1"/>
-          </p:cNvSpPr>
-          <p:nvPr>
-            <p:ph type="sldNum" sz="quarter" idx="12"/>
-          </p:nvPr>
-        </p:nvSpPr>
-        <p:spPr/>
-        <p:txBody>
-          <a:bodyPr/>
-          <a:lstStyle/>
-          <a:p>
-            <a:fld id="{4FAB73BC-B049-4115-A692-8D63A059BFB8}" type="slidenum">
-              <a:rPr lang="en-US" smtClean="0"/>
-              <a:pPr/>
-              <a:t>2</a:t>
-            </a:fld>
-            <a:endParaRPr lang="en-US" dirty="0"/>
-          </a:p>
-        </p:txBody>
-      </p:sp>
-      <p:sp>
-        <p:nvSpPr>
-          <p:cNvPr id="6" name="날짜 개체 틀 5">
-            <a:extLst>
-              <a:ext uri="{FF2B5EF4-FFF2-40B4-BE49-F238E27FC236}">
-                <a16:creationId xmlns:a16="http://schemas.microsoft.com/office/drawing/2014/main" id="{5E3B9811-87B9-4F69-84E5-E6E13FD464DA}"/>
-              </a:ext>
-            </a:extLst>
-          </p:cNvPr>
-          <p:cNvSpPr>
-            <a:spLocks noGrp="1"/>
-          </p:cNvSpPr>
-          <p:nvPr>
-            <p:ph type="dt" sz="half" idx="10"/>
-          </p:nvPr>
-        </p:nvSpPr>
-        <p:spPr>
-          <a:xfrm>
-            <a:off x="0" y="6492875"/>
-            <a:ext cx="2743200" cy="365125"/>
-          </a:xfrm>
-        </p:spPr>
-        <p:txBody>
-          <a:bodyPr/>
-          <a:lstStyle/>
-          <a:p>
-            <a:fld id="{CF754B2A-8525-4AF4-B3B6-5B4AA9E148D5}" type="datetime1">
-              <a:rPr lang="ko-KR" altLang="en-US" smtClean="0"/>
-              <a:t>2020-07-23</a:t>
-            </a:fld>
-            <a:endParaRPr lang="en-US" dirty="0"/>
-          </a:p>
-        </p:txBody>
-      </p:sp>
-      <p:sp>
-        <p:nvSpPr>
-          <p:cNvPr id="7" name="바닥글 개체 틀 3">
-            <a:extLst>
-              <a:ext uri="{FF2B5EF4-FFF2-40B4-BE49-F238E27FC236}">
-                <a16:creationId xmlns:a16="http://schemas.microsoft.com/office/drawing/2014/main" id="{C8F9AE77-9FE6-4F8C-8AAE-A293615863BD}"/>
-              </a:ext>
-            </a:extLst>
-          </p:cNvPr>
-          <p:cNvSpPr txBox="1">
-            <a:spLocks/>
-          </p:cNvSpPr>
-          <p:nvPr/>
-        </p:nvSpPr>
-        <p:spPr>
-          <a:xfrm>
-            <a:off x="3140241" y="150043"/>
-            <a:ext cx="5911517" cy="365125"/>
-          </a:xfrm>
-          <a:prstGeom prst="rect">
-            <a:avLst/>
-          </a:prstGeom>
-        </p:spPr>
-        <p:txBody>
-          <a:bodyPr vert="horz" lIns="91440" tIns="45720" rIns="91440" bIns="45720" rtlCol="0" anchor="ctr"/>
-          <a:lstStyle>
-            <a:defPPr>
-              <a:defRPr lang="en-US"/>
-            </a:defPPr>
-            <a:lvl1pPr marL="0" algn="l" defTabSz="457200" rtl="0" eaLnBrk="1" latinLnBrk="0" hangingPunct="1">
-              <a:defRPr sz="1100" kern="1200">
-                <a:solidFill>
-                  <a:schemeClr val="tx1">
-                    <a:lumMod val="50000"/>
-                    <a:lumOff val="50000"/>
-                  </a:schemeClr>
-                </a:solidFill>
-                <a:latin typeface="+mn-lt"/>
-                <a:ea typeface="+mn-ea"/>
-                <a:cs typeface="+mn-cs"/>
-              </a:defRPr>
-            </a:lvl1pPr>
-            <a:lvl2pPr marL="457200" algn="l" defTabSz="457200" rtl="0" eaLnBrk="1" latinLnBrk="0" hangingPunct="1">
-              <a:defRPr sz="1800" kern="1200">
-                <a:solidFill>
-                  <a:schemeClr val="tx1"/>
-                </a:solidFill>
-                <a:latin typeface="+mn-lt"/>
-                <a:ea typeface="+mn-ea"/>
-                <a:cs typeface="+mn-cs"/>
-              </a:defRPr>
-            </a:lvl2pPr>
-            <a:lvl3pPr marL="914400" algn="l" defTabSz="457200" rtl="0" eaLnBrk="1" latinLnBrk="0" hangingPunct="1">
-              <a:defRPr sz="1800" kern="1200">
-                <a:solidFill>
-                  <a:schemeClr val="tx1"/>
-                </a:solidFill>
-                <a:latin typeface="+mn-lt"/>
-                <a:ea typeface="+mn-ea"/>
-                <a:cs typeface="+mn-cs"/>
-              </a:defRPr>
-            </a:lvl3pPr>
-            <a:lvl4pPr marL="1371600" algn="l" defTabSz="457200" rtl="0" eaLnBrk="1" latinLnBrk="0" hangingPunct="1">
-              <a:defRPr sz="1800" kern="1200">
-                <a:solidFill>
-                  <a:schemeClr val="tx1"/>
-                </a:solidFill>
-                <a:latin typeface="+mn-lt"/>
-                <a:ea typeface="+mn-ea"/>
-                <a:cs typeface="+mn-cs"/>
-              </a:defRPr>
-            </a:lvl4pPr>
-            <a:lvl5pPr marL="1828800" algn="l" defTabSz="457200" rtl="0" eaLnBrk="1" latinLnBrk="0" hangingPunct="1">
-              <a:defRPr sz="1800" kern="1200">
-                <a:solidFill>
-                  <a:schemeClr val="tx1"/>
-                </a:solidFill>
-                <a:latin typeface="+mn-lt"/>
-                <a:ea typeface="+mn-ea"/>
-                <a:cs typeface="+mn-cs"/>
-              </a:defRPr>
-            </a:lvl5pPr>
-            <a:lvl6pPr marL="2286000" algn="l" defTabSz="457200" rtl="0" eaLnBrk="1" latinLnBrk="0" hangingPunct="1">
-              <a:defRPr sz="1800" kern="1200">
-                <a:solidFill>
-                  <a:schemeClr val="tx1"/>
-                </a:solidFill>
-                <a:latin typeface="+mn-lt"/>
-                <a:ea typeface="+mn-ea"/>
-                <a:cs typeface="+mn-cs"/>
-              </a:defRPr>
-            </a:lvl6pPr>
-            <a:lvl7pPr marL="2743200" algn="l" defTabSz="457200" rtl="0" eaLnBrk="1" latinLnBrk="0" hangingPunct="1">
-              <a:defRPr sz="1800" kern="1200">
-                <a:solidFill>
-                  <a:schemeClr val="tx1"/>
-                </a:solidFill>
-                <a:latin typeface="+mn-lt"/>
-                <a:ea typeface="+mn-ea"/>
-                <a:cs typeface="+mn-cs"/>
-              </a:defRPr>
-            </a:lvl7pPr>
-            <a:lvl8pPr marL="3200400" algn="l" defTabSz="457200" rtl="0" eaLnBrk="1" latinLnBrk="0" hangingPunct="1">
-              <a:defRPr sz="1800" kern="1200">
-                <a:solidFill>
-                  <a:schemeClr val="tx1"/>
-                </a:solidFill>
-                <a:latin typeface="+mn-lt"/>
-                <a:ea typeface="+mn-ea"/>
-                <a:cs typeface="+mn-cs"/>
-              </a:defRPr>
-            </a:lvl8pPr>
-            <a:lvl9pPr marL="3657600" algn="l" defTabSz="457200" rtl="0" eaLnBrk="1" latinLnBrk="0" hangingPunct="1">
-              <a:defRPr sz="1800" kern="1200">
-                <a:solidFill>
-                  <a:schemeClr val="tx1"/>
-                </a:solidFill>
-                <a:latin typeface="+mn-lt"/>
-                <a:ea typeface="+mn-ea"/>
-                <a:cs typeface="+mn-cs"/>
-              </a:defRPr>
-            </a:lvl9pPr>
-          </a:lstStyle>
-          <a:p>
-            <a:pPr algn="ctr"/>
-            <a:r>
-              <a:rPr lang="en-US" altLang="ko-KR" dirty="0"/>
-              <a:t>2020 </a:t>
-            </a:r>
-            <a:r>
-              <a:rPr lang="ko-KR" altLang="en-US" dirty="0"/>
-              <a:t>전기 졸업과제 팀 </a:t>
-            </a:r>
-            <a:r>
-              <a:rPr lang="en-US" altLang="ko-KR" dirty="0"/>
-              <a:t>38(ESLAB 2</a:t>
-            </a:r>
-            <a:r>
-              <a:rPr lang="ko-KR" altLang="en-US" dirty="0"/>
-              <a:t>조</a:t>
-            </a:r>
-            <a:r>
-              <a:rPr lang="en-US" altLang="ko-KR" dirty="0"/>
-              <a:t>)</a:t>
-            </a:r>
-          </a:p>
-          <a:p>
-            <a:pPr algn="ctr"/>
-            <a:r>
-              <a:rPr lang="en-US" altLang="ko-KR" dirty="0"/>
-              <a:t>[</a:t>
-            </a:r>
-            <a:r>
-              <a:rPr lang="ko-KR" altLang="en-US" dirty="0"/>
-              <a:t>여기에 팀 이름 입력</a:t>
-            </a:r>
-            <a:r>
-              <a:rPr lang="en-US" altLang="ko-KR" dirty="0"/>
-              <a:t>]</a:t>
-            </a:r>
-            <a:endParaRPr lang="en-US" dirty="0"/>
-          </a:p>
-        </p:txBody>
-      </p:sp>
-    </p:spTree>
-    <p:extLst>
-      <p:ext uri="{BB962C8B-B14F-4D97-AF65-F5344CB8AC3E}">
-        <p14:creationId xmlns:p14="http://schemas.microsoft.com/office/powerpoint/2010/main" val="3163959706"/>
-      </p:ext>
-    </p:extLst>
-  </p:cSld>
-  <p:clrMapOvr>
-    <a:masterClrMapping/>
-  </p:clrMapOvr>
-</p:sld>
-</file>
-
-<file path=ppt/slides/slide3.xml><?xml version="1.0" encoding="utf-8"?>
-<p:sld xmlns:a="http://schemas.openxmlformats.org/drawingml/2006/main" xmlns:r="http://schemas.openxmlformats.org/officeDocument/2006/relationships" xmlns:p="http://schemas.openxmlformats.org/presentationml/2006/main">
-  <p:cSld>
-    <p:spTree>
-      <p:nvGrpSpPr>
-        <p:cNvPr id="1" name=""/>
-        <p:cNvGrpSpPr/>
-        <p:nvPr/>
-      </p:nvGrpSpPr>
-      <p:grpSpPr>
-        <a:xfrm>
-          <a:off x="0" y="0"/>
-          <a:ext cx="0" cy="0"/>
-          <a:chOff x="0" y="0"/>
-          <a:chExt cx="0" cy="0"/>
-        </a:xfrm>
-      </p:grpSpPr>
-      <p:sp>
-        <p:nvSpPr>
-          <p:cNvPr id="2" name="제목 1">
-            <a:extLst>
-              <a:ext uri="{FF2B5EF4-FFF2-40B4-BE49-F238E27FC236}">
-                <a16:creationId xmlns:a16="http://schemas.microsoft.com/office/drawing/2014/main" id="{B2342770-6696-445D-95B9-3E3611A88E21}"/>
-              </a:ext>
-            </a:extLst>
-          </p:cNvPr>
-          <p:cNvSpPr>
-            <a:spLocks noGrp="1"/>
-          </p:cNvSpPr>
-          <p:nvPr>
-            <p:ph type="title"/>
-          </p:nvPr>
-        </p:nvSpPr>
-        <p:spPr/>
-        <p:txBody>
-          <a:bodyPr>
-            <a:normAutofit/>
-          </a:bodyPr>
-          <a:lstStyle/>
-          <a:p>
-            <a:r>
-              <a:rPr lang="ko-KR" altLang="en-US" sz="3600" b="1" dirty="0"/>
-              <a:t>목차</a:t>
-            </a:r>
-          </a:p>
-        </p:txBody>
-      </p:sp>
-      <p:sp>
-        <p:nvSpPr>
-          <p:cNvPr id="3" name="내용 개체 틀 2">
-            <a:extLst>
-              <a:ext uri="{FF2B5EF4-FFF2-40B4-BE49-F238E27FC236}">
-                <a16:creationId xmlns:a16="http://schemas.microsoft.com/office/drawing/2014/main" id="{8C61EE08-7967-4AE1-996F-2D1B25AD41C3}"/>
-              </a:ext>
-            </a:extLst>
-          </p:cNvPr>
-          <p:cNvSpPr>
-            <a:spLocks noGrp="1"/>
-          </p:cNvSpPr>
-          <p:nvPr>
-            <p:ph idx="1"/>
-          </p:nvPr>
-        </p:nvSpPr>
-        <p:spPr/>
-        <p:txBody>
-          <a:bodyPr>
-            <a:normAutofit/>
-          </a:bodyPr>
-          <a:lstStyle/>
-          <a:p>
-            <a:pPr>
-              <a:spcBef>
-                <a:spcPts val="2400"/>
-              </a:spcBef>
-            </a:pPr>
-            <a:r>
-              <a:rPr lang="ko-KR" altLang="en-US" sz="3600" b="1" dirty="0"/>
-              <a:t>현재 진행 상황</a:t>
-            </a:r>
-            <a:endParaRPr lang="en-US" altLang="ko-KR" sz="3600" b="1" dirty="0"/>
-          </a:p>
-          <a:p>
-            <a:pPr>
-              <a:spcBef>
-                <a:spcPts val="2400"/>
-              </a:spcBef>
-            </a:pPr>
-            <a:r>
-              <a:rPr lang="ko-KR" altLang="en-US" sz="3600" b="1" dirty="0"/>
-              <a:t>실제 진행 과정 </a:t>
-            </a:r>
-            <a:endParaRPr lang="en-US" altLang="ko-KR" sz="3600" b="1" dirty="0"/>
-          </a:p>
-          <a:p>
-            <a:pPr>
-              <a:spcBef>
-                <a:spcPts val="2400"/>
-              </a:spcBef>
-            </a:pPr>
-            <a:r>
-              <a:rPr lang="ko-KR" altLang="en-US" sz="3600" b="1" dirty="0"/>
-              <a:t>이후 진행 예정 사항</a:t>
-            </a:r>
-            <a:endParaRPr lang="en-US" altLang="ko-KR" sz="3600" b="1" dirty="0"/>
-          </a:p>
-          <a:p>
-            <a:pPr>
-              <a:spcBef>
-                <a:spcPts val="2400"/>
-              </a:spcBef>
-            </a:pPr>
-            <a:r>
-              <a:rPr lang="ko-KR" altLang="en-US" sz="3600" b="1" dirty="0"/>
-              <a:t>진행 일정 계획</a:t>
-            </a:r>
-          </a:p>
-        </p:txBody>
-      </p:sp>
-      <p:sp>
-        <p:nvSpPr>
-          <p:cNvPr id="5" name="슬라이드 번호 개체 틀 4">
-            <a:extLst>
-              <a:ext uri="{FF2B5EF4-FFF2-40B4-BE49-F238E27FC236}">
-                <a16:creationId xmlns:a16="http://schemas.microsoft.com/office/drawing/2014/main" id="{32A9E064-622C-46A4-A115-05DE7B3E02C2}"/>
-              </a:ext>
-            </a:extLst>
-          </p:cNvPr>
-          <p:cNvSpPr>
-            <a:spLocks noGrp="1"/>
-          </p:cNvSpPr>
-          <p:nvPr>
-            <p:ph type="sldNum" sz="quarter" idx="12"/>
-          </p:nvPr>
-        </p:nvSpPr>
-        <p:spPr/>
-        <p:txBody>
-          <a:bodyPr/>
-          <a:lstStyle/>
-          <a:p>
-            <a:fld id="{4FAB73BC-B049-4115-A692-8D63A059BFB8}" type="slidenum">
-              <a:rPr lang="en-US" smtClean="0"/>
-              <a:pPr/>
-              <a:t>3</a:t>
-            </a:fld>
-            <a:endParaRPr lang="en-US" dirty="0"/>
-          </a:p>
-        </p:txBody>
-      </p:sp>
-      <p:sp>
-        <p:nvSpPr>
-          <p:cNvPr id="6" name="날짜 개체 틀 5">
-            <a:extLst>
-              <a:ext uri="{FF2B5EF4-FFF2-40B4-BE49-F238E27FC236}">
-                <a16:creationId xmlns:a16="http://schemas.microsoft.com/office/drawing/2014/main" id="{5E3B9811-87B9-4F69-84E5-E6E13FD464DA}"/>
-              </a:ext>
-            </a:extLst>
-          </p:cNvPr>
-          <p:cNvSpPr>
-            <a:spLocks noGrp="1"/>
-          </p:cNvSpPr>
-          <p:nvPr>
-            <p:ph type="dt" sz="half" idx="10"/>
-          </p:nvPr>
-        </p:nvSpPr>
-        <p:spPr>
-          <a:xfrm>
-            <a:off x="0" y="6492875"/>
-            <a:ext cx="2743200" cy="365125"/>
-          </a:xfrm>
-        </p:spPr>
-        <p:txBody>
-          <a:bodyPr/>
-          <a:lstStyle/>
-          <a:p>
-            <a:fld id="{CF754B2A-8525-4AF4-B3B6-5B4AA9E148D5}" type="datetime1">
-              <a:rPr lang="ko-KR" altLang="en-US" smtClean="0"/>
-              <a:t>2020-07-23</a:t>
-            </a:fld>
-            <a:endParaRPr lang="en-US" dirty="0"/>
-          </a:p>
-        </p:txBody>
-      </p:sp>
-      <p:sp>
-        <p:nvSpPr>
-          <p:cNvPr id="7" name="바닥글 개체 틀 3">
-            <a:extLst>
-              <a:ext uri="{FF2B5EF4-FFF2-40B4-BE49-F238E27FC236}">
-                <a16:creationId xmlns:a16="http://schemas.microsoft.com/office/drawing/2014/main" id="{C8F9AE77-9FE6-4F8C-8AAE-A293615863BD}"/>
-              </a:ext>
-            </a:extLst>
-          </p:cNvPr>
-          <p:cNvSpPr txBox="1">
-            <a:spLocks/>
-          </p:cNvSpPr>
-          <p:nvPr/>
-        </p:nvSpPr>
-        <p:spPr>
-          <a:xfrm>
-            <a:off x="3140241" y="150043"/>
-            <a:ext cx="5911517" cy="365125"/>
-          </a:xfrm>
-          <a:prstGeom prst="rect">
-            <a:avLst/>
-          </a:prstGeom>
-        </p:spPr>
-        <p:txBody>
-          <a:bodyPr vert="horz" lIns="91440" tIns="45720" rIns="91440" bIns="45720" rtlCol="0" anchor="ctr"/>
-          <a:lstStyle>
-            <a:defPPr>
-              <a:defRPr lang="en-US"/>
-            </a:defPPr>
-            <a:lvl1pPr marL="0" algn="l" defTabSz="457200" rtl="0" eaLnBrk="1" latinLnBrk="0" hangingPunct="1">
-              <a:defRPr sz="1100" kern="1200">
-                <a:solidFill>
-                  <a:schemeClr val="tx1">
-                    <a:lumMod val="50000"/>
-                    <a:lumOff val="50000"/>
-                  </a:schemeClr>
-                </a:solidFill>
-                <a:latin typeface="+mn-lt"/>
-                <a:ea typeface="+mn-ea"/>
-                <a:cs typeface="+mn-cs"/>
-              </a:defRPr>
-            </a:lvl1pPr>
-            <a:lvl2pPr marL="457200" algn="l" defTabSz="457200" rtl="0" eaLnBrk="1" latinLnBrk="0" hangingPunct="1">
-              <a:defRPr sz="1800" kern="1200">
-                <a:solidFill>
-                  <a:schemeClr val="tx1"/>
-                </a:solidFill>
-                <a:latin typeface="+mn-lt"/>
-                <a:ea typeface="+mn-ea"/>
-                <a:cs typeface="+mn-cs"/>
-              </a:defRPr>
-            </a:lvl2pPr>
-            <a:lvl3pPr marL="914400" algn="l" defTabSz="457200" rtl="0" eaLnBrk="1" latinLnBrk="0" hangingPunct="1">
-              <a:defRPr sz="1800" kern="1200">
-                <a:solidFill>
-                  <a:schemeClr val="tx1"/>
-                </a:solidFill>
-                <a:latin typeface="+mn-lt"/>
-                <a:ea typeface="+mn-ea"/>
-                <a:cs typeface="+mn-cs"/>
-              </a:defRPr>
-            </a:lvl3pPr>
-            <a:lvl4pPr marL="1371600" algn="l" defTabSz="457200" rtl="0" eaLnBrk="1" latinLnBrk="0" hangingPunct="1">
-              <a:defRPr sz="1800" kern="1200">
-                <a:solidFill>
-                  <a:schemeClr val="tx1"/>
-                </a:solidFill>
-                <a:latin typeface="+mn-lt"/>
-                <a:ea typeface="+mn-ea"/>
-                <a:cs typeface="+mn-cs"/>
-              </a:defRPr>
-            </a:lvl4pPr>
-            <a:lvl5pPr marL="1828800" algn="l" defTabSz="457200" rtl="0" eaLnBrk="1" latinLnBrk="0" hangingPunct="1">
-              <a:defRPr sz="1800" kern="1200">
-                <a:solidFill>
-                  <a:schemeClr val="tx1"/>
-                </a:solidFill>
-                <a:latin typeface="+mn-lt"/>
-                <a:ea typeface="+mn-ea"/>
-                <a:cs typeface="+mn-cs"/>
-              </a:defRPr>
-            </a:lvl5pPr>
-            <a:lvl6pPr marL="2286000" algn="l" defTabSz="457200" rtl="0" eaLnBrk="1" latinLnBrk="0" hangingPunct="1">
-              <a:defRPr sz="1800" kern="1200">
-                <a:solidFill>
-                  <a:schemeClr val="tx1"/>
-                </a:solidFill>
-                <a:latin typeface="+mn-lt"/>
-                <a:ea typeface="+mn-ea"/>
-                <a:cs typeface="+mn-cs"/>
-              </a:defRPr>
-            </a:lvl6pPr>
-            <a:lvl7pPr marL="2743200" algn="l" defTabSz="457200" rtl="0" eaLnBrk="1" latinLnBrk="0" hangingPunct="1">
-              <a:defRPr sz="1800" kern="1200">
-                <a:solidFill>
-                  <a:schemeClr val="tx1"/>
-                </a:solidFill>
-                <a:latin typeface="+mn-lt"/>
-                <a:ea typeface="+mn-ea"/>
-                <a:cs typeface="+mn-cs"/>
-              </a:defRPr>
-            </a:lvl7pPr>
-            <a:lvl8pPr marL="3200400" algn="l" defTabSz="457200" rtl="0" eaLnBrk="1" latinLnBrk="0" hangingPunct="1">
-              <a:defRPr sz="1800" kern="1200">
-                <a:solidFill>
-                  <a:schemeClr val="tx1"/>
-                </a:solidFill>
-                <a:latin typeface="+mn-lt"/>
-                <a:ea typeface="+mn-ea"/>
-                <a:cs typeface="+mn-cs"/>
-              </a:defRPr>
-            </a:lvl8pPr>
-            <a:lvl9pPr marL="3657600" algn="l" defTabSz="457200" rtl="0" eaLnBrk="1" latinLnBrk="0" hangingPunct="1">
-              <a:defRPr sz="1800" kern="1200">
-                <a:solidFill>
-                  <a:schemeClr val="tx1"/>
-                </a:solidFill>
-                <a:latin typeface="+mn-lt"/>
-                <a:ea typeface="+mn-ea"/>
-                <a:cs typeface="+mn-cs"/>
-              </a:defRPr>
-            </a:lvl9pPr>
-          </a:lstStyle>
-          <a:p>
-            <a:pPr algn="ctr"/>
-            <a:r>
-              <a:rPr lang="en-US" altLang="ko-KR" dirty="0"/>
-              <a:t>2020 </a:t>
-            </a:r>
-            <a:r>
-              <a:rPr lang="ko-KR" altLang="en-US" dirty="0"/>
-              <a:t>전기 졸업과제 팀 </a:t>
-            </a:r>
-            <a:r>
-              <a:rPr lang="en-US" altLang="ko-KR" dirty="0"/>
-              <a:t>38(ESLAB 2</a:t>
-            </a:r>
-            <a:r>
-              <a:rPr lang="ko-KR" altLang="en-US" dirty="0"/>
-              <a:t>조</a:t>
-            </a:r>
-            <a:r>
-              <a:rPr lang="en-US" altLang="ko-KR" dirty="0"/>
-              <a:t>)</a:t>
-            </a:r>
-          </a:p>
-          <a:p>
-            <a:pPr algn="ctr"/>
-            <a:r>
-              <a:rPr lang="en-US" altLang="ko-KR" dirty="0"/>
-              <a:t>[</a:t>
-            </a:r>
-            <a:r>
-              <a:rPr lang="ko-KR" altLang="en-US" dirty="0"/>
-              <a:t>여기에 팀 이름 입력</a:t>
-            </a:r>
-            <a:r>
-              <a:rPr lang="en-US" altLang="ko-KR" dirty="0"/>
-              <a:t>]</a:t>
-            </a:r>
-            <a:endParaRPr lang="en-US" dirty="0"/>
-          </a:p>
-        </p:txBody>
-      </p:sp>
-    </p:spTree>
-    <p:extLst>
-      <p:ext uri="{BB962C8B-B14F-4D97-AF65-F5344CB8AC3E}">
-        <p14:creationId xmlns:p14="http://schemas.microsoft.com/office/powerpoint/2010/main" val="3783079265"/>
-      </p:ext>
-    </p:extLst>
-  </p:cSld>
-  <p:clrMapOvr>
-    <a:masterClrMapping/>
-  </p:clrMapOvr>
-</p:sld>
-</file>
-
-<file path=ppt/slides/slide4.xml><?xml version="1.0" encoding="utf-8"?>
-<p:sld xmlns:a="http://schemas.openxmlformats.org/drawingml/2006/main" xmlns:r="http://schemas.openxmlformats.org/officeDocument/2006/relationships" xmlns:p="http://schemas.openxmlformats.org/presentationml/2006/main">
-  <p:cSld>
-    <p:spTree>
-      <p:nvGrpSpPr>
-        <p:cNvPr id="1" name=""/>
-        <p:cNvGrpSpPr/>
-        <p:nvPr/>
-      </p:nvGrpSpPr>
-      <p:grpSpPr>
-        <a:xfrm>
-          <a:off x="0" y="0"/>
-          <a:ext cx="0" cy="0"/>
-          <a:chOff x="0" y="0"/>
-          <a:chExt cx="0" cy="0"/>
-        </a:xfrm>
-      </p:grpSpPr>
-      <p:sp>
-        <p:nvSpPr>
-          <p:cNvPr id="2" name="제목 1">
-            <a:extLst>
-              <a:ext uri="{FF2B5EF4-FFF2-40B4-BE49-F238E27FC236}">
-                <a16:creationId xmlns:a16="http://schemas.microsoft.com/office/drawing/2014/main" id="{DCF95126-78F4-44B0-AA86-107F55589E24}"/>
-              </a:ext>
-            </a:extLst>
-          </p:cNvPr>
-          <p:cNvSpPr>
-            <a:spLocks noGrp="1"/>
-          </p:cNvSpPr>
-          <p:nvPr>
-            <p:ph type="title"/>
-          </p:nvPr>
-        </p:nvSpPr>
-        <p:spPr/>
-        <p:txBody>
-          <a:bodyPr>
-            <a:noAutofit/>
-          </a:bodyPr>
-          <a:lstStyle/>
-          <a:p>
-            <a:pPr algn="ctr"/>
-            <a:r>
-              <a:rPr lang="ko-KR" altLang="en-US" sz="3200" b="1" dirty="0"/>
-              <a:t>현재 진행 상황</a:t>
-            </a:r>
-          </a:p>
-        </p:txBody>
-      </p:sp>
-      <p:sp>
-        <p:nvSpPr>
-          <p:cNvPr id="3" name="내용 개체 틀 2">
-            <a:extLst>
-              <a:ext uri="{FF2B5EF4-FFF2-40B4-BE49-F238E27FC236}">
-                <a16:creationId xmlns:a16="http://schemas.microsoft.com/office/drawing/2014/main" id="{F77CE3EF-26CF-4C89-A463-B0CE7D91F570}"/>
-              </a:ext>
-            </a:extLst>
-          </p:cNvPr>
-          <p:cNvSpPr>
-            <a:spLocks noGrp="1"/>
-          </p:cNvSpPr>
-          <p:nvPr>
-            <p:ph idx="1"/>
-          </p:nvPr>
-        </p:nvSpPr>
-        <p:spPr/>
-        <p:txBody>
-          <a:bodyPr>
-            <a:normAutofit/>
-          </a:bodyPr>
-          <a:lstStyle/>
-          <a:p>
-            <a:pPr>
-              <a:spcBef>
-                <a:spcPts val="2400"/>
-              </a:spcBef>
-            </a:pPr>
-            <a:r>
-              <a:rPr lang="ko-KR" altLang="en-US" sz="3200" dirty="0"/>
-              <a:t>학습용 주행 데이터 수집</a:t>
-            </a:r>
-            <a:endParaRPr lang="en-US" altLang="ko-KR" sz="3200" dirty="0"/>
-          </a:p>
-          <a:p>
-            <a:pPr>
-              <a:spcBef>
-                <a:spcPts val="2400"/>
-              </a:spcBef>
-            </a:pPr>
-            <a:r>
-              <a:rPr lang="ko-KR" altLang="en-US" sz="3200" dirty="0"/>
-              <a:t>실제 차량 데이터 분석</a:t>
-            </a:r>
-            <a:endParaRPr lang="en-US" altLang="ko-KR" sz="3200" dirty="0"/>
-          </a:p>
-          <a:p>
-            <a:pPr>
-              <a:spcBef>
-                <a:spcPts val="2400"/>
-              </a:spcBef>
-            </a:pPr>
-            <a:r>
-              <a:rPr lang="ko-KR" altLang="en-US" sz="3200" dirty="0"/>
-              <a:t>시뮬레이터 데이터를 통해 모델 평가</a:t>
-            </a:r>
-            <a:endParaRPr lang="en-US" altLang="ko-KR" sz="3200" dirty="0"/>
-          </a:p>
-          <a:p>
-            <a:pPr>
-              <a:spcBef>
-                <a:spcPts val="2400"/>
-              </a:spcBef>
-            </a:pPr>
-            <a:r>
-              <a:rPr lang="ko-KR" altLang="en-US" sz="3200" dirty="0"/>
-              <a:t>실제 차량 데이터를 통해 모델 평가</a:t>
-            </a:r>
-            <a:endParaRPr lang="en-US" altLang="ko-KR" sz="3200" dirty="0"/>
-          </a:p>
-          <a:p>
-            <a:pPr>
-              <a:spcBef>
-                <a:spcPts val="2400"/>
-              </a:spcBef>
-            </a:pPr>
-            <a:r>
-              <a:rPr lang="en-US" altLang="ko-KR" sz="3200" dirty="0"/>
-              <a:t>Google </a:t>
-            </a:r>
-            <a:r>
-              <a:rPr lang="en-US" altLang="ko-KR" sz="3200" dirty="0" err="1"/>
-              <a:t>Colab</a:t>
-            </a:r>
-            <a:r>
-              <a:rPr lang="ko-KR" altLang="en-US" sz="3200" dirty="0"/>
-              <a:t>을 사용하여 데이터 분석 모델 개량</a:t>
-            </a:r>
-          </a:p>
-        </p:txBody>
-      </p:sp>
-      <p:sp>
-        <p:nvSpPr>
-          <p:cNvPr id="5" name="슬라이드 번호 개체 틀 4">
-            <a:extLst>
-              <a:ext uri="{FF2B5EF4-FFF2-40B4-BE49-F238E27FC236}">
-                <a16:creationId xmlns:a16="http://schemas.microsoft.com/office/drawing/2014/main" id="{697479EF-A19F-4427-84A0-1ED090411FD0}"/>
-              </a:ext>
-            </a:extLst>
-          </p:cNvPr>
-          <p:cNvSpPr>
-            <a:spLocks noGrp="1"/>
-          </p:cNvSpPr>
-          <p:nvPr>
-            <p:ph type="sldNum" sz="quarter" idx="12"/>
-          </p:nvPr>
-        </p:nvSpPr>
-        <p:spPr/>
-        <p:txBody>
-          <a:bodyPr/>
-          <a:lstStyle/>
-          <a:p>
-            <a:fld id="{4FAB73BC-B049-4115-A692-8D63A059BFB8}" type="slidenum">
-              <a:rPr lang="en-US" smtClean="0"/>
-              <a:pPr/>
-              <a:t>4</a:t>
-            </a:fld>
-            <a:endParaRPr lang="en-US" dirty="0"/>
-          </a:p>
-        </p:txBody>
-      </p:sp>
-      <p:sp>
-        <p:nvSpPr>
-          <p:cNvPr id="4" name="날짜 개체 틀 3">
-            <a:extLst>
-              <a:ext uri="{FF2B5EF4-FFF2-40B4-BE49-F238E27FC236}">
-                <a16:creationId xmlns:a16="http://schemas.microsoft.com/office/drawing/2014/main" id="{97905E41-4DA2-442F-8CC2-64E7A53076B1}"/>
-              </a:ext>
-            </a:extLst>
-          </p:cNvPr>
-          <p:cNvSpPr>
-            <a:spLocks noGrp="1"/>
-          </p:cNvSpPr>
-          <p:nvPr>
-            <p:ph type="dt" sz="half" idx="10"/>
-          </p:nvPr>
-        </p:nvSpPr>
-        <p:spPr>
-          <a:xfrm>
-            <a:off x="0" y="6492875"/>
-            <a:ext cx="2743200" cy="365125"/>
-          </a:xfrm>
-        </p:spPr>
-        <p:txBody>
-          <a:bodyPr/>
-          <a:lstStyle/>
-          <a:p>
-            <a:fld id="{793FA439-1AF0-4114-85D0-94817C2CD7F4}" type="datetime1">
-              <a:rPr lang="ko-KR" altLang="en-US" smtClean="0"/>
-              <a:t>2020-07-23</a:t>
-            </a:fld>
-            <a:endParaRPr lang="en-US" dirty="0"/>
-          </a:p>
-        </p:txBody>
-      </p:sp>
-      <p:sp>
-        <p:nvSpPr>
-          <p:cNvPr id="6" name="바닥글 개체 틀 3">
-            <a:extLst>
-              <a:ext uri="{FF2B5EF4-FFF2-40B4-BE49-F238E27FC236}">
-                <a16:creationId xmlns:a16="http://schemas.microsoft.com/office/drawing/2014/main" id="{29675F6E-AB95-42A8-B21F-DF220282D235}"/>
-              </a:ext>
-            </a:extLst>
-          </p:cNvPr>
-          <p:cNvSpPr txBox="1">
-            <a:spLocks/>
-          </p:cNvSpPr>
-          <p:nvPr/>
-        </p:nvSpPr>
-        <p:spPr>
-          <a:xfrm>
-            <a:off x="3140241" y="150043"/>
-            <a:ext cx="5911517" cy="365125"/>
-          </a:xfrm>
-          <a:prstGeom prst="rect">
-            <a:avLst/>
-          </a:prstGeom>
-        </p:spPr>
-        <p:txBody>
-          <a:bodyPr vert="horz" lIns="91440" tIns="45720" rIns="91440" bIns="45720" rtlCol="0" anchor="ctr"/>
-          <a:lstStyle>
-            <a:defPPr>
-              <a:defRPr lang="en-US"/>
-            </a:defPPr>
-            <a:lvl1pPr marL="0" algn="l" defTabSz="457200" rtl="0" eaLnBrk="1" latinLnBrk="0" hangingPunct="1">
-              <a:defRPr sz="1100" kern="1200">
-                <a:solidFill>
-                  <a:schemeClr val="tx1">
-                    <a:lumMod val="50000"/>
-                    <a:lumOff val="50000"/>
-                  </a:schemeClr>
-                </a:solidFill>
-                <a:latin typeface="+mn-lt"/>
-                <a:ea typeface="+mn-ea"/>
-                <a:cs typeface="+mn-cs"/>
-              </a:defRPr>
-            </a:lvl1pPr>
-            <a:lvl2pPr marL="457200" algn="l" defTabSz="457200" rtl="0" eaLnBrk="1" latinLnBrk="0" hangingPunct="1">
-              <a:defRPr sz="1800" kern="1200">
-                <a:solidFill>
-                  <a:schemeClr val="tx1"/>
-                </a:solidFill>
-                <a:latin typeface="+mn-lt"/>
-                <a:ea typeface="+mn-ea"/>
-                <a:cs typeface="+mn-cs"/>
-              </a:defRPr>
-            </a:lvl2pPr>
-            <a:lvl3pPr marL="914400" algn="l" defTabSz="457200" rtl="0" eaLnBrk="1" latinLnBrk="0" hangingPunct="1">
-              <a:defRPr sz="1800" kern="1200">
-                <a:solidFill>
-                  <a:schemeClr val="tx1"/>
-                </a:solidFill>
-                <a:latin typeface="+mn-lt"/>
-                <a:ea typeface="+mn-ea"/>
-                <a:cs typeface="+mn-cs"/>
-              </a:defRPr>
-            </a:lvl3pPr>
-            <a:lvl4pPr marL="1371600" algn="l" defTabSz="457200" rtl="0" eaLnBrk="1" latinLnBrk="0" hangingPunct="1">
-              <a:defRPr sz="1800" kern="1200">
-                <a:solidFill>
-                  <a:schemeClr val="tx1"/>
-                </a:solidFill>
-                <a:latin typeface="+mn-lt"/>
-                <a:ea typeface="+mn-ea"/>
-                <a:cs typeface="+mn-cs"/>
-              </a:defRPr>
-            </a:lvl4pPr>
-            <a:lvl5pPr marL="1828800" algn="l" defTabSz="457200" rtl="0" eaLnBrk="1" latinLnBrk="0" hangingPunct="1">
-              <a:defRPr sz="1800" kern="1200">
-                <a:solidFill>
-                  <a:schemeClr val="tx1"/>
-                </a:solidFill>
-                <a:latin typeface="+mn-lt"/>
-                <a:ea typeface="+mn-ea"/>
-                <a:cs typeface="+mn-cs"/>
-              </a:defRPr>
-            </a:lvl5pPr>
-            <a:lvl6pPr marL="2286000" algn="l" defTabSz="457200" rtl="0" eaLnBrk="1" latinLnBrk="0" hangingPunct="1">
-              <a:defRPr sz="1800" kern="1200">
-                <a:solidFill>
-                  <a:schemeClr val="tx1"/>
-                </a:solidFill>
-                <a:latin typeface="+mn-lt"/>
-                <a:ea typeface="+mn-ea"/>
-                <a:cs typeface="+mn-cs"/>
-              </a:defRPr>
-            </a:lvl6pPr>
-            <a:lvl7pPr marL="2743200" algn="l" defTabSz="457200" rtl="0" eaLnBrk="1" latinLnBrk="0" hangingPunct="1">
-              <a:defRPr sz="1800" kern="1200">
-                <a:solidFill>
-                  <a:schemeClr val="tx1"/>
-                </a:solidFill>
-                <a:latin typeface="+mn-lt"/>
-                <a:ea typeface="+mn-ea"/>
-                <a:cs typeface="+mn-cs"/>
-              </a:defRPr>
-            </a:lvl7pPr>
-            <a:lvl8pPr marL="3200400" algn="l" defTabSz="457200" rtl="0" eaLnBrk="1" latinLnBrk="0" hangingPunct="1">
-              <a:defRPr sz="1800" kern="1200">
-                <a:solidFill>
-                  <a:schemeClr val="tx1"/>
-                </a:solidFill>
-                <a:latin typeface="+mn-lt"/>
-                <a:ea typeface="+mn-ea"/>
-                <a:cs typeface="+mn-cs"/>
-              </a:defRPr>
-            </a:lvl8pPr>
-            <a:lvl9pPr marL="3657600" algn="l" defTabSz="457200" rtl="0" eaLnBrk="1" latinLnBrk="0" hangingPunct="1">
-              <a:defRPr sz="1800" kern="1200">
-                <a:solidFill>
-                  <a:schemeClr val="tx1"/>
-                </a:solidFill>
-                <a:latin typeface="+mn-lt"/>
-                <a:ea typeface="+mn-ea"/>
-                <a:cs typeface="+mn-cs"/>
-              </a:defRPr>
-            </a:lvl9pPr>
-          </a:lstStyle>
-          <a:p>
-            <a:pPr algn="ctr"/>
-            <a:r>
-              <a:rPr lang="en-US" altLang="ko-KR" dirty="0"/>
-              <a:t>2020 </a:t>
-            </a:r>
-            <a:r>
-              <a:rPr lang="ko-KR" altLang="en-US" dirty="0"/>
-              <a:t>전기 졸업과제 팀 </a:t>
-            </a:r>
-            <a:r>
-              <a:rPr lang="en-US" altLang="ko-KR" dirty="0"/>
-              <a:t>38(ESLAB 2</a:t>
-            </a:r>
-            <a:r>
-              <a:rPr lang="ko-KR" altLang="en-US" dirty="0"/>
-              <a:t>조</a:t>
-            </a:r>
-            <a:r>
-              <a:rPr lang="en-US" altLang="ko-KR" dirty="0"/>
-              <a:t>)</a:t>
-            </a:r>
-          </a:p>
-          <a:p>
-            <a:pPr algn="ctr"/>
-            <a:r>
-              <a:rPr lang="en-US" altLang="ko-KR" dirty="0"/>
-              <a:t>[</a:t>
-            </a:r>
-            <a:r>
-              <a:rPr lang="ko-KR" altLang="en-US" dirty="0"/>
-              <a:t>여기에 팀 이름 입력</a:t>
-            </a:r>
-            <a:r>
-              <a:rPr lang="en-US" altLang="ko-KR" dirty="0"/>
-              <a:t>]</a:t>
-            </a:r>
-            <a:endParaRPr lang="en-US" dirty="0"/>
-          </a:p>
-        </p:txBody>
-      </p:sp>
-    </p:spTree>
-    <p:extLst>
-      <p:ext uri="{BB962C8B-B14F-4D97-AF65-F5344CB8AC3E}">
-        <p14:creationId xmlns:p14="http://schemas.microsoft.com/office/powerpoint/2010/main" val="2037822847"/>
-      </p:ext>
-    </p:extLst>
-  </p:cSld>
-  <p:clrMapOvr>
-    <a:masterClrMapping/>
-  </p:clrMapOvr>
-</p:sld>
-</file>
-
-<file path=ppt/slides/slide5.xml><?xml version="1.0" encoding="utf-8"?>
-<p:sld xmlns:a="http://schemas.openxmlformats.org/drawingml/2006/main" xmlns:r="http://schemas.openxmlformats.org/officeDocument/2006/relationships" xmlns:p="http://schemas.openxmlformats.org/presentationml/2006/main">
-  <p:cSld>
-    <p:spTree>
-      <p:nvGrpSpPr>
-        <p:cNvPr id="1" name=""/>
-        <p:cNvGrpSpPr/>
-        <p:nvPr/>
-      </p:nvGrpSpPr>
-      <p:grpSpPr>
-        <a:xfrm>
-          <a:off x="0" y="0"/>
-          <a:ext cx="0" cy="0"/>
-          <a:chOff x="0" y="0"/>
-          <a:chExt cx="0" cy="0"/>
-        </a:xfrm>
-      </p:grpSpPr>
-      <p:sp>
-        <p:nvSpPr>
-          <p:cNvPr id="2" name="제목 1">
-            <a:extLst>
-              <a:ext uri="{FF2B5EF4-FFF2-40B4-BE49-F238E27FC236}">
-                <a16:creationId xmlns:a16="http://schemas.microsoft.com/office/drawing/2014/main" id="{DCF95126-78F4-44B0-AA86-107F55589E24}"/>
-              </a:ext>
-            </a:extLst>
-          </p:cNvPr>
-          <p:cNvSpPr>
-            <a:spLocks noGrp="1"/>
-          </p:cNvSpPr>
-          <p:nvPr>
-            <p:ph type="title"/>
-          </p:nvPr>
-        </p:nvSpPr>
-        <p:spPr/>
-        <p:txBody>
-          <a:bodyPr>
-            <a:noAutofit/>
-          </a:bodyPr>
-          <a:lstStyle/>
-          <a:p>
-            <a:pPr algn="ctr"/>
-            <a:r>
-              <a:rPr lang="ko-KR" altLang="en-US" sz="3200" b="1" dirty="0"/>
-              <a:t>현재 진행 상황</a:t>
-            </a:r>
-          </a:p>
-        </p:txBody>
-      </p:sp>
-      <p:sp>
-        <p:nvSpPr>
-          <p:cNvPr id="3" name="내용 개체 틀 2">
-            <a:extLst>
-              <a:ext uri="{FF2B5EF4-FFF2-40B4-BE49-F238E27FC236}">
-                <a16:creationId xmlns:a16="http://schemas.microsoft.com/office/drawing/2014/main" id="{F77CE3EF-26CF-4C89-A463-B0CE7D91F570}"/>
-              </a:ext>
-            </a:extLst>
-          </p:cNvPr>
-          <p:cNvSpPr>
-            <a:spLocks noGrp="1"/>
-          </p:cNvSpPr>
-          <p:nvPr>
-            <p:ph idx="1"/>
-          </p:nvPr>
-        </p:nvSpPr>
-        <p:spPr>
-          <a:xfrm>
-            <a:off x="1321142" y="1123837"/>
-            <a:ext cx="10263986" cy="5120640"/>
-          </a:xfrm>
-        </p:spPr>
-        <p:txBody>
-          <a:bodyPr>
-            <a:normAutofit/>
-          </a:bodyPr>
-          <a:lstStyle/>
-          <a:p>
-            <a:pPr>
-              <a:spcBef>
-                <a:spcPts val="2400"/>
-              </a:spcBef>
-            </a:pPr>
-            <a:r>
-              <a:rPr lang="ko-KR" altLang="en-US" sz="3200" dirty="0"/>
-              <a:t>모델 학습용으로 단발성 상태의 데이터를 수집 및 결합</a:t>
-            </a:r>
-            <a:endParaRPr lang="en-US" altLang="ko-KR" sz="3200" dirty="0"/>
-          </a:p>
-          <a:p>
-            <a:pPr>
-              <a:spcBef>
-                <a:spcPts val="2400"/>
-              </a:spcBef>
-            </a:pPr>
-            <a:endParaRPr lang="en-US" altLang="ko-KR" sz="3200" dirty="0"/>
-          </a:p>
-          <a:p>
-            <a:pPr>
-              <a:spcBef>
-                <a:spcPts val="2400"/>
-              </a:spcBef>
-            </a:pPr>
-            <a:endParaRPr lang="en-US" altLang="ko-KR" sz="3200" dirty="0"/>
-          </a:p>
-          <a:p>
-            <a:pPr>
-              <a:spcBef>
-                <a:spcPts val="2400"/>
-              </a:spcBef>
-            </a:pPr>
-            <a:endParaRPr lang="en-US" altLang="ko-KR" sz="3200" dirty="0"/>
-          </a:p>
-          <a:p>
-            <a:pPr>
-              <a:spcBef>
-                <a:spcPts val="2400"/>
-              </a:spcBef>
-            </a:pPr>
-            <a:r>
-              <a:rPr lang="ko-KR" altLang="en-US" sz="3200" dirty="0"/>
-              <a:t>실제 테스트 용으로 연속된 주행의 데이터 수집</a:t>
-            </a:r>
-            <a:endParaRPr lang="en-US" altLang="ko-KR" sz="3200" dirty="0"/>
-          </a:p>
-        </p:txBody>
-      </p:sp>
-      <p:sp>
-        <p:nvSpPr>
-          <p:cNvPr id="5" name="슬라이드 번호 개체 틀 4">
-            <a:extLst>
-              <a:ext uri="{FF2B5EF4-FFF2-40B4-BE49-F238E27FC236}">
-                <a16:creationId xmlns:a16="http://schemas.microsoft.com/office/drawing/2014/main" id="{697479EF-A19F-4427-84A0-1ED090411FD0}"/>
-              </a:ext>
-            </a:extLst>
-          </p:cNvPr>
-          <p:cNvSpPr>
-            <a:spLocks noGrp="1"/>
-          </p:cNvSpPr>
-          <p:nvPr>
-            <p:ph type="sldNum" sz="quarter" idx="12"/>
-          </p:nvPr>
-        </p:nvSpPr>
-        <p:spPr/>
-        <p:txBody>
-          <a:bodyPr/>
-          <a:lstStyle/>
-          <a:p>
-            <a:fld id="{4FAB73BC-B049-4115-A692-8D63A059BFB8}" type="slidenum">
-              <a:rPr lang="en-US" smtClean="0"/>
-              <a:pPr/>
-              <a:t>5</a:t>
-            </a:fld>
-            <a:endParaRPr lang="en-US" dirty="0"/>
-          </a:p>
-        </p:txBody>
-      </p:sp>
-      <p:sp>
-        <p:nvSpPr>
-          <p:cNvPr id="4" name="날짜 개체 틀 3">
-            <a:extLst>
-              <a:ext uri="{FF2B5EF4-FFF2-40B4-BE49-F238E27FC236}">
-                <a16:creationId xmlns:a16="http://schemas.microsoft.com/office/drawing/2014/main" id="{97905E41-4DA2-442F-8CC2-64E7A53076B1}"/>
-              </a:ext>
-            </a:extLst>
-          </p:cNvPr>
-          <p:cNvSpPr>
-            <a:spLocks noGrp="1"/>
-          </p:cNvSpPr>
-          <p:nvPr>
-            <p:ph type="dt" sz="half" idx="10"/>
-          </p:nvPr>
-        </p:nvSpPr>
-        <p:spPr>
-          <a:xfrm>
-            <a:off x="0" y="6492875"/>
-            <a:ext cx="2743200" cy="365125"/>
-          </a:xfrm>
-        </p:spPr>
-        <p:txBody>
-          <a:bodyPr/>
-          <a:lstStyle/>
-          <a:p>
-            <a:fld id="{793FA439-1AF0-4114-85D0-94817C2CD7F4}" type="datetime1">
-              <a:rPr lang="ko-KR" altLang="en-US" smtClean="0"/>
-              <a:t>2020-07-23</a:t>
-            </a:fld>
-            <a:endParaRPr lang="en-US" dirty="0"/>
-          </a:p>
-        </p:txBody>
-      </p:sp>
-      <p:sp>
-        <p:nvSpPr>
-          <p:cNvPr id="6" name="바닥글 개체 틀 3">
-            <a:extLst>
-              <a:ext uri="{FF2B5EF4-FFF2-40B4-BE49-F238E27FC236}">
-                <a16:creationId xmlns:a16="http://schemas.microsoft.com/office/drawing/2014/main" id="{29675F6E-AB95-42A8-B21F-DF220282D235}"/>
-              </a:ext>
-            </a:extLst>
-          </p:cNvPr>
-          <p:cNvSpPr txBox="1">
-            <a:spLocks/>
-          </p:cNvSpPr>
-          <p:nvPr/>
-        </p:nvSpPr>
-        <p:spPr>
-          <a:xfrm>
-            <a:off x="3140241" y="150043"/>
-            <a:ext cx="5911517" cy="365125"/>
-          </a:xfrm>
-          <a:prstGeom prst="rect">
-            <a:avLst/>
-          </a:prstGeom>
-        </p:spPr>
-        <p:txBody>
-          <a:bodyPr vert="horz" lIns="91440" tIns="45720" rIns="91440" bIns="45720" rtlCol="0" anchor="ctr"/>
-          <a:lstStyle>
-            <a:defPPr>
-              <a:defRPr lang="en-US"/>
-            </a:defPPr>
-            <a:lvl1pPr marL="0" algn="l" defTabSz="457200" rtl="0" eaLnBrk="1" latinLnBrk="0" hangingPunct="1">
-              <a:defRPr sz="1100" kern="1200">
-                <a:solidFill>
-                  <a:schemeClr val="tx1">
-                    <a:lumMod val="50000"/>
-                    <a:lumOff val="50000"/>
-                  </a:schemeClr>
-                </a:solidFill>
-                <a:latin typeface="+mn-lt"/>
-                <a:ea typeface="+mn-ea"/>
-                <a:cs typeface="+mn-cs"/>
-              </a:defRPr>
-            </a:lvl1pPr>
-            <a:lvl2pPr marL="457200" algn="l" defTabSz="457200" rtl="0" eaLnBrk="1" latinLnBrk="0" hangingPunct="1">
-              <a:defRPr sz="1800" kern="1200">
-                <a:solidFill>
-                  <a:schemeClr val="tx1"/>
-                </a:solidFill>
-                <a:latin typeface="+mn-lt"/>
-                <a:ea typeface="+mn-ea"/>
-                <a:cs typeface="+mn-cs"/>
-              </a:defRPr>
-            </a:lvl2pPr>
-            <a:lvl3pPr marL="914400" algn="l" defTabSz="457200" rtl="0" eaLnBrk="1" latinLnBrk="0" hangingPunct="1">
-              <a:defRPr sz="1800" kern="1200">
-                <a:solidFill>
-                  <a:schemeClr val="tx1"/>
-                </a:solidFill>
-                <a:latin typeface="+mn-lt"/>
-                <a:ea typeface="+mn-ea"/>
-                <a:cs typeface="+mn-cs"/>
-              </a:defRPr>
-            </a:lvl3pPr>
-            <a:lvl4pPr marL="1371600" algn="l" defTabSz="457200" rtl="0" eaLnBrk="1" latinLnBrk="0" hangingPunct="1">
-              <a:defRPr sz="1800" kern="1200">
-                <a:solidFill>
-                  <a:schemeClr val="tx1"/>
-                </a:solidFill>
-                <a:latin typeface="+mn-lt"/>
-                <a:ea typeface="+mn-ea"/>
-                <a:cs typeface="+mn-cs"/>
-              </a:defRPr>
-            </a:lvl4pPr>
-            <a:lvl5pPr marL="1828800" algn="l" defTabSz="457200" rtl="0" eaLnBrk="1" latinLnBrk="0" hangingPunct="1">
-              <a:defRPr sz="1800" kern="1200">
-                <a:solidFill>
-                  <a:schemeClr val="tx1"/>
-                </a:solidFill>
-                <a:latin typeface="+mn-lt"/>
-                <a:ea typeface="+mn-ea"/>
-                <a:cs typeface="+mn-cs"/>
-              </a:defRPr>
-            </a:lvl5pPr>
-            <a:lvl6pPr marL="2286000" algn="l" defTabSz="457200" rtl="0" eaLnBrk="1" latinLnBrk="0" hangingPunct="1">
-              <a:defRPr sz="1800" kern="1200">
-                <a:solidFill>
-                  <a:schemeClr val="tx1"/>
-                </a:solidFill>
-                <a:latin typeface="+mn-lt"/>
-                <a:ea typeface="+mn-ea"/>
-                <a:cs typeface="+mn-cs"/>
-              </a:defRPr>
-            </a:lvl6pPr>
-            <a:lvl7pPr marL="2743200" algn="l" defTabSz="457200" rtl="0" eaLnBrk="1" latinLnBrk="0" hangingPunct="1">
-              <a:defRPr sz="1800" kern="1200">
-                <a:solidFill>
-                  <a:schemeClr val="tx1"/>
-                </a:solidFill>
-                <a:latin typeface="+mn-lt"/>
-                <a:ea typeface="+mn-ea"/>
-                <a:cs typeface="+mn-cs"/>
-              </a:defRPr>
-            </a:lvl7pPr>
-            <a:lvl8pPr marL="3200400" algn="l" defTabSz="457200" rtl="0" eaLnBrk="1" latinLnBrk="0" hangingPunct="1">
-              <a:defRPr sz="1800" kern="1200">
-                <a:solidFill>
-                  <a:schemeClr val="tx1"/>
-                </a:solidFill>
-                <a:latin typeface="+mn-lt"/>
-                <a:ea typeface="+mn-ea"/>
-                <a:cs typeface="+mn-cs"/>
-              </a:defRPr>
-            </a:lvl8pPr>
-            <a:lvl9pPr marL="3657600" algn="l" defTabSz="457200" rtl="0" eaLnBrk="1" latinLnBrk="0" hangingPunct="1">
-              <a:defRPr sz="1800" kern="1200">
-                <a:solidFill>
-                  <a:schemeClr val="tx1"/>
-                </a:solidFill>
-                <a:latin typeface="+mn-lt"/>
-                <a:ea typeface="+mn-ea"/>
-                <a:cs typeface="+mn-cs"/>
-              </a:defRPr>
-            </a:lvl9pPr>
-          </a:lstStyle>
-          <a:p>
-            <a:pPr algn="ctr"/>
-            <a:r>
-              <a:rPr lang="en-US" altLang="ko-KR" dirty="0"/>
-              <a:t>2020 </a:t>
-            </a:r>
-            <a:r>
-              <a:rPr lang="ko-KR" altLang="en-US" dirty="0"/>
-              <a:t>전기 졸업과제 팀 </a:t>
-            </a:r>
-            <a:r>
-              <a:rPr lang="en-US" altLang="ko-KR" dirty="0"/>
-              <a:t>38(ESLAB 2</a:t>
-            </a:r>
-            <a:r>
-              <a:rPr lang="ko-KR" altLang="en-US" dirty="0"/>
-              <a:t>조</a:t>
-            </a:r>
-            <a:r>
-              <a:rPr lang="en-US" altLang="ko-KR" dirty="0"/>
-              <a:t>)</a:t>
-            </a:r>
-          </a:p>
-          <a:p>
-            <a:pPr algn="ctr"/>
-            <a:r>
-              <a:rPr lang="en-US" altLang="ko-KR" dirty="0"/>
-              <a:t>[</a:t>
-            </a:r>
-            <a:r>
-              <a:rPr lang="ko-KR" altLang="en-US" dirty="0"/>
-              <a:t>여기에 팀 이름 입력</a:t>
-            </a:r>
-            <a:r>
-              <a:rPr lang="en-US" altLang="ko-KR" dirty="0"/>
-              <a:t>]</a:t>
-            </a:r>
-            <a:endParaRPr lang="en-US" dirty="0"/>
-          </a:p>
-        </p:txBody>
-      </p:sp>
-      <p:sp>
-        <p:nvSpPr>
-          <p:cNvPr id="7" name="TextBox 6">
-            <a:extLst>
-              <a:ext uri="{FF2B5EF4-FFF2-40B4-BE49-F238E27FC236}">
-                <a16:creationId xmlns:a16="http://schemas.microsoft.com/office/drawing/2014/main" id="{DF921F7D-E495-4662-8CA2-B81784899F14}"/>
-              </a:ext>
-            </a:extLst>
-          </p:cNvPr>
-          <p:cNvSpPr txBox="1"/>
-          <p:nvPr/>
-        </p:nvSpPr>
-        <p:spPr>
-          <a:xfrm>
-            <a:off x="1321142" y="949884"/>
-            <a:ext cx="6372430" cy="707886"/>
-          </a:xfrm>
-          <a:prstGeom prst="rect">
-            <a:avLst/>
-          </a:prstGeom>
-          <a:noFill/>
-        </p:spPr>
-        <p:txBody>
-          <a:bodyPr wrap="square" rtlCol="0">
-            <a:spAutoFit/>
-          </a:bodyPr>
-          <a:lstStyle/>
-          <a:p>
-            <a:r>
-              <a:rPr lang="ko-KR" altLang="en-US" sz="4000" dirty="0"/>
-              <a:t>학습용 주행 데이터 수집</a:t>
-            </a:r>
-          </a:p>
-        </p:txBody>
-      </p:sp>
-      <p:grpSp>
-        <p:nvGrpSpPr>
-          <p:cNvPr id="8" name="그룹 7">
-            <a:extLst>
-              <a:ext uri="{FF2B5EF4-FFF2-40B4-BE49-F238E27FC236}">
-                <a16:creationId xmlns:a16="http://schemas.microsoft.com/office/drawing/2014/main" id="{B0C466BD-F459-4A1A-A4B8-9A490ED7EFF4}"/>
-              </a:ext>
-            </a:extLst>
-          </p:cNvPr>
-          <p:cNvGrpSpPr/>
-          <p:nvPr/>
-        </p:nvGrpSpPr>
-        <p:grpSpPr>
-          <a:xfrm>
-            <a:off x="7857269" y="2387960"/>
-            <a:ext cx="3291841" cy="2592394"/>
-            <a:chOff x="4069041" y="2394318"/>
-            <a:chExt cx="3291841" cy="2592394"/>
-          </a:xfrm>
-        </p:grpSpPr>
-        <p:pic>
-          <p:nvPicPr>
-            <p:cNvPr id="9" name="그림 8">
-              <a:extLst>
-                <a:ext uri="{FF2B5EF4-FFF2-40B4-BE49-F238E27FC236}">
-                  <a16:creationId xmlns:a16="http://schemas.microsoft.com/office/drawing/2014/main" id="{40557DC3-04AD-4A74-AC8A-56B275CC69F8}"/>
-                </a:ext>
-              </a:extLst>
-            </p:cNvPr>
-            <p:cNvPicPr>
-              <a:picLocks noChangeAspect="1"/>
-            </p:cNvPicPr>
-            <p:nvPr/>
-          </p:nvPicPr>
-          <p:blipFill>
-            <a:blip r:embed="rId3"/>
-            <a:stretch>
-              <a:fillRect/>
-            </a:stretch>
-          </p:blipFill>
-          <p:spPr>
-            <a:xfrm>
-              <a:off x="4069041" y="2394318"/>
-              <a:ext cx="3291841" cy="2592394"/>
-            </a:xfrm>
-            <a:prstGeom prst="rect">
-              <a:avLst/>
-            </a:prstGeom>
-          </p:spPr>
-        </p:pic>
-        <p:sp>
-          <p:nvSpPr>
-            <p:cNvPr id="10" name="직사각형 9">
-              <a:extLst>
-                <a:ext uri="{FF2B5EF4-FFF2-40B4-BE49-F238E27FC236}">
-                  <a16:creationId xmlns:a16="http://schemas.microsoft.com/office/drawing/2014/main" id="{70A84873-4054-4D2B-8FB3-C1B8D307D151}"/>
-                </a:ext>
-              </a:extLst>
-            </p:cNvPr>
-            <p:cNvSpPr/>
-            <p:nvPr/>
-          </p:nvSpPr>
-          <p:spPr>
-            <a:xfrm>
-              <a:off x="4445038" y="2485835"/>
-              <a:ext cx="2915844" cy="2396643"/>
-            </a:xfrm>
-            <a:prstGeom prst="rect">
-              <a:avLst/>
-            </a:prstGeom>
-            <a:noFill/>
-            <a:ln w="76200">
-              <a:solidFill>
-                <a:srgbClr val="FF0000"/>
-              </a:solidFill>
-            </a:ln>
-          </p:spPr>
-          <p:style>
-            <a:lnRef idx="2">
-              <a:schemeClr val="accent1">
-                <a:shade val="50000"/>
-              </a:schemeClr>
-            </a:lnRef>
-            <a:fillRef idx="1">
-              <a:schemeClr val="accent1"/>
-            </a:fillRef>
-            <a:effectRef idx="0">
-              <a:schemeClr val="accent1"/>
-            </a:effectRef>
-            <a:fontRef idx="minor">
-              <a:schemeClr val="lt1"/>
-            </a:fontRef>
-          </p:style>
-          <p:txBody>
-            <a:bodyPr rtlCol="0" anchor="ctr"/>
-            <a:lstStyle/>
-            <a:p>
-              <a:pPr algn="ctr"/>
-              <a:endParaRPr lang="ko-KR" altLang="en-US"/>
-            </a:p>
-          </p:txBody>
-        </p:sp>
-      </p:grpSp>
-    </p:spTree>
-    <p:extLst>
-      <p:ext uri="{BB962C8B-B14F-4D97-AF65-F5344CB8AC3E}">
-        <p14:creationId xmlns:p14="http://schemas.microsoft.com/office/powerpoint/2010/main" val="169759851"/>
-      </p:ext>
-    </p:extLst>
-  </p:cSld>
-  <p:clrMapOvr>
-    <a:masterClrMapping/>
-  </p:clrMapOvr>
-</p:sld>
-</file>
-
-<file path=ppt/slides/slide6.xml><?xml version="1.0" encoding="utf-8"?>
-<p:sld xmlns:a="http://schemas.openxmlformats.org/drawingml/2006/main" xmlns:r="http://schemas.openxmlformats.org/officeDocument/2006/relationships" xmlns:p="http://schemas.openxmlformats.org/presentationml/2006/main">
-  <p:cSld>
-    <p:spTree>
-      <p:nvGrpSpPr>
-        <p:cNvPr id="1" name=""/>
-        <p:cNvGrpSpPr/>
-        <p:nvPr/>
-      </p:nvGrpSpPr>
-      <p:grpSpPr>
-        <a:xfrm>
-          <a:off x="0" y="0"/>
-          <a:ext cx="0" cy="0"/>
-          <a:chOff x="0" y="0"/>
-          <a:chExt cx="0" cy="0"/>
-        </a:xfrm>
-      </p:grpSpPr>
-      <p:sp>
-        <p:nvSpPr>
-          <p:cNvPr id="2" name="제목 1">
-            <a:extLst>
-              <a:ext uri="{FF2B5EF4-FFF2-40B4-BE49-F238E27FC236}">
-                <a16:creationId xmlns:a16="http://schemas.microsoft.com/office/drawing/2014/main" id="{DCF95126-78F4-44B0-AA86-107F55589E24}"/>
-              </a:ext>
-            </a:extLst>
-          </p:cNvPr>
-          <p:cNvSpPr>
-            <a:spLocks noGrp="1"/>
-          </p:cNvSpPr>
-          <p:nvPr>
-            <p:ph type="title"/>
-          </p:nvPr>
-        </p:nvSpPr>
-        <p:spPr/>
-        <p:txBody>
-          <a:bodyPr>
-            <a:noAutofit/>
-          </a:bodyPr>
-          <a:lstStyle/>
-          <a:p>
-            <a:pPr algn="ctr"/>
-            <a:r>
-              <a:rPr lang="ko-KR" altLang="en-US" sz="3200" b="1" dirty="0"/>
-              <a:t>현재 진행 상황</a:t>
-            </a:r>
-          </a:p>
-        </p:txBody>
-      </p:sp>
-      <p:sp>
-        <p:nvSpPr>
-          <p:cNvPr id="3" name="내용 개체 틀 2">
-            <a:extLst>
-              <a:ext uri="{FF2B5EF4-FFF2-40B4-BE49-F238E27FC236}">
-                <a16:creationId xmlns:a16="http://schemas.microsoft.com/office/drawing/2014/main" id="{F77CE3EF-26CF-4C89-A463-B0CE7D91F570}"/>
-              </a:ext>
-            </a:extLst>
-          </p:cNvPr>
-          <p:cNvSpPr>
-            <a:spLocks noGrp="1"/>
-          </p:cNvSpPr>
-          <p:nvPr>
-            <p:ph idx="1"/>
-          </p:nvPr>
-        </p:nvSpPr>
-        <p:spPr>
-          <a:xfrm>
-            <a:off x="1085221" y="1283023"/>
-            <a:ext cx="10721591" cy="5209851"/>
-          </a:xfrm>
-        </p:spPr>
-        <p:txBody>
-          <a:bodyPr>
-            <a:normAutofit/>
-          </a:bodyPr>
-          <a:lstStyle/>
-          <a:p>
-            <a:pPr>
-              <a:spcBef>
-                <a:spcPts val="2400"/>
-              </a:spcBef>
-            </a:pPr>
-            <a:r>
-              <a:rPr lang="ko-KR" altLang="en-US" sz="3200" dirty="0"/>
-              <a:t>실제 차량 데이터는 </a:t>
-            </a:r>
-            <a:r>
-              <a:rPr lang="en-US" altLang="ko-KR" sz="3200" dirty="0"/>
-              <a:t>12</a:t>
-            </a:r>
-            <a:r>
-              <a:rPr lang="ko-KR" altLang="en-US" sz="3200" dirty="0"/>
-              <a:t>개의 항목의 데이터를 포함한다</a:t>
-            </a:r>
-            <a:r>
-              <a:rPr lang="en-US" altLang="ko-KR" sz="3200" dirty="0"/>
-              <a:t>.</a:t>
-            </a:r>
-          </a:p>
-          <a:p>
-            <a:pPr>
-              <a:spcBef>
-                <a:spcPts val="2400"/>
-              </a:spcBef>
-            </a:pPr>
-            <a:endParaRPr lang="en-US" altLang="ko-KR" sz="3200" dirty="0"/>
-          </a:p>
-          <a:p>
-            <a:pPr>
-              <a:spcBef>
-                <a:spcPts val="2400"/>
-              </a:spcBef>
-            </a:pPr>
-            <a:r>
-              <a:rPr lang="ko-KR" altLang="en-US" sz="3200" dirty="0"/>
-              <a:t>위의 값들 중 시뮬레이터에서는 </a:t>
-            </a:r>
-            <a:r>
-              <a:rPr lang="en-US" altLang="ko-KR" sz="3200" dirty="0"/>
-              <a:t>SWA, Brake, Speed, </a:t>
-            </a:r>
-            <a:r>
-              <a:rPr lang="en-US" altLang="ko-KR" sz="3200" dirty="0" err="1"/>
-              <a:t>Acceleratior</a:t>
-            </a:r>
-            <a:r>
-              <a:rPr lang="en-US" altLang="ko-KR" sz="3200" dirty="0"/>
-              <a:t> Position, Lateral Acc, Long Acc</a:t>
-            </a:r>
-            <a:r>
-              <a:rPr lang="ko-KR" altLang="en-US" sz="3200" dirty="0"/>
-              <a:t>를 획득 가능</a:t>
-            </a:r>
-            <a:endParaRPr lang="en-US" altLang="ko-KR" sz="3200" dirty="0"/>
-          </a:p>
-          <a:p>
-            <a:pPr>
-              <a:spcBef>
-                <a:spcPts val="2400"/>
-              </a:spcBef>
-            </a:pPr>
-            <a:r>
-              <a:rPr lang="ko-KR" altLang="en-US" sz="3200" dirty="0"/>
-              <a:t>실제 데이터는 </a:t>
-            </a:r>
-            <a:r>
-              <a:rPr lang="en-US" altLang="ko-KR" sz="3200" dirty="0"/>
-              <a:t>1</a:t>
-            </a:r>
-            <a:r>
-              <a:rPr lang="ko-KR" altLang="en-US" sz="3200" dirty="0"/>
-              <a:t>초당 </a:t>
-            </a:r>
-            <a:r>
-              <a:rPr lang="en-US" altLang="ko-KR" sz="3200" dirty="0"/>
-              <a:t>10</a:t>
-            </a:r>
-            <a:r>
-              <a:rPr lang="ko-KR" altLang="en-US" sz="3200" dirty="0"/>
-              <a:t>개의 데이터를 가지고 </a:t>
-            </a:r>
-            <a:r>
-              <a:rPr lang="en-US" altLang="ko-KR" sz="3200" dirty="0"/>
-              <a:t>3</a:t>
-            </a:r>
-            <a:r>
-              <a:rPr lang="ko-KR" altLang="en-US" sz="3200" dirty="0"/>
-              <a:t>초 분량의 데이터를 </a:t>
-            </a:r>
-            <a:r>
-              <a:rPr lang="en-US" altLang="ko-KR" sz="3200" dirty="0"/>
-              <a:t>1</a:t>
-            </a:r>
-            <a:r>
-              <a:rPr lang="ko-KR" altLang="en-US" sz="3200" dirty="0"/>
-              <a:t>개의 윈도우로 설정</a:t>
-            </a:r>
-            <a:endParaRPr lang="en-US" altLang="ko-KR" sz="3200" dirty="0"/>
-          </a:p>
-          <a:p>
-            <a:pPr>
-              <a:spcBef>
-                <a:spcPts val="2400"/>
-              </a:spcBef>
-            </a:pPr>
-            <a:r>
-              <a:rPr lang="ko-KR" altLang="en-US" sz="3200" dirty="0"/>
-              <a:t>현재 시뮬레이터에서는 </a:t>
-            </a:r>
-            <a:r>
-              <a:rPr lang="en-US" altLang="ko-KR" sz="3200" dirty="0"/>
-              <a:t>1</a:t>
-            </a:r>
-            <a:r>
-              <a:rPr lang="ko-KR" altLang="en-US" sz="3200" dirty="0"/>
-              <a:t>초당 </a:t>
-            </a:r>
-            <a:r>
-              <a:rPr lang="en-US" altLang="ko-KR" sz="3200" dirty="0"/>
-              <a:t>30~32</a:t>
-            </a:r>
-            <a:r>
-              <a:rPr lang="ko-KR" altLang="en-US" sz="3200" dirty="0"/>
-              <a:t>개의 데이터가 생성</a:t>
-            </a:r>
-            <a:endParaRPr lang="en-US" altLang="ko-KR" sz="3200" dirty="0"/>
-          </a:p>
-        </p:txBody>
-      </p:sp>
-      <p:sp>
-        <p:nvSpPr>
-          <p:cNvPr id="5" name="슬라이드 번호 개체 틀 4">
-            <a:extLst>
-              <a:ext uri="{FF2B5EF4-FFF2-40B4-BE49-F238E27FC236}">
-                <a16:creationId xmlns:a16="http://schemas.microsoft.com/office/drawing/2014/main" id="{697479EF-A19F-4427-84A0-1ED090411FD0}"/>
-              </a:ext>
-            </a:extLst>
-          </p:cNvPr>
-          <p:cNvSpPr>
-            <a:spLocks noGrp="1"/>
-          </p:cNvSpPr>
-          <p:nvPr>
-            <p:ph type="sldNum" sz="quarter" idx="12"/>
-          </p:nvPr>
-        </p:nvSpPr>
-        <p:spPr/>
-        <p:txBody>
-          <a:bodyPr/>
-          <a:lstStyle/>
-          <a:p>
-            <a:fld id="{4FAB73BC-B049-4115-A692-8D63A059BFB8}" type="slidenum">
-              <a:rPr lang="en-US" smtClean="0"/>
-              <a:pPr/>
-              <a:t>6</a:t>
-            </a:fld>
-            <a:endParaRPr lang="en-US" dirty="0"/>
-          </a:p>
-        </p:txBody>
-      </p:sp>
-      <p:sp>
-        <p:nvSpPr>
-          <p:cNvPr id="4" name="날짜 개체 틀 3">
-            <a:extLst>
-              <a:ext uri="{FF2B5EF4-FFF2-40B4-BE49-F238E27FC236}">
-                <a16:creationId xmlns:a16="http://schemas.microsoft.com/office/drawing/2014/main" id="{97905E41-4DA2-442F-8CC2-64E7A53076B1}"/>
-              </a:ext>
-            </a:extLst>
-          </p:cNvPr>
-          <p:cNvSpPr>
-            <a:spLocks noGrp="1"/>
-          </p:cNvSpPr>
-          <p:nvPr>
-            <p:ph type="dt" sz="half" idx="10"/>
-          </p:nvPr>
-        </p:nvSpPr>
-        <p:spPr>
-          <a:xfrm>
-            <a:off x="0" y="6492875"/>
-            <a:ext cx="2743200" cy="365125"/>
-          </a:xfrm>
-        </p:spPr>
-        <p:txBody>
-          <a:bodyPr/>
-          <a:lstStyle/>
-          <a:p>
-            <a:fld id="{793FA439-1AF0-4114-85D0-94817C2CD7F4}" type="datetime1">
-              <a:rPr lang="ko-KR" altLang="en-US" smtClean="0"/>
-              <a:t>2020-07-23</a:t>
-            </a:fld>
-            <a:endParaRPr lang="en-US" dirty="0"/>
-          </a:p>
-        </p:txBody>
-      </p:sp>
-      <p:sp>
-        <p:nvSpPr>
-          <p:cNvPr id="6" name="바닥글 개체 틀 3">
-            <a:extLst>
-              <a:ext uri="{FF2B5EF4-FFF2-40B4-BE49-F238E27FC236}">
-                <a16:creationId xmlns:a16="http://schemas.microsoft.com/office/drawing/2014/main" id="{29675F6E-AB95-42A8-B21F-DF220282D235}"/>
-              </a:ext>
-            </a:extLst>
-          </p:cNvPr>
-          <p:cNvSpPr txBox="1">
-            <a:spLocks/>
-          </p:cNvSpPr>
-          <p:nvPr/>
-        </p:nvSpPr>
-        <p:spPr>
-          <a:xfrm>
-            <a:off x="3140241" y="150043"/>
-            <a:ext cx="5911517" cy="365125"/>
-          </a:xfrm>
-          <a:prstGeom prst="rect">
-            <a:avLst/>
-          </a:prstGeom>
-        </p:spPr>
-        <p:txBody>
-          <a:bodyPr vert="horz" lIns="91440" tIns="45720" rIns="91440" bIns="45720" rtlCol="0" anchor="ctr"/>
-          <a:lstStyle>
-            <a:defPPr>
-              <a:defRPr lang="en-US"/>
-            </a:defPPr>
-            <a:lvl1pPr marL="0" algn="l" defTabSz="457200" rtl="0" eaLnBrk="1" latinLnBrk="0" hangingPunct="1">
-              <a:defRPr sz="1100" kern="1200">
-                <a:solidFill>
-                  <a:schemeClr val="tx1">
-                    <a:lumMod val="50000"/>
-                    <a:lumOff val="50000"/>
-                  </a:schemeClr>
-                </a:solidFill>
-                <a:latin typeface="+mn-lt"/>
-                <a:ea typeface="+mn-ea"/>
-                <a:cs typeface="+mn-cs"/>
-              </a:defRPr>
-            </a:lvl1pPr>
-            <a:lvl2pPr marL="457200" algn="l" defTabSz="457200" rtl="0" eaLnBrk="1" latinLnBrk="0" hangingPunct="1">
-              <a:defRPr sz="1800" kern="1200">
-                <a:solidFill>
-                  <a:schemeClr val="tx1"/>
-                </a:solidFill>
-                <a:latin typeface="+mn-lt"/>
-                <a:ea typeface="+mn-ea"/>
-                <a:cs typeface="+mn-cs"/>
-              </a:defRPr>
-            </a:lvl2pPr>
-            <a:lvl3pPr marL="914400" algn="l" defTabSz="457200" rtl="0" eaLnBrk="1" latinLnBrk="0" hangingPunct="1">
-              <a:defRPr sz="1800" kern="1200">
-                <a:solidFill>
-                  <a:schemeClr val="tx1"/>
-                </a:solidFill>
-                <a:latin typeface="+mn-lt"/>
-                <a:ea typeface="+mn-ea"/>
-                <a:cs typeface="+mn-cs"/>
-              </a:defRPr>
-            </a:lvl3pPr>
-            <a:lvl4pPr marL="1371600" algn="l" defTabSz="457200" rtl="0" eaLnBrk="1" latinLnBrk="0" hangingPunct="1">
-              <a:defRPr sz="1800" kern="1200">
-                <a:solidFill>
-                  <a:schemeClr val="tx1"/>
-                </a:solidFill>
-                <a:latin typeface="+mn-lt"/>
-                <a:ea typeface="+mn-ea"/>
-                <a:cs typeface="+mn-cs"/>
-              </a:defRPr>
-            </a:lvl4pPr>
-            <a:lvl5pPr marL="1828800" algn="l" defTabSz="457200" rtl="0" eaLnBrk="1" latinLnBrk="0" hangingPunct="1">
-              <a:defRPr sz="1800" kern="1200">
-                <a:solidFill>
-                  <a:schemeClr val="tx1"/>
-                </a:solidFill>
-                <a:latin typeface="+mn-lt"/>
-                <a:ea typeface="+mn-ea"/>
-                <a:cs typeface="+mn-cs"/>
-              </a:defRPr>
-            </a:lvl5pPr>
-            <a:lvl6pPr marL="2286000" algn="l" defTabSz="457200" rtl="0" eaLnBrk="1" latinLnBrk="0" hangingPunct="1">
-              <a:defRPr sz="1800" kern="1200">
-                <a:solidFill>
-                  <a:schemeClr val="tx1"/>
-                </a:solidFill>
-                <a:latin typeface="+mn-lt"/>
-                <a:ea typeface="+mn-ea"/>
-                <a:cs typeface="+mn-cs"/>
-              </a:defRPr>
-            </a:lvl6pPr>
-            <a:lvl7pPr marL="2743200" algn="l" defTabSz="457200" rtl="0" eaLnBrk="1" latinLnBrk="0" hangingPunct="1">
-              <a:defRPr sz="1800" kern="1200">
-                <a:solidFill>
-                  <a:schemeClr val="tx1"/>
-                </a:solidFill>
-                <a:latin typeface="+mn-lt"/>
-                <a:ea typeface="+mn-ea"/>
-                <a:cs typeface="+mn-cs"/>
-              </a:defRPr>
-            </a:lvl7pPr>
-            <a:lvl8pPr marL="3200400" algn="l" defTabSz="457200" rtl="0" eaLnBrk="1" latinLnBrk="0" hangingPunct="1">
-              <a:defRPr sz="1800" kern="1200">
-                <a:solidFill>
-                  <a:schemeClr val="tx1"/>
-                </a:solidFill>
-                <a:latin typeface="+mn-lt"/>
-                <a:ea typeface="+mn-ea"/>
-                <a:cs typeface="+mn-cs"/>
-              </a:defRPr>
-            </a:lvl8pPr>
-            <a:lvl9pPr marL="3657600" algn="l" defTabSz="457200" rtl="0" eaLnBrk="1" latinLnBrk="0" hangingPunct="1">
-              <a:defRPr sz="1800" kern="1200">
-                <a:solidFill>
-                  <a:schemeClr val="tx1"/>
-                </a:solidFill>
-                <a:latin typeface="+mn-lt"/>
-                <a:ea typeface="+mn-ea"/>
-                <a:cs typeface="+mn-cs"/>
-              </a:defRPr>
-            </a:lvl9pPr>
-          </a:lstStyle>
-          <a:p>
-            <a:pPr algn="ctr"/>
-            <a:r>
-              <a:rPr lang="en-US" altLang="ko-KR" dirty="0"/>
-              <a:t>2020 </a:t>
-            </a:r>
-            <a:r>
-              <a:rPr lang="ko-KR" altLang="en-US" dirty="0"/>
-              <a:t>전기 졸업과제 팀 </a:t>
-            </a:r>
-            <a:r>
-              <a:rPr lang="en-US" altLang="ko-KR" dirty="0"/>
-              <a:t>38(ESLAB 2</a:t>
-            </a:r>
-            <a:r>
-              <a:rPr lang="ko-KR" altLang="en-US" dirty="0"/>
-              <a:t>조</a:t>
-            </a:r>
-            <a:r>
-              <a:rPr lang="en-US" altLang="ko-KR" dirty="0"/>
-              <a:t>)</a:t>
-            </a:r>
-          </a:p>
-          <a:p>
-            <a:pPr algn="ctr"/>
-            <a:r>
-              <a:rPr lang="en-US" altLang="ko-KR" dirty="0"/>
-              <a:t>[</a:t>
-            </a:r>
-            <a:r>
-              <a:rPr lang="ko-KR" altLang="en-US" dirty="0"/>
-              <a:t>여기에 팀 이름 입력</a:t>
-            </a:r>
-            <a:r>
-              <a:rPr lang="en-US" altLang="ko-KR" dirty="0"/>
-              <a:t>]</a:t>
-            </a:r>
-            <a:endParaRPr lang="en-US" dirty="0"/>
-          </a:p>
-        </p:txBody>
-      </p:sp>
-      <p:sp>
-        <p:nvSpPr>
-          <p:cNvPr id="7" name="TextBox 6">
-            <a:extLst>
-              <a:ext uri="{FF2B5EF4-FFF2-40B4-BE49-F238E27FC236}">
-                <a16:creationId xmlns:a16="http://schemas.microsoft.com/office/drawing/2014/main" id="{DF921F7D-E495-4662-8CA2-B81784899F14}"/>
-              </a:ext>
-            </a:extLst>
-          </p:cNvPr>
-          <p:cNvSpPr txBox="1"/>
-          <p:nvPr/>
-        </p:nvSpPr>
-        <p:spPr>
-          <a:xfrm>
-            <a:off x="1321141" y="949884"/>
-            <a:ext cx="9312994" cy="707886"/>
-          </a:xfrm>
-          <a:prstGeom prst="rect">
-            <a:avLst/>
-          </a:prstGeom>
-          <a:noFill/>
-        </p:spPr>
-        <p:txBody>
-          <a:bodyPr wrap="square" rtlCol="0">
-            <a:spAutoFit/>
-          </a:bodyPr>
-          <a:lstStyle/>
-          <a:p>
-            <a:r>
-              <a:rPr lang="ko-KR" altLang="en-US" sz="4000" dirty="0"/>
-              <a:t>실제 차량 센서 데이터 분석</a:t>
-            </a:r>
-          </a:p>
-        </p:txBody>
-      </p:sp>
-      <p:pic>
-        <p:nvPicPr>
-          <p:cNvPr id="9" name="그림 8" descr="스크린샷, 표지판이(가) 표시된 사진&#10;&#10;자동 생성된 설명">
-            <a:extLst>
-              <a:ext uri="{FF2B5EF4-FFF2-40B4-BE49-F238E27FC236}">
-                <a16:creationId xmlns:a16="http://schemas.microsoft.com/office/drawing/2014/main" id="{1BBBE821-B1A7-4E3E-B5BC-B1552345652E}"/>
-              </a:ext>
-            </a:extLst>
-          </p:cNvPr>
-          <p:cNvPicPr>
-            <a:picLocks noChangeAspect="1"/>
-          </p:cNvPicPr>
-          <p:nvPr/>
-        </p:nvPicPr>
-        <p:blipFill>
-          <a:blip r:embed="rId3"/>
-          <a:stretch>
-            <a:fillRect/>
-          </a:stretch>
-        </p:blipFill>
-        <p:spPr>
-          <a:xfrm>
-            <a:off x="1321141" y="2188402"/>
-            <a:ext cx="9630102" cy="1014883"/>
-          </a:xfrm>
-          <a:prstGeom prst="rect">
-            <a:avLst/>
-          </a:prstGeom>
-        </p:spPr>
-      </p:pic>
-    </p:spTree>
-    <p:extLst>
-      <p:ext uri="{BB962C8B-B14F-4D97-AF65-F5344CB8AC3E}">
-        <p14:creationId xmlns:p14="http://schemas.microsoft.com/office/powerpoint/2010/main" val="1834372175"/>
-      </p:ext>
-    </p:extLst>
-  </p:cSld>
-  <p:clrMapOvr>
-    <a:masterClrMapping/>
-  </p:clrMapOvr>
-</p:sld>
-</file>
-
-<file path=ppt/slides/slide7.xml><?xml version="1.0" encoding="utf-8"?>
-<p:sld xmlns:a="http://schemas.openxmlformats.org/drawingml/2006/main" xmlns:r="http://schemas.openxmlformats.org/officeDocument/2006/relationships" xmlns:p="http://schemas.openxmlformats.org/presentationml/2006/main">
-  <p:cSld>
-    <p:spTree>
-      <p:nvGrpSpPr>
-        <p:cNvPr id="1" name=""/>
-        <p:cNvGrpSpPr/>
-        <p:nvPr/>
-      </p:nvGrpSpPr>
-      <p:grpSpPr>
-        <a:xfrm>
-          <a:off x="0" y="0"/>
-          <a:ext cx="0" cy="0"/>
-          <a:chOff x="0" y="0"/>
-          <a:chExt cx="0" cy="0"/>
-        </a:xfrm>
-      </p:grpSpPr>
-      <p:sp>
-        <p:nvSpPr>
-          <p:cNvPr id="2" name="제목 1">
-            <a:extLst>
-              <a:ext uri="{FF2B5EF4-FFF2-40B4-BE49-F238E27FC236}">
-                <a16:creationId xmlns:a16="http://schemas.microsoft.com/office/drawing/2014/main" id="{DCF95126-78F4-44B0-AA86-107F55589E24}"/>
-              </a:ext>
-            </a:extLst>
-          </p:cNvPr>
-          <p:cNvSpPr>
-            <a:spLocks noGrp="1"/>
-          </p:cNvSpPr>
-          <p:nvPr>
-            <p:ph type="title"/>
-          </p:nvPr>
-        </p:nvSpPr>
-        <p:spPr/>
-        <p:txBody>
-          <a:bodyPr>
-            <a:noAutofit/>
-          </a:bodyPr>
-          <a:lstStyle/>
-          <a:p>
-            <a:pPr algn="ctr"/>
-            <a:r>
-              <a:rPr lang="ko-KR" altLang="en-US" sz="3200" b="1" dirty="0"/>
-              <a:t>현재 진행 상황</a:t>
-            </a:r>
-          </a:p>
-        </p:txBody>
-      </p:sp>
-      <p:sp>
-        <p:nvSpPr>
-          <p:cNvPr id="3" name="내용 개체 틀 2">
-            <a:extLst>
-              <a:ext uri="{FF2B5EF4-FFF2-40B4-BE49-F238E27FC236}">
-                <a16:creationId xmlns:a16="http://schemas.microsoft.com/office/drawing/2014/main" id="{F77CE3EF-26CF-4C89-A463-B0CE7D91F570}"/>
-              </a:ext>
-            </a:extLst>
-          </p:cNvPr>
-          <p:cNvSpPr>
-            <a:spLocks noGrp="1"/>
-          </p:cNvSpPr>
-          <p:nvPr>
-            <p:ph idx="1"/>
-          </p:nvPr>
-        </p:nvSpPr>
-        <p:spPr>
-          <a:xfrm>
-            <a:off x="1321142" y="864108"/>
-            <a:ext cx="10263986" cy="5993892"/>
-          </a:xfrm>
-        </p:spPr>
-        <p:txBody>
-          <a:bodyPr>
-            <a:normAutofit/>
-          </a:bodyPr>
-          <a:lstStyle/>
-          <a:p>
-            <a:pPr marL="0" indent="0">
-              <a:spcBef>
-                <a:spcPts val="2400"/>
-              </a:spcBef>
-              <a:buNone/>
-            </a:pPr>
-            <a:r>
-              <a:rPr lang="en-US" altLang="ko-KR" sz="3600" dirty="0"/>
-              <a:t>0.</a:t>
-            </a:r>
-            <a:r>
-              <a:rPr lang="ko-KR" altLang="en-US" sz="3600" dirty="0"/>
-              <a:t> 직진</a:t>
-            </a:r>
-            <a:endParaRPr lang="en-US" altLang="ko-KR" sz="3600" dirty="0"/>
-          </a:p>
-          <a:p>
-            <a:pPr marL="0" indent="0">
-              <a:spcBef>
-                <a:spcPts val="2400"/>
-              </a:spcBef>
-              <a:buNone/>
-            </a:pPr>
-            <a:r>
-              <a:rPr lang="en-US" altLang="ko-KR" sz="3600" dirty="0"/>
-              <a:t>1. </a:t>
-            </a:r>
-            <a:r>
-              <a:rPr lang="ko-KR" altLang="en-US" sz="3600" dirty="0"/>
-              <a:t>좌회전</a:t>
-            </a:r>
-            <a:r>
-              <a:rPr lang="en-US" altLang="ko-KR" sz="3600" dirty="0"/>
-              <a:t>				2. </a:t>
-            </a:r>
-            <a:r>
-              <a:rPr lang="ko-KR" altLang="en-US" sz="3600" dirty="0"/>
-              <a:t>우회전</a:t>
-            </a:r>
-            <a:endParaRPr lang="en-US" altLang="ko-KR" sz="3600" dirty="0"/>
-          </a:p>
-          <a:p>
-            <a:pPr marL="0" indent="0">
-              <a:spcBef>
-                <a:spcPts val="2400"/>
-              </a:spcBef>
-              <a:buNone/>
-            </a:pPr>
-            <a:r>
-              <a:rPr lang="en-US" altLang="ko-KR" sz="3600" dirty="0"/>
-              <a:t>3. </a:t>
-            </a:r>
-            <a:r>
-              <a:rPr lang="ko-KR" altLang="en-US" sz="3600" dirty="0"/>
-              <a:t>차선 변경</a:t>
-            </a:r>
-            <a:r>
-              <a:rPr lang="en-US" altLang="ko-KR" sz="3600" dirty="0"/>
-              <a:t>(</a:t>
-            </a:r>
-            <a:r>
-              <a:rPr lang="ko-KR" altLang="en-US" sz="3600" dirty="0"/>
-              <a:t>좌</a:t>
-            </a:r>
-            <a:r>
-              <a:rPr lang="en-US" altLang="ko-KR" sz="3600" dirty="0"/>
-              <a:t>)		4. </a:t>
-            </a:r>
-            <a:r>
-              <a:rPr lang="ko-KR" altLang="en-US" sz="3600" dirty="0"/>
-              <a:t>차선 변경</a:t>
-            </a:r>
-            <a:r>
-              <a:rPr lang="en-US" altLang="ko-KR" sz="3600" dirty="0"/>
-              <a:t>(</a:t>
-            </a:r>
-            <a:r>
-              <a:rPr lang="ko-KR" altLang="en-US" sz="3600" dirty="0"/>
-              <a:t>우</a:t>
-            </a:r>
-            <a:r>
-              <a:rPr lang="en-US" altLang="ko-KR" sz="3600" dirty="0"/>
-              <a:t>)</a:t>
-            </a:r>
-          </a:p>
-          <a:p>
-            <a:pPr marL="0" indent="0">
-              <a:spcBef>
-                <a:spcPts val="2400"/>
-              </a:spcBef>
-              <a:buNone/>
-            </a:pPr>
-            <a:r>
-              <a:rPr lang="en-US" altLang="ko-KR" sz="3600" dirty="0"/>
-              <a:t>5. </a:t>
-            </a:r>
-            <a:r>
-              <a:rPr lang="ko-KR" altLang="en-US" sz="3600" dirty="0"/>
-              <a:t>커브</a:t>
-            </a:r>
-            <a:r>
-              <a:rPr lang="en-US" altLang="ko-KR" sz="3600" dirty="0"/>
-              <a:t>(</a:t>
-            </a:r>
-            <a:r>
-              <a:rPr lang="ko-KR" altLang="en-US" sz="3600" dirty="0"/>
-              <a:t>좌</a:t>
-            </a:r>
-            <a:r>
-              <a:rPr lang="en-US" altLang="ko-KR" sz="3600" dirty="0"/>
-              <a:t>) 			6.</a:t>
-            </a:r>
-            <a:r>
-              <a:rPr lang="ko-KR" altLang="en-US" sz="3600" dirty="0"/>
-              <a:t>커브</a:t>
-            </a:r>
-            <a:r>
-              <a:rPr lang="en-US" altLang="ko-KR" sz="3600" dirty="0"/>
-              <a:t>(</a:t>
-            </a:r>
-            <a:r>
-              <a:rPr lang="ko-KR" altLang="en-US" sz="3600" dirty="0"/>
-              <a:t>우</a:t>
-            </a:r>
-            <a:r>
-              <a:rPr lang="en-US" altLang="ko-KR" sz="3600" dirty="0"/>
-              <a:t>) </a:t>
-            </a:r>
-          </a:p>
-          <a:p>
-            <a:pPr marL="0" indent="0">
-              <a:spcBef>
-                <a:spcPts val="2400"/>
-              </a:spcBef>
-              <a:buNone/>
-            </a:pPr>
-            <a:r>
-              <a:rPr lang="en-US" altLang="ko-KR" sz="3600" dirty="0"/>
-              <a:t>7. </a:t>
-            </a:r>
-            <a:r>
-              <a:rPr lang="ko-KR" altLang="en-US" sz="3600" dirty="0"/>
-              <a:t>정지</a:t>
-            </a:r>
-            <a:endParaRPr lang="en-US" altLang="ko-KR" sz="3600" dirty="0"/>
-          </a:p>
-        </p:txBody>
-      </p:sp>
-      <p:sp>
-        <p:nvSpPr>
-          <p:cNvPr id="5" name="슬라이드 번호 개체 틀 4">
-            <a:extLst>
-              <a:ext uri="{FF2B5EF4-FFF2-40B4-BE49-F238E27FC236}">
-                <a16:creationId xmlns:a16="http://schemas.microsoft.com/office/drawing/2014/main" id="{697479EF-A19F-4427-84A0-1ED090411FD0}"/>
-              </a:ext>
-            </a:extLst>
-          </p:cNvPr>
-          <p:cNvSpPr>
-            <a:spLocks noGrp="1"/>
-          </p:cNvSpPr>
-          <p:nvPr>
-            <p:ph type="sldNum" sz="quarter" idx="12"/>
-          </p:nvPr>
-        </p:nvSpPr>
-        <p:spPr/>
-        <p:txBody>
-          <a:bodyPr/>
-          <a:lstStyle/>
-          <a:p>
-            <a:fld id="{4FAB73BC-B049-4115-A692-8D63A059BFB8}" type="slidenum">
-              <a:rPr lang="en-US" smtClean="0"/>
-              <a:pPr/>
-              <a:t>7</a:t>
-            </a:fld>
-            <a:endParaRPr lang="en-US" dirty="0"/>
-          </a:p>
-        </p:txBody>
-      </p:sp>
-      <p:sp>
-        <p:nvSpPr>
-          <p:cNvPr id="4" name="날짜 개체 틀 3">
-            <a:extLst>
-              <a:ext uri="{FF2B5EF4-FFF2-40B4-BE49-F238E27FC236}">
-                <a16:creationId xmlns:a16="http://schemas.microsoft.com/office/drawing/2014/main" id="{97905E41-4DA2-442F-8CC2-64E7A53076B1}"/>
-              </a:ext>
-            </a:extLst>
-          </p:cNvPr>
-          <p:cNvSpPr>
-            <a:spLocks noGrp="1"/>
-          </p:cNvSpPr>
-          <p:nvPr>
-            <p:ph type="dt" sz="half" idx="10"/>
-          </p:nvPr>
-        </p:nvSpPr>
-        <p:spPr>
-          <a:xfrm>
-            <a:off x="0" y="6492875"/>
-            <a:ext cx="2743200" cy="365125"/>
-          </a:xfrm>
-        </p:spPr>
-        <p:txBody>
-          <a:bodyPr/>
-          <a:lstStyle/>
-          <a:p>
-            <a:fld id="{793FA439-1AF0-4114-85D0-94817C2CD7F4}" type="datetime1">
-              <a:rPr lang="ko-KR" altLang="en-US" smtClean="0"/>
-              <a:t>2020-07-23</a:t>
-            </a:fld>
-            <a:endParaRPr lang="en-US" dirty="0"/>
-          </a:p>
-        </p:txBody>
-      </p:sp>
-      <p:sp>
-        <p:nvSpPr>
-          <p:cNvPr id="6" name="바닥글 개체 틀 3">
-            <a:extLst>
-              <a:ext uri="{FF2B5EF4-FFF2-40B4-BE49-F238E27FC236}">
-                <a16:creationId xmlns:a16="http://schemas.microsoft.com/office/drawing/2014/main" id="{29675F6E-AB95-42A8-B21F-DF220282D235}"/>
-              </a:ext>
-            </a:extLst>
-          </p:cNvPr>
-          <p:cNvSpPr txBox="1">
-            <a:spLocks/>
-          </p:cNvSpPr>
-          <p:nvPr/>
-        </p:nvSpPr>
-        <p:spPr>
-          <a:xfrm>
-            <a:off x="3140241" y="150043"/>
-            <a:ext cx="5911517" cy="365125"/>
-          </a:xfrm>
-          <a:prstGeom prst="rect">
-            <a:avLst/>
-          </a:prstGeom>
-        </p:spPr>
-        <p:txBody>
-          <a:bodyPr vert="horz" lIns="91440" tIns="45720" rIns="91440" bIns="45720" rtlCol="0" anchor="ctr"/>
-          <a:lstStyle>
-            <a:defPPr>
-              <a:defRPr lang="en-US"/>
-            </a:defPPr>
-            <a:lvl1pPr marL="0" algn="l" defTabSz="457200" rtl="0" eaLnBrk="1" latinLnBrk="0" hangingPunct="1">
-              <a:defRPr sz="1100" kern="1200">
-                <a:solidFill>
-                  <a:schemeClr val="tx1">
-                    <a:lumMod val="50000"/>
-                    <a:lumOff val="50000"/>
-                  </a:schemeClr>
-                </a:solidFill>
-                <a:latin typeface="+mn-lt"/>
-                <a:ea typeface="+mn-ea"/>
-                <a:cs typeface="+mn-cs"/>
-              </a:defRPr>
-            </a:lvl1pPr>
-            <a:lvl2pPr marL="457200" algn="l" defTabSz="457200" rtl="0" eaLnBrk="1" latinLnBrk="0" hangingPunct="1">
-              <a:defRPr sz="1800" kern="1200">
-                <a:solidFill>
-                  <a:schemeClr val="tx1"/>
-                </a:solidFill>
-                <a:latin typeface="+mn-lt"/>
-                <a:ea typeface="+mn-ea"/>
-                <a:cs typeface="+mn-cs"/>
-              </a:defRPr>
-            </a:lvl2pPr>
-            <a:lvl3pPr marL="914400" algn="l" defTabSz="457200" rtl="0" eaLnBrk="1" latinLnBrk="0" hangingPunct="1">
-              <a:defRPr sz="1800" kern="1200">
-                <a:solidFill>
-                  <a:schemeClr val="tx1"/>
-                </a:solidFill>
-                <a:latin typeface="+mn-lt"/>
-                <a:ea typeface="+mn-ea"/>
-                <a:cs typeface="+mn-cs"/>
-              </a:defRPr>
-            </a:lvl3pPr>
-            <a:lvl4pPr marL="1371600" algn="l" defTabSz="457200" rtl="0" eaLnBrk="1" latinLnBrk="0" hangingPunct="1">
-              <a:defRPr sz="1800" kern="1200">
-                <a:solidFill>
-                  <a:schemeClr val="tx1"/>
-                </a:solidFill>
-                <a:latin typeface="+mn-lt"/>
-                <a:ea typeface="+mn-ea"/>
-                <a:cs typeface="+mn-cs"/>
-              </a:defRPr>
-            </a:lvl4pPr>
-            <a:lvl5pPr marL="1828800" algn="l" defTabSz="457200" rtl="0" eaLnBrk="1" latinLnBrk="0" hangingPunct="1">
-              <a:defRPr sz="1800" kern="1200">
-                <a:solidFill>
-                  <a:schemeClr val="tx1"/>
-                </a:solidFill>
-                <a:latin typeface="+mn-lt"/>
-                <a:ea typeface="+mn-ea"/>
-                <a:cs typeface="+mn-cs"/>
-              </a:defRPr>
-            </a:lvl5pPr>
-            <a:lvl6pPr marL="2286000" algn="l" defTabSz="457200" rtl="0" eaLnBrk="1" latinLnBrk="0" hangingPunct="1">
-              <a:defRPr sz="1800" kern="1200">
-                <a:solidFill>
-                  <a:schemeClr val="tx1"/>
-                </a:solidFill>
-                <a:latin typeface="+mn-lt"/>
-                <a:ea typeface="+mn-ea"/>
-                <a:cs typeface="+mn-cs"/>
-              </a:defRPr>
-            </a:lvl6pPr>
-            <a:lvl7pPr marL="2743200" algn="l" defTabSz="457200" rtl="0" eaLnBrk="1" latinLnBrk="0" hangingPunct="1">
-              <a:defRPr sz="1800" kern="1200">
-                <a:solidFill>
-                  <a:schemeClr val="tx1"/>
-                </a:solidFill>
-                <a:latin typeface="+mn-lt"/>
-                <a:ea typeface="+mn-ea"/>
-                <a:cs typeface="+mn-cs"/>
-              </a:defRPr>
-            </a:lvl7pPr>
-            <a:lvl8pPr marL="3200400" algn="l" defTabSz="457200" rtl="0" eaLnBrk="1" latinLnBrk="0" hangingPunct="1">
-              <a:defRPr sz="1800" kern="1200">
-                <a:solidFill>
-                  <a:schemeClr val="tx1"/>
-                </a:solidFill>
-                <a:latin typeface="+mn-lt"/>
-                <a:ea typeface="+mn-ea"/>
-                <a:cs typeface="+mn-cs"/>
-              </a:defRPr>
-            </a:lvl8pPr>
-            <a:lvl9pPr marL="3657600" algn="l" defTabSz="457200" rtl="0" eaLnBrk="1" latinLnBrk="0" hangingPunct="1">
-              <a:defRPr sz="1800" kern="1200">
-                <a:solidFill>
-                  <a:schemeClr val="tx1"/>
-                </a:solidFill>
-                <a:latin typeface="+mn-lt"/>
-                <a:ea typeface="+mn-ea"/>
-                <a:cs typeface="+mn-cs"/>
-              </a:defRPr>
-            </a:lvl9pPr>
-          </a:lstStyle>
-          <a:p>
-            <a:pPr algn="ctr"/>
-            <a:r>
-              <a:rPr lang="en-US" altLang="ko-KR" dirty="0"/>
-              <a:t>2020 </a:t>
-            </a:r>
-            <a:r>
-              <a:rPr lang="ko-KR" altLang="en-US" dirty="0"/>
-              <a:t>전기 졸업과제 팀 </a:t>
-            </a:r>
-            <a:r>
-              <a:rPr lang="en-US" altLang="ko-KR" dirty="0"/>
-              <a:t>38(ESLAB 2</a:t>
-            </a:r>
-            <a:r>
-              <a:rPr lang="ko-KR" altLang="en-US" dirty="0"/>
-              <a:t>조</a:t>
-            </a:r>
-            <a:r>
-              <a:rPr lang="en-US" altLang="ko-KR" dirty="0"/>
-              <a:t>)</a:t>
-            </a:r>
-          </a:p>
-          <a:p>
-            <a:pPr algn="ctr"/>
-            <a:r>
-              <a:rPr lang="en-US" altLang="ko-KR" dirty="0"/>
-              <a:t>[</a:t>
-            </a:r>
-            <a:r>
-              <a:rPr lang="ko-KR" altLang="en-US" dirty="0"/>
-              <a:t>여기에 팀 이름 입력</a:t>
-            </a:r>
-            <a:r>
-              <a:rPr lang="en-US" altLang="ko-KR" dirty="0"/>
-              <a:t>]</a:t>
-            </a:r>
-            <a:endParaRPr lang="en-US" dirty="0"/>
-          </a:p>
-        </p:txBody>
-      </p:sp>
-      <p:sp>
-        <p:nvSpPr>
-          <p:cNvPr id="7" name="TextBox 6">
-            <a:extLst>
-              <a:ext uri="{FF2B5EF4-FFF2-40B4-BE49-F238E27FC236}">
-                <a16:creationId xmlns:a16="http://schemas.microsoft.com/office/drawing/2014/main" id="{DF921F7D-E495-4662-8CA2-B81784899F14}"/>
-              </a:ext>
-            </a:extLst>
-          </p:cNvPr>
-          <p:cNvSpPr txBox="1"/>
-          <p:nvPr/>
-        </p:nvSpPr>
-        <p:spPr>
-          <a:xfrm>
-            <a:off x="1321142" y="949884"/>
-            <a:ext cx="6372430" cy="707886"/>
-          </a:xfrm>
-          <a:prstGeom prst="rect">
-            <a:avLst/>
-          </a:prstGeom>
-          <a:noFill/>
-        </p:spPr>
-        <p:txBody>
-          <a:bodyPr wrap="square" rtlCol="0">
-            <a:spAutoFit/>
-          </a:bodyPr>
-          <a:lstStyle/>
-          <a:p>
-            <a:r>
-              <a:rPr lang="ko-KR" altLang="en-US" sz="4000" dirty="0"/>
-              <a:t>분석 차량 상태</a:t>
-            </a:r>
-          </a:p>
-        </p:txBody>
-      </p:sp>
-    </p:spTree>
-    <p:extLst>
-      <p:ext uri="{BB962C8B-B14F-4D97-AF65-F5344CB8AC3E}">
-        <p14:creationId xmlns:p14="http://schemas.microsoft.com/office/powerpoint/2010/main" val="3808676551"/>
-      </p:ext>
-    </p:extLst>
-  </p:cSld>
-  <p:clrMapOvr>
-    <a:masterClrMapping/>
-  </p:clrMapOvr>
-</p:sld>
-</file>
-
-<file path=ppt/slides/slide8.xml><?xml version="1.0" encoding="utf-8"?>
-<p:sld xmlns:a="http://schemas.openxmlformats.org/drawingml/2006/main" xmlns:r="http://schemas.openxmlformats.org/officeDocument/2006/relationships" xmlns:p="http://schemas.openxmlformats.org/presentationml/2006/main">
-  <p:cSld>
-    <p:spTree>
-      <p:nvGrpSpPr>
-        <p:cNvPr id="1" name=""/>
-        <p:cNvGrpSpPr/>
-        <p:nvPr/>
-      </p:nvGrpSpPr>
-      <p:grpSpPr>
-        <a:xfrm>
-          <a:off x="0" y="0"/>
-          <a:ext cx="0" cy="0"/>
-          <a:chOff x="0" y="0"/>
-          <a:chExt cx="0" cy="0"/>
-        </a:xfrm>
-      </p:grpSpPr>
-      <p:pic>
-        <p:nvPicPr>
-          <p:cNvPr id="13" name="그림 12" descr="스크린샷이(가) 표시된 사진&#10;&#10;자동 생성된 설명">
-            <a:extLst>
-              <a:ext uri="{FF2B5EF4-FFF2-40B4-BE49-F238E27FC236}">
-                <a16:creationId xmlns:a16="http://schemas.microsoft.com/office/drawing/2014/main" id="{B32F27EF-E504-4168-8FD9-B416D97F5B02}"/>
-              </a:ext>
-            </a:extLst>
-          </p:cNvPr>
-          <p:cNvPicPr>
-            <a:picLocks noChangeAspect="1"/>
-          </p:cNvPicPr>
-          <p:nvPr/>
-        </p:nvPicPr>
-        <p:blipFill>
-          <a:blip r:embed="rId3"/>
-          <a:stretch>
-            <a:fillRect/>
-          </a:stretch>
-        </p:blipFill>
-        <p:spPr>
-          <a:xfrm>
-            <a:off x="6360160" y="515168"/>
-            <a:ext cx="5377881" cy="5850829"/>
-          </a:xfrm>
-          <a:prstGeom prst="rect">
-            <a:avLst/>
-          </a:prstGeom>
-        </p:spPr>
-      </p:pic>
-      <p:sp>
-        <p:nvSpPr>
-          <p:cNvPr id="2" name="제목 1">
-            <a:extLst>
-              <a:ext uri="{FF2B5EF4-FFF2-40B4-BE49-F238E27FC236}">
-                <a16:creationId xmlns:a16="http://schemas.microsoft.com/office/drawing/2014/main" id="{F527D3A4-2476-4C9D-B594-1FA1ED3CFA2B}"/>
-              </a:ext>
-            </a:extLst>
-          </p:cNvPr>
-          <p:cNvSpPr>
-            <a:spLocks noGrp="1"/>
-          </p:cNvSpPr>
-          <p:nvPr>
-            <p:ph type="title"/>
-          </p:nvPr>
-        </p:nvSpPr>
-        <p:spPr/>
-        <p:txBody>
-          <a:bodyPr>
-            <a:normAutofit/>
-          </a:bodyPr>
-          <a:lstStyle/>
-          <a:p>
-            <a:r>
-              <a:rPr lang="ko-KR" altLang="en-US" sz="3600" b="1" dirty="0"/>
-              <a:t>현재 진행 상황</a:t>
-            </a:r>
-            <a:endParaRPr lang="ko-KR" altLang="en-US" sz="3500" b="1" dirty="0"/>
-          </a:p>
-        </p:txBody>
-      </p:sp>
-      <p:sp>
-        <p:nvSpPr>
-          <p:cNvPr id="5" name="슬라이드 번호 개체 틀 4">
-            <a:extLst>
-              <a:ext uri="{FF2B5EF4-FFF2-40B4-BE49-F238E27FC236}">
-                <a16:creationId xmlns:a16="http://schemas.microsoft.com/office/drawing/2014/main" id="{B94218F4-8846-4E3F-853A-5F8555B0F85A}"/>
-              </a:ext>
-            </a:extLst>
-          </p:cNvPr>
-          <p:cNvSpPr>
-            <a:spLocks noGrp="1"/>
-          </p:cNvSpPr>
-          <p:nvPr>
-            <p:ph type="sldNum" sz="quarter" idx="12"/>
-          </p:nvPr>
-        </p:nvSpPr>
-        <p:spPr/>
-        <p:txBody>
-          <a:bodyPr/>
-          <a:lstStyle/>
-          <a:p>
-            <a:fld id="{4FAB73BC-B049-4115-A692-8D63A059BFB8}" type="slidenum">
-              <a:rPr lang="en-US" smtClean="0"/>
-              <a:pPr/>
-              <a:t>8</a:t>
-            </a:fld>
-            <a:endParaRPr lang="en-US" dirty="0"/>
-          </a:p>
-        </p:txBody>
-      </p:sp>
-      <p:sp>
-        <p:nvSpPr>
-          <p:cNvPr id="4" name="날짜 개체 틀 3">
-            <a:extLst>
-              <a:ext uri="{FF2B5EF4-FFF2-40B4-BE49-F238E27FC236}">
-                <a16:creationId xmlns:a16="http://schemas.microsoft.com/office/drawing/2014/main" id="{4BB7EE5D-927A-4CCF-A1D8-4B1D0DBF2832}"/>
-              </a:ext>
-            </a:extLst>
-          </p:cNvPr>
-          <p:cNvSpPr>
-            <a:spLocks noGrp="1"/>
-          </p:cNvSpPr>
-          <p:nvPr>
-            <p:ph type="dt" sz="half" idx="10"/>
-          </p:nvPr>
-        </p:nvSpPr>
-        <p:spPr>
-          <a:xfrm>
-            <a:off x="0" y="6492875"/>
-            <a:ext cx="2743200" cy="365125"/>
-          </a:xfrm>
-        </p:spPr>
-        <p:txBody>
-          <a:bodyPr/>
-          <a:lstStyle/>
-          <a:p>
-            <a:fld id="{835A3A55-8703-4404-B685-585B47BF8635}" type="datetime1">
-              <a:rPr lang="ko-KR" altLang="en-US" smtClean="0"/>
-              <a:t>2020-07-23</a:t>
-            </a:fld>
-            <a:endParaRPr lang="en-US" dirty="0"/>
-          </a:p>
-        </p:txBody>
-      </p:sp>
-      <p:sp>
-        <p:nvSpPr>
-          <p:cNvPr id="6" name="바닥글 개체 틀 3">
-            <a:extLst>
-              <a:ext uri="{FF2B5EF4-FFF2-40B4-BE49-F238E27FC236}">
-                <a16:creationId xmlns:a16="http://schemas.microsoft.com/office/drawing/2014/main" id="{A60952EA-DD37-49FE-B649-1749C242F52B}"/>
-              </a:ext>
-            </a:extLst>
-          </p:cNvPr>
-          <p:cNvSpPr txBox="1">
-            <a:spLocks/>
-          </p:cNvSpPr>
-          <p:nvPr/>
-        </p:nvSpPr>
-        <p:spPr>
-          <a:xfrm>
-            <a:off x="3140241" y="150043"/>
-            <a:ext cx="5911517" cy="365125"/>
-          </a:xfrm>
-          <a:prstGeom prst="rect">
-            <a:avLst/>
-          </a:prstGeom>
-        </p:spPr>
-        <p:txBody>
-          <a:bodyPr vert="horz" lIns="91440" tIns="45720" rIns="91440" bIns="45720" rtlCol="0" anchor="ctr"/>
-          <a:lstStyle>
-            <a:defPPr>
-              <a:defRPr lang="en-US"/>
-            </a:defPPr>
-            <a:lvl1pPr marL="0" algn="l" defTabSz="457200" rtl="0" eaLnBrk="1" latinLnBrk="0" hangingPunct="1">
-              <a:defRPr sz="1100" kern="1200">
-                <a:solidFill>
-                  <a:schemeClr val="tx1">
-                    <a:lumMod val="50000"/>
-                    <a:lumOff val="50000"/>
-                  </a:schemeClr>
-                </a:solidFill>
-                <a:latin typeface="+mn-lt"/>
-                <a:ea typeface="+mn-ea"/>
-                <a:cs typeface="+mn-cs"/>
-              </a:defRPr>
-            </a:lvl1pPr>
-            <a:lvl2pPr marL="457200" algn="l" defTabSz="457200" rtl="0" eaLnBrk="1" latinLnBrk="0" hangingPunct="1">
-              <a:defRPr sz="1800" kern="1200">
-                <a:solidFill>
-                  <a:schemeClr val="tx1"/>
-                </a:solidFill>
-                <a:latin typeface="+mn-lt"/>
-                <a:ea typeface="+mn-ea"/>
-                <a:cs typeface="+mn-cs"/>
-              </a:defRPr>
-            </a:lvl2pPr>
-            <a:lvl3pPr marL="914400" algn="l" defTabSz="457200" rtl="0" eaLnBrk="1" latinLnBrk="0" hangingPunct="1">
-              <a:defRPr sz="1800" kern="1200">
-                <a:solidFill>
-                  <a:schemeClr val="tx1"/>
-                </a:solidFill>
-                <a:latin typeface="+mn-lt"/>
-                <a:ea typeface="+mn-ea"/>
-                <a:cs typeface="+mn-cs"/>
-              </a:defRPr>
-            </a:lvl3pPr>
-            <a:lvl4pPr marL="1371600" algn="l" defTabSz="457200" rtl="0" eaLnBrk="1" latinLnBrk="0" hangingPunct="1">
-              <a:defRPr sz="1800" kern="1200">
-                <a:solidFill>
-                  <a:schemeClr val="tx1"/>
-                </a:solidFill>
-                <a:latin typeface="+mn-lt"/>
-                <a:ea typeface="+mn-ea"/>
-                <a:cs typeface="+mn-cs"/>
-              </a:defRPr>
-            </a:lvl4pPr>
-            <a:lvl5pPr marL="1828800" algn="l" defTabSz="457200" rtl="0" eaLnBrk="1" latinLnBrk="0" hangingPunct="1">
-              <a:defRPr sz="1800" kern="1200">
-                <a:solidFill>
-                  <a:schemeClr val="tx1"/>
-                </a:solidFill>
-                <a:latin typeface="+mn-lt"/>
-                <a:ea typeface="+mn-ea"/>
-                <a:cs typeface="+mn-cs"/>
-              </a:defRPr>
-            </a:lvl5pPr>
-            <a:lvl6pPr marL="2286000" algn="l" defTabSz="457200" rtl="0" eaLnBrk="1" latinLnBrk="0" hangingPunct="1">
-              <a:defRPr sz="1800" kern="1200">
-                <a:solidFill>
-                  <a:schemeClr val="tx1"/>
-                </a:solidFill>
-                <a:latin typeface="+mn-lt"/>
-                <a:ea typeface="+mn-ea"/>
-                <a:cs typeface="+mn-cs"/>
-              </a:defRPr>
-            </a:lvl6pPr>
-            <a:lvl7pPr marL="2743200" algn="l" defTabSz="457200" rtl="0" eaLnBrk="1" latinLnBrk="0" hangingPunct="1">
-              <a:defRPr sz="1800" kern="1200">
-                <a:solidFill>
-                  <a:schemeClr val="tx1"/>
-                </a:solidFill>
-                <a:latin typeface="+mn-lt"/>
-                <a:ea typeface="+mn-ea"/>
-                <a:cs typeface="+mn-cs"/>
-              </a:defRPr>
-            </a:lvl7pPr>
-            <a:lvl8pPr marL="3200400" algn="l" defTabSz="457200" rtl="0" eaLnBrk="1" latinLnBrk="0" hangingPunct="1">
-              <a:defRPr sz="1800" kern="1200">
-                <a:solidFill>
-                  <a:schemeClr val="tx1"/>
-                </a:solidFill>
-                <a:latin typeface="+mn-lt"/>
-                <a:ea typeface="+mn-ea"/>
-                <a:cs typeface="+mn-cs"/>
-              </a:defRPr>
-            </a:lvl8pPr>
-            <a:lvl9pPr marL="3657600" algn="l" defTabSz="457200" rtl="0" eaLnBrk="1" latinLnBrk="0" hangingPunct="1">
-              <a:defRPr sz="1800" kern="1200">
-                <a:solidFill>
-                  <a:schemeClr val="tx1"/>
-                </a:solidFill>
-                <a:latin typeface="+mn-lt"/>
-                <a:ea typeface="+mn-ea"/>
-                <a:cs typeface="+mn-cs"/>
-              </a:defRPr>
-            </a:lvl9pPr>
-          </a:lstStyle>
-          <a:p>
-            <a:pPr algn="ctr"/>
-            <a:r>
-              <a:rPr lang="en-US" altLang="ko-KR" dirty="0"/>
-              <a:t>2020 </a:t>
-            </a:r>
-            <a:r>
-              <a:rPr lang="ko-KR" altLang="en-US" dirty="0"/>
-              <a:t>전기 졸업과제 팀 </a:t>
-            </a:r>
-            <a:r>
-              <a:rPr lang="en-US" altLang="ko-KR" dirty="0"/>
-              <a:t>38(ESLAB 2</a:t>
-            </a:r>
-            <a:r>
-              <a:rPr lang="ko-KR" altLang="en-US" dirty="0"/>
-              <a:t>조</a:t>
-            </a:r>
-            <a:r>
-              <a:rPr lang="en-US" altLang="ko-KR" dirty="0"/>
-              <a:t>)</a:t>
-            </a:r>
-          </a:p>
-          <a:p>
-            <a:pPr algn="ctr"/>
-            <a:r>
-              <a:rPr lang="en-US" altLang="ko-KR" dirty="0"/>
-              <a:t>[</a:t>
-            </a:r>
-            <a:r>
-              <a:rPr lang="ko-KR" altLang="en-US" dirty="0"/>
-              <a:t>여기에 팀 이름 입력</a:t>
-            </a:r>
-            <a:r>
-              <a:rPr lang="en-US" altLang="ko-KR" dirty="0"/>
-              <a:t>]</a:t>
-            </a:r>
-            <a:endParaRPr lang="en-US" dirty="0"/>
-          </a:p>
-        </p:txBody>
-      </p:sp>
-      <p:sp>
-        <p:nvSpPr>
-          <p:cNvPr id="7" name="TextBox 6">
-            <a:extLst>
-              <a:ext uri="{FF2B5EF4-FFF2-40B4-BE49-F238E27FC236}">
-                <a16:creationId xmlns:a16="http://schemas.microsoft.com/office/drawing/2014/main" id="{363584E5-9A0C-434C-BB6F-A44FDBA3DBBC}"/>
-              </a:ext>
-            </a:extLst>
-          </p:cNvPr>
-          <p:cNvSpPr txBox="1"/>
-          <p:nvPr/>
-        </p:nvSpPr>
-        <p:spPr>
-          <a:xfrm>
-            <a:off x="1118223" y="729025"/>
-            <a:ext cx="5558076" cy="553998"/>
-          </a:xfrm>
-          <a:prstGeom prst="rect">
-            <a:avLst/>
-          </a:prstGeom>
-          <a:noFill/>
-        </p:spPr>
-        <p:txBody>
-          <a:bodyPr wrap="square" rtlCol="0">
-            <a:spAutoFit/>
-          </a:bodyPr>
-          <a:lstStyle/>
-          <a:p>
-            <a:r>
-              <a:rPr lang="ko-KR" altLang="en-US" sz="3000" dirty="0"/>
-              <a:t>상태 분석 모델</a:t>
-            </a:r>
-          </a:p>
-        </p:txBody>
-      </p:sp>
-      <p:pic>
-        <p:nvPicPr>
-          <p:cNvPr id="9" name="그림 8" descr="텍스트, 지도이(가) 표시된 사진&#10;&#10;자동 생성된 설명">
-            <a:extLst>
-              <a:ext uri="{FF2B5EF4-FFF2-40B4-BE49-F238E27FC236}">
-                <a16:creationId xmlns:a16="http://schemas.microsoft.com/office/drawing/2014/main" id="{65755DFB-0CB1-4F30-A726-6824D03AB510}"/>
-              </a:ext>
-            </a:extLst>
-          </p:cNvPr>
-          <p:cNvPicPr>
-            <a:picLocks noChangeAspect="1"/>
-          </p:cNvPicPr>
-          <p:nvPr/>
-        </p:nvPicPr>
-        <p:blipFill>
-          <a:blip r:embed="rId4"/>
-          <a:stretch>
-            <a:fillRect/>
-          </a:stretch>
-        </p:blipFill>
-        <p:spPr>
-          <a:xfrm>
-            <a:off x="1118224" y="1253592"/>
-            <a:ext cx="5562760" cy="4471428"/>
-          </a:xfrm>
-          <a:prstGeom prst="rect">
-            <a:avLst/>
-          </a:prstGeom>
-        </p:spPr>
-      </p:pic>
-      <p:sp>
-        <p:nvSpPr>
-          <p:cNvPr id="10" name="TextBox 9">
-            <a:extLst>
-              <a:ext uri="{FF2B5EF4-FFF2-40B4-BE49-F238E27FC236}">
-                <a16:creationId xmlns:a16="http://schemas.microsoft.com/office/drawing/2014/main" id="{D7C93AB8-9A3C-4195-94AE-08313A911385}"/>
-              </a:ext>
-            </a:extLst>
-          </p:cNvPr>
-          <p:cNvSpPr txBox="1"/>
-          <p:nvPr/>
-        </p:nvSpPr>
-        <p:spPr>
-          <a:xfrm>
-            <a:off x="5582722" y="5725020"/>
-            <a:ext cx="700833" cy="430887"/>
-          </a:xfrm>
-          <a:prstGeom prst="rect">
-            <a:avLst/>
-          </a:prstGeom>
-          <a:noFill/>
-        </p:spPr>
-        <p:txBody>
-          <a:bodyPr wrap="none" rtlCol="0">
-            <a:spAutoFit/>
-          </a:bodyPr>
-          <a:lstStyle/>
-          <a:p>
-            <a:r>
-              <a:rPr lang="en-US" altLang="ko-KR" sz="1050" b="1" dirty="0"/>
-              <a:t>8-tensor</a:t>
-            </a:r>
-          </a:p>
-          <a:p>
-            <a:r>
-              <a:rPr lang="en-US" altLang="ko-KR" sz="1050" b="1" dirty="0"/>
-              <a:t>  Layer</a:t>
-            </a:r>
-            <a:endParaRPr lang="ko-KR" altLang="en-US" sz="1050" b="1" dirty="0"/>
-          </a:p>
-        </p:txBody>
-      </p:sp>
-    </p:spTree>
-    <p:extLst>
-      <p:ext uri="{BB962C8B-B14F-4D97-AF65-F5344CB8AC3E}">
-        <p14:creationId xmlns:p14="http://schemas.microsoft.com/office/powerpoint/2010/main" val="2850760943"/>
-      </p:ext>
-    </p:extLst>
-  </p:cSld>
-  <p:clrMapOvr>
-    <a:masterClrMapping/>
-  </p:clrMapOvr>
-</p:sld>
-</file>
-
-<file path=ppt/slides/slide9.xml><?xml version="1.0" encoding="utf-8"?>
-<p:sld xmlns:a="http://schemas.openxmlformats.org/drawingml/2006/main" xmlns:r="http://schemas.openxmlformats.org/officeDocument/2006/relationships" xmlns:p="http://schemas.openxmlformats.org/presentationml/2006/main">
-  <p:cSld>
-    <p:spTree>
-      <p:nvGrpSpPr>
-        <p:cNvPr id="1" name=""/>
-        <p:cNvGrpSpPr/>
-        <p:nvPr/>
-      </p:nvGrpSpPr>
-      <p:grpSpPr>
-        <a:xfrm>
-          <a:off x="0" y="0"/>
-          <a:ext cx="0" cy="0"/>
-          <a:chOff x="0" y="0"/>
-          <a:chExt cx="0" cy="0"/>
-        </a:xfrm>
-      </p:grpSpPr>
-      <p:sp>
-        <p:nvSpPr>
-          <p:cNvPr id="2" name="제목 1">
-            <a:extLst>
-              <a:ext uri="{FF2B5EF4-FFF2-40B4-BE49-F238E27FC236}">
-                <a16:creationId xmlns:a16="http://schemas.microsoft.com/office/drawing/2014/main" id="{F527D3A4-2476-4C9D-B594-1FA1ED3CFA2B}"/>
-              </a:ext>
-            </a:extLst>
-          </p:cNvPr>
-          <p:cNvSpPr>
-            <a:spLocks noGrp="1"/>
-          </p:cNvSpPr>
-          <p:nvPr>
-            <p:ph type="title"/>
-          </p:nvPr>
-        </p:nvSpPr>
-        <p:spPr/>
-        <p:txBody>
-          <a:bodyPr>
-            <a:normAutofit/>
-          </a:bodyPr>
-          <a:lstStyle/>
-          <a:p>
-            <a:r>
-              <a:rPr lang="ko-KR" altLang="en-US" sz="3600" b="1" dirty="0"/>
-              <a:t>현재 진행 상황</a:t>
-            </a:r>
-            <a:endParaRPr lang="ko-KR" altLang="en-US" sz="3500" b="1" dirty="0"/>
-          </a:p>
-        </p:txBody>
-      </p:sp>
-      <p:sp>
-        <p:nvSpPr>
-          <p:cNvPr id="5" name="슬라이드 번호 개체 틀 4">
-            <a:extLst>
-              <a:ext uri="{FF2B5EF4-FFF2-40B4-BE49-F238E27FC236}">
-                <a16:creationId xmlns:a16="http://schemas.microsoft.com/office/drawing/2014/main" id="{B94218F4-8846-4E3F-853A-5F8555B0F85A}"/>
-              </a:ext>
-            </a:extLst>
-          </p:cNvPr>
-          <p:cNvSpPr>
-            <a:spLocks noGrp="1"/>
-          </p:cNvSpPr>
-          <p:nvPr>
-            <p:ph type="sldNum" sz="quarter" idx="12"/>
-          </p:nvPr>
-        </p:nvSpPr>
-        <p:spPr/>
-        <p:txBody>
-          <a:bodyPr/>
-          <a:lstStyle/>
-          <a:p>
-            <a:fld id="{4FAB73BC-B049-4115-A692-8D63A059BFB8}" type="slidenum">
-              <a:rPr lang="en-US" smtClean="0"/>
-              <a:pPr/>
-              <a:t>9</a:t>
-            </a:fld>
-            <a:endParaRPr lang="en-US" dirty="0"/>
-          </a:p>
-        </p:txBody>
-      </p:sp>
-      <p:sp>
-        <p:nvSpPr>
-          <p:cNvPr id="4" name="날짜 개체 틀 3">
-            <a:extLst>
-              <a:ext uri="{FF2B5EF4-FFF2-40B4-BE49-F238E27FC236}">
-                <a16:creationId xmlns:a16="http://schemas.microsoft.com/office/drawing/2014/main" id="{4BB7EE5D-927A-4CCF-A1D8-4B1D0DBF2832}"/>
-              </a:ext>
-            </a:extLst>
-          </p:cNvPr>
-          <p:cNvSpPr>
-            <a:spLocks noGrp="1"/>
-          </p:cNvSpPr>
-          <p:nvPr>
-            <p:ph type="dt" sz="half" idx="10"/>
-          </p:nvPr>
-        </p:nvSpPr>
-        <p:spPr>
-          <a:xfrm>
-            <a:off x="0" y="6492875"/>
-            <a:ext cx="2743200" cy="365125"/>
-          </a:xfrm>
-        </p:spPr>
-        <p:txBody>
-          <a:bodyPr/>
-          <a:lstStyle/>
-          <a:p>
-            <a:fld id="{835A3A55-8703-4404-B685-585B47BF8635}" type="datetime1">
-              <a:rPr lang="ko-KR" altLang="en-US" smtClean="0"/>
-              <a:t>2020-07-23</a:t>
-            </a:fld>
-            <a:endParaRPr lang="en-US" dirty="0"/>
-          </a:p>
-        </p:txBody>
-      </p:sp>
-      <p:sp>
-        <p:nvSpPr>
-          <p:cNvPr id="6" name="바닥글 개체 틀 3">
-            <a:extLst>
-              <a:ext uri="{FF2B5EF4-FFF2-40B4-BE49-F238E27FC236}">
-                <a16:creationId xmlns:a16="http://schemas.microsoft.com/office/drawing/2014/main" id="{A60952EA-DD37-49FE-B649-1749C242F52B}"/>
-              </a:ext>
-            </a:extLst>
-          </p:cNvPr>
-          <p:cNvSpPr txBox="1">
-            <a:spLocks/>
-          </p:cNvSpPr>
-          <p:nvPr/>
-        </p:nvSpPr>
-        <p:spPr>
-          <a:xfrm>
-            <a:off x="3140241" y="150043"/>
-            <a:ext cx="5911517" cy="365125"/>
-          </a:xfrm>
-          <a:prstGeom prst="rect">
-            <a:avLst/>
-          </a:prstGeom>
-        </p:spPr>
-        <p:txBody>
-          <a:bodyPr vert="horz" lIns="91440" tIns="45720" rIns="91440" bIns="45720" rtlCol="0" anchor="ctr"/>
-          <a:lstStyle>
-            <a:defPPr>
-              <a:defRPr lang="en-US"/>
-            </a:defPPr>
-            <a:lvl1pPr marL="0" algn="l" defTabSz="457200" rtl="0" eaLnBrk="1" latinLnBrk="0" hangingPunct="1">
-              <a:defRPr sz="1100" kern="1200">
-                <a:solidFill>
-                  <a:schemeClr val="tx1">
-                    <a:lumMod val="50000"/>
-                    <a:lumOff val="50000"/>
-                  </a:schemeClr>
-                </a:solidFill>
-                <a:latin typeface="+mn-lt"/>
-                <a:ea typeface="+mn-ea"/>
-                <a:cs typeface="+mn-cs"/>
-              </a:defRPr>
-            </a:lvl1pPr>
-            <a:lvl2pPr marL="457200" algn="l" defTabSz="457200" rtl="0" eaLnBrk="1" latinLnBrk="0" hangingPunct="1">
-              <a:defRPr sz="1800" kern="1200">
-                <a:solidFill>
-                  <a:schemeClr val="tx1"/>
-                </a:solidFill>
-                <a:latin typeface="+mn-lt"/>
-                <a:ea typeface="+mn-ea"/>
-                <a:cs typeface="+mn-cs"/>
-              </a:defRPr>
-            </a:lvl2pPr>
-            <a:lvl3pPr marL="914400" algn="l" defTabSz="457200" rtl="0" eaLnBrk="1" latinLnBrk="0" hangingPunct="1">
-              <a:defRPr sz="1800" kern="1200">
-                <a:solidFill>
-                  <a:schemeClr val="tx1"/>
-                </a:solidFill>
-                <a:latin typeface="+mn-lt"/>
-                <a:ea typeface="+mn-ea"/>
-                <a:cs typeface="+mn-cs"/>
-              </a:defRPr>
-            </a:lvl3pPr>
-            <a:lvl4pPr marL="1371600" algn="l" defTabSz="457200" rtl="0" eaLnBrk="1" latinLnBrk="0" hangingPunct="1">
-              <a:defRPr sz="1800" kern="1200">
-                <a:solidFill>
-                  <a:schemeClr val="tx1"/>
-                </a:solidFill>
-                <a:latin typeface="+mn-lt"/>
-                <a:ea typeface="+mn-ea"/>
-                <a:cs typeface="+mn-cs"/>
-              </a:defRPr>
-            </a:lvl4pPr>
-            <a:lvl5pPr marL="1828800" algn="l" defTabSz="457200" rtl="0" eaLnBrk="1" latinLnBrk="0" hangingPunct="1">
-              <a:defRPr sz="1800" kern="1200">
-                <a:solidFill>
-                  <a:schemeClr val="tx1"/>
-                </a:solidFill>
-                <a:latin typeface="+mn-lt"/>
-                <a:ea typeface="+mn-ea"/>
-                <a:cs typeface="+mn-cs"/>
-              </a:defRPr>
-            </a:lvl5pPr>
-            <a:lvl6pPr marL="2286000" algn="l" defTabSz="457200" rtl="0" eaLnBrk="1" latinLnBrk="0" hangingPunct="1">
-              <a:defRPr sz="1800" kern="1200">
-                <a:solidFill>
-                  <a:schemeClr val="tx1"/>
-                </a:solidFill>
-                <a:latin typeface="+mn-lt"/>
-                <a:ea typeface="+mn-ea"/>
-                <a:cs typeface="+mn-cs"/>
-              </a:defRPr>
-            </a:lvl6pPr>
-            <a:lvl7pPr marL="2743200" algn="l" defTabSz="457200" rtl="0" eaLnBrk="1" latinLnBrk="0" hangingPunct="1">
-              <a:defRPr sz="1800" kern="1200">
-                <a:solidFill>
-                  <a:schemeClr val="tx1"/>
-                </a:solidFill>
-                <a:latin typeface="+mn-lt"/>
-                <a:ea typeface="+mn-ea"/>
-                <a:cs typeface="+mn-cs"/>
-              </a:defRPr>
-            </a:lvl7pPr>
-            <a:lvl8pPr marL="3200400" algn="l" defTabSz="457200" rtl="0" eaLnBrk="1" latinLnBrk="0" hangingPunct="1">
-              <a:defRPr sz="1800" kern="1200">
-                <a:solidFill>
-                  <a:schemeClr val="tx1"/>
-                </a:solidFill>
-                <a:latin typeface="+mn-lt"/>
-                <a:ea typeface="+mn-ea"/>
-                <a:cs typeface="+mn-cs"/>
-              </a:defRPr>
-            </a:lvl8pPr>
-            <a:lvl9pPr marL="3657600" algn="l" defTabSz="457200" rtl="0" eaLnBrk="1" latinLnBrk="0" hangingPunct="1">
-              <a:defRPr sz="1800" kern="1200">
-                <a:solidFill>
-                  <a:schemeClr val="tx1"/>
-                </a:solidFill>
-                <a:latin typeface="+mn-lt"/>
-                <a:ea typeface="+mn-ea"/>
-                <a:cs typeface="+mn-cs"/>
-              </a:defRPr>
-            </a:lvl9pPr>
-          </a:lstStyle>
-          <a:p>
-            <a:pPr algn="ctr"/>
-            <a:r>
-              <a:rPr lang="en-US" altLang="ko-KR" dirty="0"/>
-              <a:t>2020 </a:t>
-            </a:r>
-            <a:r>
-              <a:rPr lang="ko-KR" altLang="en-US" dirty="0"/>
-              <a:t>전기 졸업과제 팀 </a:t>
-            </a:r>
-            <a:r>
-              <a:rPr lang="en-US" altLang="ko-KR" dirty="0"/>
-              <a:t>38(ESLAB 2</a:t>
-            </a:r>
-            <a:r>
-              <a:rPr lang="ko-KR" altLang="en-US" dirty="0"/>
-              <a:t>조</a:t>
-            </a:r>
-            <a:r>
-              <a:rPr lang="en-US" altLang="ko-KR" dirty="0"/>
-              <a:t>)</a:t>
-            </a:r>
-          </a:p>
-          <a:p>
-            <a:pPr algn="ctr"/>
-            <a:r>
-              <a:rPr lang="en-US" altLang="ko-KR" dirty="0"/>
-              <a:t>[</a:t>
-            </a:r>
-            <a:r>
-              <a:rPr lang="ko-KR" altLang="en-US" dirty="0"/>
-              <a:t>여기에 팀 이름 입력</a:t>
-            </a:r>
-            <a:r>
-              <a:rPr lang="en-US" altLang="ko-KR" dirty="0"/>
-              <a:t>]</a:t>
-            </a:r>
-            <a:endParaRPr lang="en-US" dirty="0"/>
-          </a:p>
-        </p:txBody>
-      </p:sp>
-      <p:sp>
-        <p:nvSpPr>
-          <p:cNvPr id="7" name="TextBox 6">
-            <a:extLst>
-              <a:ext uri="{FF2B5EF4-FFF2-40B4-BE49-F238E27FC236}">
-                <a16:creationId xmlns:a16="http://schemas.microsoft.com/office/drawing/2014/main" id="{363584E5-9A0C-434C-BB6F-A44FDBA3DBBC}"/>
-              </a:ext>
-            </a:extLst>
-          </p:cNvPr>
-          <p:cNvSpPr txBox="1"/>
-          <p:nvPr/>
-        </p:nvSpPr>
-        <p:spPr>
-          <a:xfrm>
-            <a:off x="1118223" y="729025"/>
-            <a:ext cx="5558076" cy="553998"/>
-          </a:xfrm>
-          <a:prstGeom prst="rect">
-            <a:avLst/>
-          </a:prstGeom>
-          <a:noFill/>
-        </p:spPr>
-        <p:txBody>
-          <a:bodyPr wrap="square" rtlCol="0">
-            <a:spAutoFit/>
-          </a:bodyPr>
-          <a:lstStyle/>
-          <a:p>
-            <a:r>
-              <a:rPr lang="ko-KR" altLang="en-US" sz="3000" dirty="0"/>
-              <a:t>데이터 예측 결과</a:t>
-            </a:r>
-            <a:r>
-              <a:rPr lang="en-US" altLang="ko-KR" sz="3000" dirty="0"/>
-              <a:t>(</a:t>
-            </a:r>
-            <a:r>
-              <a:rPr lang="ko-KR" altLang="en-US" sz="3000" dirty="0"/>
-              <a:t>시뮬레이터</a:t>
-            </a:r>
-            <a:r>
-              <a:rPr lang="en-US" altLang="ko-KR" sz="3000" dirty="0"/>
-              <a:t>)</a:t>
-            </a:r>
-            <a:endParaRPr lang="ko-KR" altLang="en-US" sz="3000" dirty="0"/>
-          </a:p>
-        </p:txBody>
-      </p:sp>
-      <p:sp>
-        <p:nvSpPr>
-          <p:cNvPr id="15" name="TextBox 14">
-            <a:extLst>
-              <a:ext uri="{FF2B5EF4-FFF2-40B4-BE49-F238E27FC236}">
-                <a16:creationId xmlns:a16="http://schemas.microsoft.com/office/drawing/2014/main" id="{0E112199-EF7E-4BC3-BA6D-7BC4EB7D57C7}"/>
-              </a:ext>
-            </a:extLst>
-          </p:cNvPr>
-          <p:cNvSpPr txBox="1"/>
-          <p:nvPr/>
-        </p:nvSpPr>
-        <p:spPr>
-          <a:xfrm>
-            <a:off x="1118223" y="2527989"/>
-            <a:ext cx="6830716" cy="3046988"/>
-          </a:xfrm>
-          <a:prstGeom prst="rect">
-            <a:avLst/>
-          </a:prstGeom>
-          <a:noFill/>
-        </p:spPr>
-        <p:txBody>
-          <a:bodyPr wrap="none" rtlCol="0">
-            <a:spAutoFit/>
-          </a:bodyPr>
-          <a:lstStyle/>
-          <a:p>
-            <a:r>
-              <a:rPr lang="ko-KR" altLang="en-US" sz="3200" dirty="0"/>
-              <a:t>테스트 데이터에 대해 </a:t>
-            </a:r>
-            <a:r>
-              <a:rPr lang="en-US" altLang="ko-KR" sz="3200" b="1" dirty="0">
-                <a:solidFill>
-                  <a:srgbClr val="FF0000"/>
-                </a:solidFill>
-              </a:rPr>
-              <a:t>78%</a:t>
-            </a:r>
-            <a:r>
-              <a:rPr lang="ko-KR" altLang="en-US" sz="3200" dirty="0"/>
-              <a:t>의 정확도</a:t>
-            </a:r>
-            <a:endParaRPr lang="en-US" altLang="ko-KR" sz="3200" dirty="0"/>
-          </a:p>
-          <a:p>
-            <a:endParaRPr lang="en-US" altLang="ko-KR" sz="3200" dirty="0"/>
-          </a:p>
-          <a:p>
-            <a:r>
-              <a:rPr lang="en-US" altLang="ko-KR" sz="3200" dirty="0"/>
-              <a:t>=&gt; </a:t>
-            </a:r>
-            <a:r>
-              <a:rPr lang="ko-KR" altLang="en-US" sz="3200" dirty="0"/>
-              <a:t>학습 데이터에 대해 </a:t>
-            </a:r>
-            <a:r>
-              <a:rPr lang="en-US" altLang="ko-KR" sz="3200" dirty="0"/>
-              <a:t>86%</a:t>
-            </a:r>
-            <a:r>
-              <a:rPr lang="ko-KR" altLang="en-US" sz="3200" dirty="0"/>
-              <a:t>의 정확도</a:t>
-            </a:r>
-            <a:endParaRPr lang="en-US" altLang="ko-KR" sz="3200" dirty="0"/>
-          </a:p>
-          <a:p>
-            <a:r>
-              <a:rPr lang="ko-KR" altLang="en-US" sz="3200" dirty="0" err="1"/>
-              <a:t>를</a:t>
-            </a:r>
-            <a:r>
-              <a:rPr lang="ko-KR" altLang="en-US" sz="3200" dirty="0"/>
-              <a:t> 보이는 것으로 보아 더 많고 정확한</a:t>
-            </a:r>
-            <a:endParaRPr lang="en-US" altLang="ko-KR" sz="3200" dirty="0"/>
-          </a:p>
-          <a:p>
-            <a:r>
-              <a:rPr lang="ko-KR" altLang="en-US" sz="3200" dirty="0"/>
-              <a:t>데이터 수집과 </a:t>
-            </a:r>
-            <a:r>
-              <a:rPr lang="en-US" altLang="ko-KR" sz="3200" dirty="0"/>
-              <a:t>labeling</a:t>
-            </a:r>
-            <a:r>
-              <a:rPr lang="ko-KR" altLang="en-US" sz="3200" dirty="0"/>
-              <a:t>이 필요</a:t>
-            </a:r>
-            <a:endParaRPr lang="en-US" altLang="ko-KR" sz="3200" dirty="0"/>
-          </a:p>
-          <a:p>
-            <a:r>
-              <a:rPr lang="en-US" altLang="ko-KR" sz="3200" dirty="0"/>
-              <a:t>=&gt; </a:t>
-            </a:r>
-            <a:r>
-              <a:rPr lang="ko-KR" altLang="en-US" sz="3200" dirty="0"/>
-              <a:t>새로운 모델을 구축 시도가 필요 </a:t>
-            </a:r>
-            <a:endParaRPr lang="en-US" altLang="ko-KR" sz="3200" dirty="0"/>
-          </a:p>
-        </p:txBody>
-      </p:sp>
-      <p:pic>
-        <p:nvPicPr>
-          <p:cNvPr id="9" name="그림 8" descr="스크린샷이(가) 표시된 사진&#10;&#10;자동 생성된 설명">
-            <a:extLst>
-              <a:ext uri="{FF2B5EF4-FFF2-40B4-BE49-F238E27FC236}">
-                <a16:creationId xmlns:a16="http://schemas.microsoft.com/office/drawing/2014/main" id="{7EF792A7-88BB-45A5-A817-FA12E448B987}"/>
-              </a:ext>
-            </a:extLst>
-          </p:cNvPr>
-          <p:cNvPicPr>
-            <a:picLocks noChangeAspect="1"/>
-          </p:cNvPicPr>
-          <p:nvPr/>
-        </p:nvPicPr>
-        <p:blipFill rotWithShape="1">
-          <a:blip r:embed="rId3"/>
-          <a:srcRect b="90879"/>
-          <a:stretch/>
-        </p:blipFill>
-        <p:spPr>
-          <a:xfrm>
-            <a:off x="1118223" y="1283023"/>
-            <a:ext cx="4336156" cy="553998"/>
-          </a:xfrm>
-          <a:prstGeom prst="rect">
-            <a:avLst/>
-          </a:prstGeom>
-        </p:spPr>
-      </p:pic>
-      <p:pic>
-        <p:nvPicPr>
-          <p:cNvPr id="12" name="그림 11" descr="스크린샷이(가) 표시된 사진&#10;&#10;자동 생성된 설명">
-            <a:extLst>
-              <a:ext uri="{FF2B5EF4-FFF2-40B4-BE49-F238E27FC236}">
-                <a16:creationId xmlns:a16="http://schemas.microsoft.com/office/drawing/2014/main" id="{A9692FE3-3C27-4B61-A590-A3A4ABE91C38}"/>
-              </a:ext>
-            </a:extLst>
-          </p:cNvPr>
-          <p:cNvPicPr>
-            <a:picLocks noChangeAspect="1"/>
-          </p:cNvPicPr>
-          <p:nvPr/>
-        </p:nvPicPr>
-        <p:blipFill rotWithShape="1">
-          <a:blip r:embed="rId3"/>
-          <a:srcRect t="94454"/>
-          <a:stretch/>
-        </p:blipFill>
-        <p:spPr>
-          <a:xfrm>
-            <a:off x="1118223" y="1892570"/>
-            <a:ext cx="4336156" cy="336858"/>
-          </a:xfrm>
-          <a:prstGeom prst="rect">
-            <a:avLst/>
-          </a:prstGeom>
-        </p:spPr>
-      </p:pic>
-      <p:pic>
-        <p:nvPicPr>
-          <p:cNvPr id="16" name="그림 15">
-            <a:extLst>
-              <a:ext uri="{FF2B5EF4-FFF2-40B4-BE49-F238E27FC236}">
-                <a16:creationId xmlns:a16="http://schemas.microsoft.com/office/drawing/2014/main" id="{4A9C144E-9098-4D05-8BC8-938CD06A3336}"/>
-              </a:ext>
-            </a:extLst>
-          </p:cNvPr>
-          <p:cNvPicPr>
-            <a:picLocks noChangeAspect="1"/>
-          </p:cNvPicPr>
-          <p:nvPr/>
-        </p:nvPicPr>
-        <p:blipFill>
-          <a:blip r:embed="rId4"/>
-          <a:stretch>
-            <a:fillRect/>
-          </a:stretch>
-        </p:blipFill>
-        <p:spPr>
-          <a:xfrm>
-            <a:off x="7756922" y="729025"/>
-            <a:ext cx="3642676" cy="5197290"/>
-          </a:xfrm>
-          <a:prstGeom prst="rect">
-            <a:avLst/>
-          </a:prstGeom>
-        </p:spPr>
-      </p:pic>
-    </p:spTree>
-    <p:extLst>
-      <p:ext uri="{BB962C8B-B14F-4D97-AF65-F5344CB8AC3E}">
-        <p14:creationId xmlns:p14="http://schemas.microsoft.com/office/powerpoint/2010/main" val="1024922132"/>
       </p:ext>
     </p:extLst>
   </p:cSld>
@@ -14462,12 +12463,6 @@
 </file>
 
 <file path=customXml/item2.xml><?xml version="1.0" encoding="utf-8"?>
-<p:properties xmlns:p="http://schemas.microsoft.com/office/2006/metadata/properties" xmlns:xsi="http://www.w3.org/2001/XMLSchema-instance" xmlns:pc="http://schemas.microsoft.com/office/infopath/2007/PartnerControls">
-  <documentManagement/>
-</p:properties>
-</file>
-
-<file path=customXml/item3.xml><?xml version="1.0" encoding="utf-8"?>
 <ct:contentTypeSchema xmlns:ct="http://schemas.microsoft.com/office/2006/metadata/contentType" xmlns:ma="http://schemas.microsoft.com/office/2006/metadata/properties/metaAttributes" ct:_="" ma:_="" ma:contentTypeName="문서" ma:contentTypeID="0x010100069E9B57EE2795448F0A5E9185979C4D" ma:contentTypeVersion="8" ma:contentTypeDescription="새 문서를 만듭니다." ma:contentTypeScope="" ma:versionID="ebe0296ce44ae013142285ed7e07a224">
   <xsd:schema xmlns:xsd="http://www.w3.org/2001/XMLSchema" xmlns:xs="http://www.w3.org/2001/XMLSchema" xmlns:p="http://schemas.microsoft.com/office/2006/metadata/properties" xmlns:ns3="830c12de-feef-4459-9b5f-ae8f8d246afc" targetNamespace="http://schemas.microsoft.com/office/2006/metadata/properties" ma:root="true" ma:fieldsID="9b81d5a7373f737e47b28cbf5b27ef70" ns3:_="">
     <xsd:import namespace="830c12de-feef-4459-9b5f-ae8f8d246afc"/>
@@ -14637,6 +12632,12 @@
 </ct:contentTypeSchema>
 </file>
 
+<file path=customXml/item3.xml><?xml version="1.0" encoding="utf-8"?>
+<p:properties xmlns:p="http://schemas.microsoft.com/office/2006/metadata/properties" xmlns:xsi="http://www.w3.org/2001/XMLSchema-instance" xmlns:pc="http://schemas.microsoft.com/office/infopath/2007/PartnerControls">
+  <documentManagement/>
+</p:properties>
+</file>
+
 <file path=customXml/itemProps1.xml><?xml version="1.0" encoding="utf-8"?>
 <ds:datastoreItem xmlns:ds="http://schemas.openxmlformats.org/officeDocument/2006/customXml" ds:itemID="{D5BAE4EC-A401-4A94-B3A5-9FF5C310C1D2}">
   <ds:schemaRefs>
@@ -14646,16 +12647,6 @@
 </file>
 
 <file path=customXml/itemProps2.xml><?xml version="1.0" encoding="utf-8"?>
-<ds:datastoreItem xmlns:ds="http://schemas.openxmlformats.org/officeDocument/2006/customXml" ds:itemID="{9063696C-3651-4B20-95C9-9D01E44F83E0}">
-  <ds:schemaRefs>
-    <ds:schemaRef ds:uri="http://schemas.microsoft.com/office/2006/metadata/properties"/>
-    <ds:schemaRef ds:uri="http://www.w3.org/2000/xmlns/"/>
-    <ds:schemaRef ds:uri="http://schemas.microsoft.com/office/infopath/2007/PartnerControls"/>
-  </ds:schemaRefs>
-</ds:datastoreItem>
-</file>
-
-<file path=customXml/itemProps3.xml><?xml version="1.0" encoding="utf-8"?>
 <ds:datastoreItem xmlns:ds="http://schemas.openxmlformats.org/officeDocument/2006/customXml" ds:itemID="{0EC03C6A-0A9D-4AA5-9D9B-E95566FFA593}">
   <ds:schemaRefs>
     <ds:schemaRef ds:uri="http://schemas.microsoft.com/office/2006/metadata/contentType"/>
@@ -14672,4 +12663,14 @@
     <ds:schemaRef ds:uri="http://schemas.microsoft.com/internal/obd"/>
   </ds:schemaRefs>
 </ds:datastoreItem>
+</file>
+
+<file path=customXml/itemProps3.xml><?xml version="1.0" encoding="utf-8"?>
+<ds:datastoreItem xmlns:ds="http://schemas.openxmlformats.org/officeDocument/2006/customXml" ds:itemID="{9063696C-3651-4B20-95C9-9D01E44F83E0}">
+  <ds:schemaRefs>
+    <ds:schemaRef ds:uri="http://schemas.microsoft.com/office/2006/metadata/properties"/>
+    <ds:schemaRef ds:uri="http://www.w3.org/2000/xmlns/"/>
+    <ds:schemaRef ds:uri="http://schemas.microsoft.com/office/infopath/2007/PartnerControls"/>
+  </ds:schemaRefs>
+</ds:datastoreItem>
 </file>